--- a/２０１８年サイトリニューアル発表.pptx
+++ b/２０１８年サイトリニューアル発表.pptx
@@ -1,19 +1,18 @@
 
 <file path=ppt/presentation.xml><?xml version="1.0" encoding="utf-8"?>
-<p:presentation xmlns:a="http://schemas.openxmlformats.org/drawingml/2006/main" xmlns:r="http://schemas.openxmlformats.org/officeDocument/2006/relationships" xmlns:p="http://schemas.openxmlformats.org/presentationml/2006/main" saveSubsetFonts="1">
+<p:presentation xmlns:a="http://schemas.openxmlformats.org/drawingml/2006/main" xmlns:r="http://schemas.openxmlformats.org/officeDocument/2006/relationships" xmlns:mc="http://schemas.openxmlformats.org/markup-compatibility/2006" xmlns:mv="urn:schemas-microsoft-com:mac:vml" xmlns:p="http://schemas.openxmlformats.org/presentationml/2006/main" mc:Ignorable="mv" mc:PreserveAttributes="mv:*" saveSubsetFonts="1">
   <p:sldMasterIdLst>
     <p:sldMasterId id="2147483810" r:id="rId1"/>
   </p:sldMasterIdLst>
   <p:sldIdLst>
     <p:sldId id="256" r:id="rId2"/>
-    <p:sldId id="257" r:id="rId3"/>
-    <p:sldId id="258" r:id="rId4"/>
-    <p:sldId id="259" r:id="rId5"/>
-    <p:sldId id="260" r:id="rId6"/>
-    <p:sldId id="261" r:id="rId7"/>
-    <p:sldId id="262" r:id="rId8"/>
-    <p:sldId id="263" r:id="rId9"/>
-    <p:sldId id="264" r:id="rId10"/>
+    <p:sldId id="258" r:id="rId3"/>
+    <p:sldId id="259" r:id="rId4"/>
+    <p:sldId id="260" r:id="rId5"/>
+    <p:sldId id="261" r:id="rId6"/>
+    <p:sldId id="262" r:id="rId7"/>
+    <p:sldId id="263" r:id="rId8"/>
+    <p:sldId id="264" r:id="rId9"/>
   </p:sldIdLst>
   <p:sldSz cx="12192000" cy="6858000"/>
   <p:notesSz cx="6858000" cy="9144000"/>
@@ -116,7 +115,7 @@
 </file>
 
 <file path=ppt/slideLayouts/slideLayout1.xml><?xml version="1.0" encoding="utf-8"?>
-<p:sldLayout xmlns:a="http://schemas.openxmlformats.org/drawingml/2006/main" xmlns:r="http://schemas.openxmlformats.org/officeDocument/2006/relationships" xmlns:p="http://schemas.openxmlformats.org/presentationml/2006/main" showMasterSp="0" type="title" preserve="1">
+<p:sldLayout xmlns:a="http://schemas.openxmlformats.org/drawingml/2006/main" xmlns:r="http://schemas.openxmlformats.org/officeDocument/2006/relationships" xmlns:mc="http://schemas.openxmlformats.org/markup-compatibility/2006" xmlns:mv="urn:schemas-microsoft-com:mac:vml" xmlns:p="http://schemas.openxmlformats.org/presentationml/2006/main" mc:Ignorable="mv" mc:PreserveAttributes="mv:*" showMasterSp="0" type="title" preserve="1">
   <p:cSld name="タイトル スライド">
     <p:spTree>
       <p:nvGrpSpPr>
@@ -617,7 +616,8 @@
           <a:p>
             <a:fld id="{B474D209-55AF-47D1-AAF5-14FE5877620A}" type="datetimeFigureOut">
               <a:rPr kumimoji="1" lang="ja-JP" altLang="en-US" smtClean="0"/>
-              <a:t>2018/10/26</a:t>
+              <a:pPr/>
+              <a:t>18.11.16</a:t>
             </a:fld>
             <a:endParaRPr kumimoji="1" lang="ja-JP" altLang="en-US"/>
           </a:p>
@@ -664,6 +664,7 @@
           <a:p>
             <a:fld id="{D2A18130-13A6-49B9-992D-D786C2932818}" type="slidenum">
               <a:rPr kumimoji="1" lang="ja-JP" altLang="en-US" smtClean="0"/>
+              <a:pPr/>
               <a:t>‹#›</a:t>
             </a:fld>
             <a:endParaRPr kumimoji="1" lang="ja-JP" altLang="en-US"/>
@@ -673,7 +674,7 @@
     </p:spTree>
     <p:extLst>
       <p:ext uri="{BB962C8B-B14F-4D97-AF65-F5344CB8AC3E}">
-        <p14:creationId xmlns:p14="http://schemas.microsoft.com/office/powerpoint/2010/main" val="343028426"/>
+        <p14:creationId xmlns="" xmlns:a="http://schemas.openxmlformats.org/drawingml/2006/main" xmlns:r="http://schemas.openxmlformats.org/officeDocument/2006/relationships" xmlns:p="http://schemas.openxmlformats.org/presentationml/2006/main" xmlns:p14="http://schemas.microsoft.com/office/powerpoint/2010/main" xmlns:mv="urn:schemas-microsoft-com:mac:vml" xmlns:mc="http://schemas.openxmlformats.org/markup-compatibility/2006" val="343028426"/>
       </p:ext>
     </p:extLst>
   </p:cSld>
@@ -684,7 +685,7 @@
 </file>
 
 <file path=ppt/slideLayouts/slideLayout10.xml><?xml version="1.0" encoding="utf-8"?>
-<p:sldLayout xmlns:a="http://schemas.openxmlformats.org/drawingml/2006/main" xmlns:r="http://schemas.openxmlformats.org/officeDocument/2006/relationships" xmlns:p="http://schemas.openxmlformats.org/presentationml/2006/main" preserve="1">
+<p:sldLayout xmlns:a="http://schemas.openxmlformats.org/drawingml/2006/main" xmlns:r="http://schemas.openxmlformats.org/officeDocument/2006/relationships" xmlns:mc="http://schemas.openxmlformats.org/markup-compatibility/2006" xmlns:mv="urn:schemas-microsoft-com:mac:vml" xmlns:p="http://schemas.openxmlformats.org/presentationml/2006/main" mc:Ignorable="mv" mc:PreserveAttributes="mv:*" preserve="1">
   <p:cSld name="パノラマ写真 (キャプション付き)">
     <p:spTree>
       <p:nvGrpSpPr>
@@ -913,7 +914,8 @@
           <a:p>
             <a:fld id="{B474D209-55AF-47D1-AAF5-14FE5877620A}" type="datetimeFigureOut">
               <a:rPr kumimoji="1" lang="ja-JP" altLang="en-US" smtClean="0"/>
-              <a:t>2018/10/26</a:t>
+              <a:pPr/>
+              <a:t>18.11.16</a:t>
             </a:fld>
             <a:endParaRPr kumimoji="1" lang="ja-JP" altLang="en-US"/>
           </a:p>
@@ -955,6 +957,7 @@
           <a:p>
             <a:fld id="{D2A18130-13A6-49B9-992D-D786C2932818}" type="slidenum">
               <a:rPr kumimoji="1" lang="ja-JP" altLang="en-US" smtClean="0"/>
+              <a:pPr/>
               <a:t>‹#›</a:t>
             </a:fld>
             <a:endParaRPr kumimoji="1" lang="ja-JP" altLang="en-US"/>
@@ -964,7 +967,7 @@
     </p:spTree>
     <p:extLst>
       <p:ext uri="{BB962C8B-B14F-4D97-AF65-F5344CB8AC3E}">
-        <p14:creationId xmlns:p14="http://schemas.microsoft.com/office/powerpoint/2010/main" val="1078287345"/>
+        <p14:creationId xmlns="" xmlns:a="http://schemas.openxmlformats.org/drawingml/2006/main" xmlns:r="http://schemas.openxmlformats.org/officeDocument/2006/relationships" xmlns:p="http://schemas.openxmlformats.org/presentationml/2006/main" xmlns:p14="http://schemas.microsoft.com/office/powerpoint/2010/main" xmlns:mv="urn:schemas-microsoft-com:mac:vml" xmlns:mc="http://schemas.openxmlformats.org/markup-compatibility/2006" val="1078287345"/>
       </p:ext>
     </p:extLst>
   </p:cSld>
@@ -975,7 +978,7 @@
 </file>
 
 <file path=ppt/slideLayouts/slideLayout11.xml><?xml version="1.0" encoding="utf-8"?>
-<p:sldLayout xmlns:a="http://schemas.openxmlformats.org/drawingml/2006/main" xmlns:r="http://schemas.openxmlformats.org/officeDocument/2006/relationships" xmlns:p="http://schemas.openxmlformats.org/presentationml/2006/main" preserve="1">
+<p:sldLayout xmlns:a="http://schemas.openxmlformats.org/drawingml/2006/main" xmlns:r="http://schemas.openxmlformats.org/officeDocument/2006/relationships" xmlns:mc="http://schemas.openxmlformats.org/markup-compatibility/2006" xmlns:mv="urn:schemas-microsoft-com:mac:vml" xmlns:p="http://schemas.openxmlformats.org/presentationml/2006/main" mc:Ignorable="mv" mc:PreserveAttributes="mv:*" preserve="1">
   <p:cSld name="タイトルとキャプション">
     <p:spTree>
       <p:nvGrpSpPr>
@@ -1161,7 +1164,8 @@
           <a:p>
             <a:fld id="{B474D209-55AF-47D1-AAF5-14FE5877620A}" type="datetimeFigureOut">
               <a:rPr kumimoji="1" lang="ja-JP" altLang="en-US" smtClean="0"/>
-              <a:t>2018/10/26</a:t>
+              <a:pPr/>
+              <a:t>18.11.16</a:t>
             </a:fld>
             <a:endParaRPr kumimoji="1" lang="ja-JP" altLang="en-US"/>
           </a:p>
@@ -1203,6 +1207,7 @@
           <a:p>
             <a:fld id="{D2A18130-13A6-49B9-992D-D786C2932818}" type="slidenum">
               <a:rPr kumimoji="1" lang="ja-JP" altLang="en-US" smtClean="0"/>
+              <a:pPr/>
               <a:t>‹#›</a:t>
             </a:fld>
             <a:endParaRPr kumimoji="1" lang="ja-JP" altLang="en-US"/>
@@ -1212,7 +1217,7 @@
     </p:spTree>
     <p:extLst>
       <p:ext uri="{BB962C8B-B14F-4D97-AF65-F5344CB8AC3E}">
-        <p14:creationId xmlns:p14="http://schemas.microsoft.com/office/powerpoint/2010/main" val="1859573126"/>
+        <p14:creationId xmlns="" xmlns:a="http://schemas.openxmlformats.org/drawingml/2006/main" xmlns:r="http://schemas.openxmlformats.org/officeDocument/2006/relationships" xmlns:p="http://schemas.openxmlformats.org/presentationml/2006/main" xmlns:p14="http://schemas.microsoft.com/office/powerpoint/2010/main" xmlns:mv="urn:schemas-microsoft-com:mac:vml" xmlns:mc="http://schemas.openxmlformats.org/markup-compatibility/2006" val="1859573126"/>
       </p:ext>
     </p:extLst>
   </p:cSld>
@@ -1223,7 +1228,7 @@
 </file>
 
 <file path=ppt/slideLayouts/slideLayout12.xml><?xml version="1.0" encoding="utf-8"?>
-<p:sldLayout xmlns:a="http://schemas.openxmlformats.org/drawingml/2006/main" xmlns:r="http://schemas.openxmlformats.org/officeDocument/2006/relationships" xmlns:p="http://schemas.openxmlformats.org/presentationml/2006/main" preserve="1">
+<p:sldLayout xmlns:a="http://schemas.openxmlformats.org/drawingml/2006/main" xmlns:r="http://schemas.openxmlformats.org/officeDocument/2006/relationships" xmlns:mc="http://schemas.openxmlformats.org/markup-compatibility/2006" xmlns:mv="urn:schemas-microsoft-com:mac:vml" xmlns:p="http://schemas.openxmlformats.org/presentationml/2006/main" mc:Ignorable="mv" mc:PreserveAttributes="mv:*" preserve="1">
   <p:cSld name="引用 (キャプション付き)">
     <p:spTree>
       <p:nvGrpSpPr>
@@ -1701,7 +1706,8 @@
           <a:p>
             <a:fld id="{B474D209-55AF-47D1-AAF5-14FE5877620A}" type="datetimeFigureOut">
               <a:rPr kumimoji="1" lang="ja-JP" altLang="en-US" smtClean="0"/>
-              <a:t>2018/10/26</a:t>
+              <a:pPr/>
+              <a:t>18.11.16</a:t>
             </a:fld>
             <a:endParaRPr kumimoji="1" lang="ja-JP" altLang="en-US"/>
           </a:p>
@@ -1743,6 +1749,7 @@
           <a:p>
             <a:fld id="{D2A18130-13A6-49B9-992D-D786C2932818}" type="slidenum">
               <a:rPr kumimoji="1" lang="ja-JP" altLang="en-US" smtClean="0"/>
+              <a:pPr/>
               <a:t>‹#›</a:t>
             </a:fld>
             <a:endParaRPr kumimoji="1" lang="ja-JP" altLang="en-US"/>
@@ -1752,7 +1759,7 @@
     </p:spTree>
     <p:extLst>
       <p:ext uri="{BB962C8B-B14F-4D97-AF65-F5344CB8AC3E}">
-        <p14:creationId xmlns:p14="http://schemas.microsoft.com/office/powerpoint/2010/main" val="2841933392"/>
+        <p14:creationId xmlns="" xmlns:a="http://schemas.openxmlformats.org/drawingml/2006/main" xmlns:r="http://schemas.openxmlformats.org/officeDocument/2006/relationships" xmlns:p="http://schemas.openxmlformats.org/presentationml/2006/main" xmlns:p14="http://schemas.microsoft.com/office/powerpoint/2010/main" xmlns:mv="urn:schemas-microsoft-com:mac:vml" xmlns:mc="http://schemas.openxmlformats.org/markup-compatibility/2006" val="2841933392"/>
       </p:ext>
     </p:extLst>
   </p:cSld>
@@ -1763,7 +1770,7 @@
 </file>
 
 <file path=ppt/slideLayouts/slideLayout13.xml><?xml version="1.0" encoding="utf-8"?>
-<p:sldLayout xmlns:a="http://schemas.openxmlformats.org/drawingml/2006/main" xmlns:r="http://schemas.openxmlformats.org/officeDocument/2006/relationships" xmlns:p="http://schemas.openxmlformats.org/presentationml/2006/main" preserve="1">
+<p:sldLayout xmlns:a="http://schemas.openxmlformats.org/drawingml/2006/main" xmlns:r="http://schemas.openxmlformats.org/officeDocument/2006/relationships" xmlns:mc="http://schemas.openxmlformats.org/markup-compatibility/2006" xmlns:mv="urn:schemas-microsoft-com:mac:vml" xmlns:p="http://schemas.openxmlformats.org/presentationml/2006/main" mc:Ignorable="mv" mc:PreserveAttributes="mv:*" preserve="1">
   <p:cSld name="名札">
     <p:spTree>
       <p:nvGrpSpPr>
@@ -1949,7 +1956,8 @@
           <a:p>
             <a:fld id="{B474D209-55AF-47D1-AAF5-14FE5877620A}" type="datetimeFigureOut">
               <a:rPr kumimoji="1" lang="ja-JP" altLang="en-US" smtClean="0"/>
-              <a:t>2018/10/26</a:t>
+              <a:pPr/>
+              <a:t>18.11.16</a:t>
             </a:fld>
             <a:endParaRPr kumimoji="1" lang="ja-JP" altLang="en-US"/>
           </a:p>
@@ -1991,6 +1999,7 @@
           <a:p>
             <a:fld id="{D2A18130-13A6-49B9-992D-D786C2932818}" type="slidenum">
               <a:rPr kumimoji="1" lang="ja-JP" altLang="en-US" smtClean="0"/>
+              <a:pPr/>
               <a:t>‹#›</a:t>
             </a:fld>
             <a:endParaRPr kumimoji="1" lang="ja-JP" altLang="en-US"/>
@@ -2000,7 +2009,7 @@
     </p:spTree>
     <p:extLst>
       <p:ext uri="{BB962C8B-B14F-4D97-AF65-F5344CB8AC3E}">
-        <p14:creationId xmlns:p14="http://schemas.microsoft.com/office/powerpoint/2010/main" val="2543301780"/>
+        <p14:creationId xmlns="" xmlns:a="http://schemas.openxmlformats.org/drawingml/2006/main" xmlns:r="http://schemas.openxmlformats.org/officeDocument/2006/relationships" xmlns:p="http://schemas.openxmlformats.org/presentationml/2006/main" xmlns:p14="http://schemas.microsoft.com/office/powerpoint/2010/main" xmlns:mv="urn:schemas-microsoft-com:mac:vml" xmlns:mc="http://schemas.openxmlformats.org/markup-compatibility/2006" val="2543301780"/>
       </p:ext>
     </p:extLst>
   </p:cSld>
@@ -2011,7 +2020,7 @@
 </file>
 
 <file path=ppt/slideLayouts/slideLayout14.xml><?xml version="1.0" encoding="utf-8"?>
-<p:sldLayout xmlns:a="http://schemas.openxmlformats.org/drawingml/2006/main" xmlns:r="http://schemas.openxmlformats.org/officeDocument/2006/relationships" xmlns:p="http://schemas.openxmlformats.org/presentationml/2006/main" preserve="1">
+<p:sldLayout xmlns:a="http://schemas.openxmlformats.org/drawingml/2006/main" xmlns:r="http://schemas.openxmlformats.org/officeDocument/2006/relationships" xmlns:mc="http://schemas.openxmlformats.org/markup-compatibility/2006" xmlns:mv="urn:schemas-microsoft-com:mac:vml" xmlns:p="http://schemas.openxmlformats.org/presentationml/2006/main" mc:Ignorable="mv" mc:PreserveAttributes="mv:*" preserve="1">
   <p:cSld name="引用付きの名札">
     <p:spTree>
       <p:nvGrpSpPr>
@@ -2481,7 +2490,8 @@
           <a:p>
             <a:fld id="{B474D209-55AF-47D1-AAF5-14FE5877620A}" type="datetimeFigureOut">
               <a:rPr kumimoji="1" lang="ja-JP" altLang="en-US" smtClean="0"/>
-              <a:t>2018/10/26</a:t>
+              <a:pPr/>
+              <a:t>18.11.16</a:t>
             </a:fld>
             <a:endParaRPr kumimoji="1" lang="ja-JP" altLang="en-US"/>
           </a:p>
@@ -2523,6 +2533,7 @@
           <a:p>
             <a:fld id="{D2A18130-13A6-49B9-992D-D786C2932818}" type="slidenum">
               <a:rPr kumimoji="1" lang="ja-JP" altLang="en-US" smtClean="0"/>
+              <a:pPr/>
               <a:t>‹#›</a:t>
             </a:fld>
             <a:endParaRPr kumimoji="1" lang="ja-JP" altLang="en-US"/>
@@ -2532,7 +2543,7 @@
     </p:spTree>
     <p:extLst>
       <p:ext uri="{BB962C8B-B14F-4D97-AF65-F5344CB8AC3E}">
-        <p14:creationId xmlns:p14="http://schemas.microsoft.com/office/powerpoint/2010/main" val="161715117"/>
+        <p14:creationId xmlns="" xmlns:a="http://schemas.openxmlformats.org/drawingml/2006/main" xmlns:r="http://schemas.openxmlformats.org/officeDocument/2006/relationships" xmlns:p="http://schemas.openxmlformats.org/presentationml/2006/main" xmlns:p14="http://schemas.microsoft.com/office/powerpoint/2010/main" xmlns:mv="urn:schemas-microsoft-com:mac:vml" xmlns:mc="http://schemas.openxmlformats.org/markup-compatibility/2006" val="161715117"/>
       </p:ext>
     </p:extLst>
   </p:cSld>
@@ -2543,7 +2554,7 @@
 </file>
 
 <file path=ppt/slideLayouts/slideLayout15.xml><?xml version="1.0" encoding="utf-8"?>
-<p:sldLayout xmlns:a="http://schemas.openxmlformats.org/drawingml/2006/main" xmlns:r="http://schemas.openxmlformats.org/officeDocument/2006/relationships" xmlns:p="http://schemas.openxmlformats.org/presentationml/2006/main" preserve="1">
+<p:sldLayout xmlns:a="http://schemas.openxmlformats.org/drawingml/2006/main" xmlns:r="http://schemas.openxmlformats.org/officeDocument/2006/relationships" xmlns:mc="http://schemas.openxmlformats.org/markup-compatibility/2006" xmlns:mv="urn:schemas-microsoft-com:mac:vml" xmlns:p="http://schemas.openxmlformats.org/presentationml/2006/main" mc:Ignorable="mv" mc:PreserveAttributes="mv:*" preserve="1">
   <p:cSld name="真または偽">
     <p:spTree>
       <p:nvGrpSpPr>
@@ -2778,7 +2789,8 @@
           <a:p>
             <a:fld id="{B474D209-55AF-47D1-AAF5-14FE5877620A}" type="datetimeFigureOut">
               <a:rPr kumimoji="1" lang="ja-JP" altLang="en-US" smtClean="0"/>
-              <a:t>2018/10/26</a:t>
+              <a:pPr/>
+              <a:t>18.11.16</a:t>
             </a:fld>
             <a:endParaRPr kumimoji="1" lang="ja-JP" altLang="en-US"/>
           </a:p>
@@ -2820,6 +2832,7 @@
           <a:p>
             <a:fld id="{D2A18130-13A6-49B9-992D-D786C2932818}" type="slidenum">
               <a:rPr kumimoji="1" lang="ja-JP" altLang="en-US" smtClean="0"/>
+              <a:pPr/>
               <a:t>‹#›</a:t>
             </a:fld>
             <a:endParaRPr kumimoji="1" lang="ja-JP" altLang="en-US"/>
@@ -2829,7 +2842,7 @@
     </p:spTree>
     <p:extLst>
       <p:ext uri="{BB962C8B-B14F-4D97-AF65-F5344CB8AC3E}">
-        <p14:creationId xmlns:p14="http://schemas.microsoft.com/office/powerpoint/2010/main" val="3989936625"/>
+        <p14:creationId xmlns="" xmlns:a="http://schemas.openxmlformats.org/drawingml/2006/main" xmlns:r="http://schemas.openxmlformats.org/officeDocument/2006/relationships" xmlns:p="http://schemas.openxmlformats.org/presentationml/2006/main" xmlns:p14="http://schemas.microsoft.com/office/powerpoint/2010/main" xmlns:mv="urn:schemas-microsoft-com:mac:vml" xmlns:mc="http://schemas.openxmlformats.org/markup-compatibility/2006" val="3989936625"/>
       </p:ext>
     </p:extLst>
   </p:cSld>
@@ -2840,7 +2853,7 @@
 </file>
 
 <file path=ppt/slideLayouts/slideLayout16.xml><?xml version="1.0" encoding="utf-8"?>
-<p:sldLayout xmlns:a="http://schemas.openxmlformats.org/drawingml/2006/main" xmlns:r="http://schemas.openxmlformats.org/officeDocument/2006/relationships" xmlns:p="http://schemas.openxmlformats.org/presentationml/2006/main" type="vertTx" preserve="1">
+<p:sldLayout xmlns:a="http://schemas.openxmlformats.org/drawingml/2006/main" xmlns:r="http://schemas.openxmlformats.org/officeDocument/2006/relationships" xmlns:mc="http://schemas.openxmlformats.org/markup-compatibility/2006" xmlns:mv="urn:schemas-microsoft-com:mac:vml" xmlns:p="http://schemas.openxmlformats.org/presentationml/2006/main" mc:Ignorable="mv" mc:PreserveAttributes="mv:*" type="vertTx" preserve="1">
   <p:cSld name="タイトルと&#10;縦書きテキスト">
     <p:spTree>
       <p:nvGrpSpPr>
@@ -2984,7 +2997,8 @@
           <a:p>
             <a:fld id="{B474D209-55AF-47D1-AAF5-14FE5877620A}" type="datetimeFigureOut">
               <a:rPr kumimoji="1" lang="ja-JP" altLang="en-US" smtClean="0"/>
-              <a:t>2018/10/26</a:t>
+              <a:pPr/>
+              <a:t>18.11.16</a:t>
             </a:fld>
             <a:endParaRPr kumimoji="1" lang="ja-JP" altLang="en-US"/>
           </a:p>
@@ -3026,6 +3040,7 @@
           <a:p>
             <a:fld id="{D2A18130-13A6-49B9-992D-D786C2932818}" type="slidenum">
               <a:rPr kumimoji="1" lang="ja-JP" altLang="en-US" smtClean="0"/>
+              <a:pPr/>
               <a:t>‹#›</a:t>
             </a:fld>
             <a:endParaRPr kumimoji="1" lang="ja-JP" altLang="en-US"/>
@@ -3035,7 +3050,7 @@
     </p:spTree>
     <p:extLst>
       <p:ext uri="{BB962C8B-B14F-4D97-AF65-F5344CB8AC3E}">
-        <p14:creationId xmlns:p14="http://schemas.microsoft.com/office/powerpoint/2010/main" val="293991787"/>
+        <p14:creationId xmlns="" xmlns:a="http://schemas.openxmlformats.org/drawingml/2006/main" xmlns:r="http://schemas.openxmlformats.org/officeDocument/2006/relationships" xmlns:p="http://schemas.openxmlformats.org/presentationml/2006/main" xmlns:p14="http://schemas.microsoft.com/office/powerpoint/2010/main" xmlns:mv="urn:schemas-microsoft-com:mac:vml" xmlns:mc="http://schemas.openxmlformats.org/markup-compatibility/2006" val="293991787"/>
       </p:ext>
     </p:extLst>
   </p:cSld>
@@ -3046,7 +3061,7 @@
 </file>
 
 <file path=ppt/slideLayouts/slideLayout17.xml><?xml version="1.0" encoding="utf-8"?>
-<p:sldLayout xmlns:a="http://schemas.openxmlformats.org/drawingml/2006/main" xmlns:r="http://schemas.openxmlformats.org/officeDocument/2006/relationships" xmlns:p="http://schemas.openxmlformats.org/presentationml/2006/main" type="vertTitleAndTx" preserve="1">
+<p:sldLayout xmlns:a="http://schemas.openxmlformats.org/drawingml/2006/main" xmlns:r="http://schemas.openxmlformats.org/officeDocument/2006/relationships" xmlns:mc="http://schemas.openxmlformats.org/markup-compatibility/2006" xmlns:mv="urn:schemas-microsoft-com:mac:vml" xmlns:p="http://schemas.openxmlformats.org/presentationml/2006/main" mc:Ignorable="mv" mc:PreserveAttributes="mv:*" type="vertTitleAndTx" preserve="1">
   <p:cSld name="縦書きタイトルと&#10;縦書きテキスト">
     <p:spTree>
       <p:nvGrpSpPr>
@@ -3196,7 +3211,8 @@
           <a:p>
             <a:fld id="{B474D209-55AF-47D1-AAF5-14FE5877620A}" type="datetimeFigureOut">
               <a:rPr kumimoji="1" lang="ja-JP" altLang="en-US" smtClean="0"/>
-              <a:t>2018/10/26</a:t>
+              <a:pPr/>
+              <a:t>18.11.16</a:t>
             </a:fld>
             <a:endParaRPr kumimoji="1" lang="ja-JP" altLang="en-US"/>
           </a:p>
@@ -3238,6 +3254,7 @@
           <a:p>
             <a:fld id="{D2A18130-13A6-49B9-992D-D786C2932818}" type="slidenum">
               <a:rPr kumimoji="1" lang="ja-JP" altLang="en-US" smtClean="0"/>
+              <a:pPr/>
               <a:t>‹#›</a:t>
             </a:fld>
             <a:endParaRPr kumimoji="1" lang="ja-JP" altLang="en-US"/>
@@ -3247,7 +3264,7 @@
     </p:spTree>
     <p:extLst>
       <p:ext uri="{BB962C8B-B14F-4D97-AF65-F5344CB8AC3E}">
-        <p14:creationId xmlns:p14="http://schemas.microsoft.com/office/powerpoint/2010/main" val="2003598740"/>
+        <p14:creationId xmlns="" xmlns:a="http://schemas.openxmlformats.org/drawingml/2006/main" xmlns:r="http://schemas.openxmlformats.org/officeDocument/2006/relationships" xmlns:p="http://schemas.openxmlformats.org/presentationml/2006/main" xmlns:p14="http://schemas.microsoft.com/office/powerpoint/2010/main" xmlns:mv="urn:schemas-microsoft-com:mac:vml" xmlns:mc="http://schemas.openxmlformats.org/markup-compatibility/2006" val="2003598740"/>
       </p:ext>
     </p:extLst>
   </p:cSld>
@@ -3258,7 +3275,7 @@
 </file>
 
 <file path=ppt/slideLayouts/slideLayout2.xml><?xml version="1.0" encoding="utf-8"?>
-<p:sldLayout xmlns:a="http://schemas.openxmlformats.org/drawingml/2006/main" xmlns:r="http://schemas.openxmlformats.org/officeDocument/2006/relationships" xmlns:p="http://schemas.openxmlformats.org/presentationml/2006/main" type="obj" preserve="1">
+<p:sldLayout xmlns:a="http://schemas.openxmlformats.org/drawingml/2006/main" xmlns:r="http://schemas.openxmlformats.org/officeDocument/2006/relationships" xmlns:mc="http://schemas.openxmlformats.org/markup-compatibility/2006" xmlns:mv="urn:schemas-microsoft-com:mac:vml" xmlns:p="http://schemas.openxmlformats.org/presentationml/2006/main" mc:Ignorable="mv" mc:PreserveAttributes="mv:*" type="obj" preserve="1">
   <p:cSld name="タイトルとコンテンツ">
     <p:spTree>
       <p:nvGrpSpPr>
@@ -3398,7 +3415,8 @@
           <a:p>
             <a:fld id="{B474D209-55AF-47D1-AAF5-14FE5877620A}" type="datetimeFigureOut">
               <a:rPr kumimoji="1" lang="ja-JP" altLang="en-US" smtClean="0"/>
-              <a:t>2018/10/26</a:t>
+              <a:pPr/>
+              <a:t>18.11.16</a:t>
             </a:fld>
             <a:endParaRPr kumimoji="1" lang="ja-JP" altLang="en-US"/>
           </a:p>
@@ -3445,6 +3463,7 @@
           <a:p>
             <a:fld id="{D2A18130-13A6-49B9-992D-D786C2932818}" type="slidenum">
               <a:rPr kumimoji="1" lang="ja-JP" altLang="en-US" smtClean="0"/>
+              <a:pPr/>
               <a:t>‹#›</a:t>
             </a:fld>
             <a:endParaRPr kumimoji="1" lang="ja-JP" altLang="en-US"/>
@@ -3454,7 +3473,7 @@
     </p:spTree>
     <p:extLst>
       <p:ext uri="{BB962C8B-B14F-4D97-AF65-F5344CB8AC3E}">
-        <p14:creationId xmlns:p14="http://schemas.microsoft.com/office/powerpoint/2010/main" val="1320274938"/>
+        <p14:creationId xmlns="" xmlns:a="http://schemas.openxmlformats.org/drawingml/2006/main" xmlns:r="http://schemas.openxmlformats.org/officeDocument/2006/relationships" xmlns:p="http://schemas.openxmlformats.org/presentationml/2006/main" xmlns:p14="http://schemas.microsoft.com/office/powerpoint/2010/main" xmlns:mv="urn:schemas-microsoft-com:mac:vml" xmlns:mc="http://schemas.openxmlformats.org/markup-compatibility/2006" val="1320274938"/>
       </p:ext>
     </p:extLst>
   </p:cSld>
@@ -3465,7 +3484,7 @@
 </file>
 
 <file path=ppt/slideLayouts/slideLayout3.xml><?xml version="1.0" encoding="utf-8"?>
-<p:sldLayout xmlns:a="http://schemas.openxmlformats.org/drawingml/2006/main" xmlns:r="http://schemas.openxmlformats.org/officeDocument/2006/relationships" xmlns:p="http://schemas.openxmlformats.org/presentationml/2006/main" type="secHead" preserve="1">
+<p:sldLayout xmlns:a="http://schemas.openxmlformats.org/drawingml/2006/main" xmlns:r="http://schemas.openxmlformats.org/officeDocument/2006/relationships" xmlns:mc="http://schemas.openxmlformats.org/markup-compatibility/2006" xmlns:mv="urn:schemas-microsoft-com:mac:vml" xmlns:p="http://schemas.openxmlformats.org/presentationml/2006/main" mc:Ignorable="mv" mc:PreserveAttributes="mv:*" type="secHead" preserve="1">
   <p:cSld name="セクション見出し">
     <p:spTree>
       <p:nvGrpSpPr>
@@ -3649,7 +3668,8 @@
           <a:p>
             <a:fld id="{B474D209-55AF-47D1-AAF5-14FE5877620A}" type="datetimeFigureOut">
               <a:rPr kumimoji="1" lang="ja-JP" altLang="en-US" smtClean="0"/>
-              <a:t>2018/10/26</a:t>
+              <a:pPr/>
+              <a:t>18.11.16</a:t>
             </a:fld>
             <a:endParaRPr kumimoji="1" lang="ja-JP" altLang="en-US"/>
           </a:p>
@@ -3691,6 +3711,7 @@
           <a:p>
             <a:fld id="{D2A18130-13A6-49B9-992D-D786C2932818}" type="slidenum">
               <a:rPr kumimoji="1" lang="ja-JP" altLang="en-US" smtClean="0"/>
+              <a:pPr/>
               <a:t>‹#›</a:t>
             </a:fld>
             <a:endParaRPr kumimoji="1" lang="ja-JP" altLang="en-US"/>
@@ -3700,7 +3721,7 @@
     </p:spTree>
     <p:extLst>
       <p:ext uri="{BB962C8B-B14F-4D97-AF65-F5344CB8AC3E}">
-        <p14:creationId xmlns:p14="http://schemas.microsoft.com/office/powerpoint/2010/main" val="2595505493"/>
+        <p14:creationId xmlns="" xmlns:a="http://schemas.openxmlformats.org/drawingml/2006/main" xmlns:r="http://schemas.openxmlformats.org/officeDocument/2006/relationships" xmlns:p="http://schemas.openxmlformats.org/presentationml/2006/main" xmlns:p14="http://schemas.microsoft.com/office/powerpoint/2010/main" xmlns:mv="urn:schemas-microsoft-com:mac:vml" xmlns:mc="http://schemas.openxmlformats.org/markup-compatibility/2006" val="2595505493"/>
       </p:ext>
     </p:extLst>
   </p:cSld>
@@ -3711,7 +3732,7 @@
 </file>
 
 <file path=ppt/slideLayouts/slideLayout4.xml><?xml version="1.0" encoding="utf-8"?>
-<p:sldLayout xmlns:a="http://schemas.openxmlformats.org/drawingml/2006/main" xmlns:r="http://schemas.openxmlformats.org/officeDocument/2006/relationships" xmlns:p="http://schemas.openxmlformats.org/presentationml/2006/main" type="twoObj" preserve="1">
+<p:sldLayout xmlns:a="http://schemas.openxmlformats.org/drawingml/2006/main" xmlns:r="http://schemas.openxmlformats.org/officeDocument/2006/relationships" xmlns:mc="http://schemas.openxmlformats.org/markup-compatibility/2006" xmlns:mv="urn:schemas-microsoft-com:mac:vml" xmlns:p="http://schemas.openxmlformats.org/presentationml/2006/main" mc:Ignorable="mv" mc:PreserveAttributes="mv:*" type="twoObj" preserve="1">
   <p:cSld name="2 つのコンテンツ">
     <p:spTree>
       <p:nvGrpSpPr>
@@ -4010,7 +4031,8 @@
           <a:p>
             <a:fld id="{B474D209-55AF-47D1-AAF5-14FE5877620A}" type="datetimeFigureOut">
               <a:rPr kumimoji="1" lang="ja-JP" altLang="en-US" smtClean="0"/>
-              <a:t>2018/10/26</a:t>
+              <a:pPr/>
+              <a:t>18.11.16</a:t>
             </a:fld>
             <a:endParaRPr kumimoji="1" lang="ja-JP" altLang="en-US"/>
           </a:p>
@@ -4052,6 +4074,7 @@
           <a:p>
             <a:fld id="{D2A18130-13A6-49B9-992D-D786C2932818}" type="slidenum">
               <a:rPr kumimoji="1" lang="ja-JP" altLang="en-US" smtClean="0"/>
+              <a:pPr/>
               <a:t>‹#›</a:t>
             </a:fld>
             <a:endParaRPr kumimoji="1" lang="ja-JP" altLang="en-US"/>
@@ -4061,7 +4084,7 @@
     </p:spTree>
     <p:extLst>
       <p:ext uri="{BB962C8B-B14F-4D97-AF65-F5344CB8AC3E}">
-        <p14:creationId xmlns:p14="http://schemas.microsoft.com/office/powerpoint/2010/main" val="1429007916"/>
+        <p14:creationId xmlns="" xmlns:a="http://schemas.openxmlformats.org/drawingml/2006/main" xmlns:r="http://schemas.openxmlformats.org/officeDocument/2006/relationships" xmlns:p="http://schemas.openxmlformats.org/presentationml/2006/main" xmlns:p14="http://schemas.microsoft.com/office/powerpoint/2010/main" xmlns:mv="urn:schemas-microsoft-com:mac:vml" xmlns:mc="http://schemas.openxmlformats.org/markup-compatibility/2006" val="1429007916"/>
       </p:ext>
     </p:extLst>
   </p:cSld>
@@ -4072,7 +4095,7 @@
 </file>
 
 <file path=ppt/slideLayouts/slideLayout5.xml><?xml version="1.0" encoding="utf-8"?>
-<p:sldLayout xmlns:a="http://schemas.openxmlformats.org/drawingml/2006/main" xmlns:r="http://schemas.openxmlformats.org/officeDocument/2006/relationships" xmlns:p="http://schemas.openxmlformats.org/presentationml/2006/main" type="twoTxTwoObj" preserve="1">
+<p:sldLayout xmlns:a="http://schemas.openxmlformats.org/drawingml/2006/main" xmlns:r="http://schemas.openxmlformats.org/officeDocument/2006/relationships" xmlns:mc="http://schemas.openxmlformats.org/markup-compatibility/2006" xmlns:mv="urn:schemas-microsoft-com:mac:vml" xmlns:p="http://schemas.openxmlformats.org/presentationml/2006/main" mc:Ignorable="mv" mc:PreserveAttributes="mv:*" type="twoTxTwoObj" preserve="1">
   <p:cSld name="比較">
     <p:spTree>
       <p:nvGrpSpPr>
@@ -4516,7 +4539,8 @@
           <a:p>
             <a:fld id="{B474D209-55AF-47D1-AAF5-14FE5877620A}" type="datetimeFigureOut">
               <a:rPr kumimoji="1" lang="ja-JP" altLang="en-US" smtClean="0"/>
-              <a:t>2018/10/26</a:t>
+              <a:pPr/>
+              <a:t>18.11.16</a:t>
             </a:fld>
             <a:endParaRPr kumimoji="1" lang="ja-JP" altLang="en-US"/>
           </a:p>
@@ -4558,6 +4582,7 @@
           <a:p>
             <a:fld id="{D2A18130-13A6-49B9-992D-D786C2932818}" type="slidenum">
               <a:rPr kumimoji="1" lang="ja-JP" altLang="en-US" smtClean="0"/>
+              <a:pPr/>
               <a:t>‹#›</a:t>
             </a:fld>
             <a:endParaRPr kumimoji="1" lang="ja-JP" altLang="en-US"/>
@@ -4567,7 +4592,7 @@
     </p:spTree>
     <p:extLst>
       <p:ext uri="{BB962C8B-B14F-4D97-AF65-F5344CB8AC3E}">
-        <p14:creationId xmlns:p14="http://schemas.microsoft.com/office/powerpoint/2010/main" val="1820591506"/>
+        <p14:creationId xmlns="" xmlns:a="http://schemas.openxmlformats.org/drawingml/2006/main" xmlns:r="http://schemas.openxmlformats.org/officeDocument/2006/relationships" xmlns:p="http://schemas.openxmlformats.org/presentationml/2006/main" xmlns:p14="http://schemas.microsoft.com/office/powerpoint/2010/main" xmlns:mv="urn:schemas-microsoft-com:mac:vml" xmlns:mc="http://schemas.openxmlformats.org/markup-compatibility/2006" val="1820591506"/>
       </p:ext>
     </p:extLst>
   </p:cSld>
@@ -4578,7 +4603,7 @@
 </file>
 
 <file path=ppt/slideLayouts/slideLayout6.xml><?xml version="1.0" encoding="utf-8"?>
-<p:sldLayout xmlns:a="http://schemas.openxmlformats.org/drawingml/2006/main" xmlns:r="http://schemas.openxmlformats.org/officeDocument/2006/relationships" xmlns:p="http://schemas.openxmlformats.org/presentationml/2006/main" type="titleOnly" preserve="1">
+<p:sldLayout xmlns:a="http://schemas.openxmlformats.org/drawingml/2006/main" xmlns:r="http://schemas.openxmlformats.org/officeDocument/2006/relationships" xmlns:mc="http://schemas.openxmlformats.org/markup-compatibility/2006" xmlns:mv="urn:schemas-microsoft-com:mac:vml" xmlns:p="http://schemas.openxmlformats.org/presentationml/2006/main" mc:Ignorable="mv" mc:PreserveAttributes="mv:*" type="titleOnly" preserve="1">
   <p:cSld name="タイトルのみ">
     <p:spTree>
       <p:nvGrpSpPr>
@@ -4634,7 +4659,8 @@
           <a:p>
             <a:fld id="{B474D209-55AF-47D1-AAF5-14FE5877620A}" type="datetimeFigureOut">
               <a:rPr kumimoji="1" lang="ja-JP" altLang="en-US" smtClean="0"/>
-              <a:t>2018/10/26</a:t>
+              <a:pPr/>
+              <a:t>18.11.16</a:t>
             </a:fld>
             <a:endParaRPr kumimoji="1" lang="ja-JP" altLang="en-US"/>
           </a:p>
@@ -4676,6 +4702,7 @@
           <a:p>
             <a:fld id="{D2A18130-13A6-49B9-992D-D786C2932818}" type="slidenum">
               <a:rPr kumimoji="1" lang="ja-JP" altLang="en-US" smtClean="0"/>
+              <a:pPr/>
               <a:t>‹#›</a:t>
             </a:fld>
             <a:endParaRPr kumimoji="1" lang="ja-JP" altLang="en-US"/>
@@ -4685,7 +4712,7 @@
     </p:spTree>
     <p:extLst>
       <p:ext uri="{BB962C8B-B14F-4D97-AF65-F5344CB8AC3E}">
-        <p14:creationId xmlns:p14="http://schemas.microsoft.com/office/powerpoint/2010/main" val="3711846089"/>
+        <p14:creationId xmlns="" xmlns:a="http://schemas.openxmlformats.org/drawingml/2006/main" xmlns:r="http://schemas.openxmlformats.org/officeDocument/2006/relationships" xmlns:p="http://schemas.openxmlformats.org/presentationml/2006/main" xmlns:p14="http://schemas.microsoft.com/office/powerpoint/2010/main" xmlns:mv="urn:schemas-microsoft-com:mac:vml" xmlns:mc="http://schemas.openxmlformats.org/markup-compatibility/2006" val="3711846089"/>
       </p:ext>
     </p:extLst>
   </p:cSld>
@@ -4696,7 +4723,7 @@
 </file>
 
 <file path=ppt/slideLayouts/slideLayout7.xml><?xml version="1.0" encoding="utf-8"?>
-<p:sldLayout xmlns:a="http://schemas.openxmlformats.org/drawingml/2006/main" xmlns:r="http://schemas.openxmlformats.org/officeDocument/2006/relationships" xmlns:p="http://schemas.openxmlformats.org/presentationml/2006/main" type="blank" preserve="1">
+<p:sldLayout xmlns:a="http://schemas.openxmlformats.org/drawingml/2006/main" xmlns:r="http://schemas.openxmlformats.org/officeDocument/2006/relationships" xmlns:mc="http://schemas.openxmlformats.org/markup-compatibility/2006" xmlns:mv="urn:schemas-microsoft-com:mac:vml" xmlns:p="http://schemas.openxmlformats.org/presentationml/2006/main" mc:Ignorable="mv" mc:PreserveAttributes="mv:*" type="blank" preserve="1">
   <p:cSld name="白紙">
     <p:spTree>
       <p:nvGrpSpPr>
@@ -4729,7 +4756,8 @@
           <a:p>
             <a:fld id="{B474D209-55AF-47D1-AAF5-14FE5877620A}" type="datetimeFigureOut">
               <a:rPr kumimoji="1" lang="ja-JP" altLang="en-US" smtClean="0"/>
-              <a:t>2018/10/26</a:t>
+              <a:pPr/>
+              <a:t>18.11.16</a:t>
             </a:fld>
             <a:endParaRPr kumimoji="1" lang="ja-JP" altLang="en-US"/>
           </a:p>
@@ -4771,6 +4799,7 @@
           <a:p>
             <a:fld id="{D2A18130-13A6-49B9-992D-D786C2932818}" type="slidenum">
               <a:rPr kumimoji="1" lang="ja-JP" altLang="en-US" smtClean="0"/>
+              <a:pPr/>
               <a:t>‹#›</a:t>
             </a:fld>
             <a:endParaRPr kumimoji="1" lang="ja-JP" altLang="en-US"/>
@@ -4780,7 +4809,7 @@
     </p:spTree>
     <p:extLst>
       <p:ext uri="{BB962C8B-B14F-4D97-AF65-F5344CB8AC3E}">
-        <p14:creationId xmlns:p14="http://schemas.microsoft.com/office/powerpoint/2010/main" val="3874058151"/>
+        <p14:creationId xmlns="" xmlns:a="http://schemas.openxmlformats.org/drawingml/2006/main" xmlns:r="http://schemas.openxmlformats.org/officeDocument/2006/relationships" xmlns:p="http://schemas.openxmlformats.org/presentationml/2006/main" xmlns:p14="http://schemas.microsoft.com/office/powerpoint/2010/main" xmlns:mv="urn:schemas-microsoft-com:mac:vml" xmlns:mc="http://schemas.openxmlformats.org/markup-compatibility/2006" val="3874058151"/>
       </p:ext>
     </p:extLst>
   </p:cSld>
@@ -4791,7 +4820,7 @@
 </file>
 
 <file path=ppt/slideLayouts/slideLayout8.xml><?xml version="1.0" encoding="utf-8"?>
-<p:sldLayout xmlns:a="http://schemas.openxmlformats.org/drawingml/2006/main" xmlns:r="http://schemas.openxmlformats.org/officeDocument/2006/relationships" xmlns:p="http://schemas.openxmlformats.org/presentationml/2006/main" type="objTx" preserve="1">
+<p:sldLayout xmlns:a="http://schemas.openxmlformats.org/drawingml/2006/main" xmlns:r="http://schemas.openxmlformats.org/officeDocument/2006/relationships" xmlns:mc="http://schemas.openxmlformats.org/markup-compatibility/2006" xmlns:mv="urn:schemas-microsoft-com:mac:vml" xmlns:p="http://schemas.openxmlformats.org/presentationml/2006/main" mc:Ignorable="mv" mc:PreserveAttributes="mv:*" type="objTx" preserve="1">
   <p:cSld name="タイトル付きの&#10;コンテンツ">
     <p:spTree>
       <p:nvGrpSpPr>
@@ -5044,7 +5073,8 @@
           <a:p>
             <a:fld id="{B474D209-55AF-47D1-AAF5-14FE5877620A}" type="datetimeFigureOut">
               <a:rPr kumimoji="1" lang="ja-JP" altLang="en-US" smtClean="0"/>
-              <a:t>2018/10/26</a:t>
+              <a:pPr/>
+              <a:t>18.11.16</a:t>
             </a:fld>
             <a:endParaRPr kumimoji="1" lang="ja-JP" altLang="en-US"/>
           </a:p>
@@ -5086,6 +5116,7 @@
           <a:p>
             <a:fld id="{D2A18130-13A6-49B9-992D-D786C2932818}" type="slidenum">
               <a:rPr kumimoji="1" lang="ja-JP" altLang="en-US" smtClean="0"/>
+              <a:pPr/>
               <a:t>‹#›</a:t>
             </a:fld>
             <a:endParaRPr kumimoji="1" lang="ja-JP" altLang="en-US"/>
@@ -5095,7 +5126,7 @@
     </p:spTree>
     <p:extLst>
       <p:ext uri="{BB962C8B-B14F-4D97-AF65-F5344CB8AC3E}">
-        <p14:creationId xmlns:p14="http://schemas.microsoft.com/office/powerpoint/2010/main" val="1951763546"/>
+        <p14:creationId xmlns="" xmlns:a="http://schemas.openxmlformats.org/drawingml/2006/main" xmlns:r="http://schemas.openxmlformats.org/officeDocument/2006/relationships" xmlns:p="http://schemas.openxmlformats.org/presentationml/2006/main" xmlns:p14="http://schemas.microsoft.com/office/powerpoint/2010/main" xmlns:mv="urn:schemas-microsoft-com:mac:vml" xmlns:mc="http://schemas.openxmlformats.org/markup-compatibility/2006" val="1951763546"/>
       </p:ext>
     </p:extLst>
   </p:cSld>
@@ -5106,7 +5137,7 @@
 </file>
 
 <file path=ppt/slideLayouts/slideLayout9.xml><?xml version="1.0" encoding="utf-8"?>
-<p:sldLayout xmlns:a="http://schemas.openxmlformats.org/drawingml/2006/main" xmlns:r="http://schemas.openxmlformats.org/officeDocument/2006/relationships" xmlns:p="http://schemas.openxmlformats.org/presentationml/2006/main" type="picTx" preserve="1">
+<p:sldLayout xmlns:a="http://schemas.openxmlformats.org/drawingml/2006/main" xmlns:r="http://schemas.openxmlformats.org/officeDocument/2006/relationships" xmlns:mc="http://schemas.openxmlformats.org/markup-compatibility/2006" xmlns:mv="urn:schemas-microsoft-com:mac:vml" xmlns:p="http://schemas.openxmlformats.org/presentationml/2006/main" mc:Ignorable="mv" mc:PreserveAttributes="mv:*" type="picTx" preserve="1">
   <p:cSld name="タイトル付きの図">
     <p:spTree>
       <p:nvGrpSpPr>
@@ -5335,7 +5366,8 @@
           <a:p>
             <a:fld id="{B474D209-55AF-47D1-AAF5-14FE5877620A}" type="datetimeFigureOut">
               <a:rPr kumimoji="1" lang="ja-JP" altLang="en-US" smtClean="0"/>
-              <a:t>2018/10/26</a:t>
+              <a:pPr/>
+              <a:t>18.11.16</a:t>
             </a:fld>
             <a:endParaRPr kumimoji="1" lang="ja-JP" altLang="en-US"/>
           </a:p>
@@ -5382,6 +5414,7 @@
           <a:p>
             <a:fld id="{D2A18130-13A6-49B9-992D-D786C2932818}" type="slidenum">
               <a:rPr kumimoji="1" lang="ja-JP" altLang="en-US" smtClean="0"/>
+              <a:pPr/>
               <a:t>‹#›</a:t>
             </a:fld>
             <a:endParaRPr kumimoji="1" lang="ja-JP" altLang="en-US"/>
@@ -5391,7 +5424,7 @@
     </p:spTree>
     <p:extLst>
       <p:ext uri="{BB962C8B-B14F-4D97-AF65-F5344CB8AC3E}">
-        <p14:creationId xmlns:p14="http://schemas.microsoft.com/office/powerpoint/2010/main" val="1364245887"/>
+        <p14:creationId xmlns="" xmlns:a="http://schemas.openxmlformats.org/drawingml/2006/main" xmlns:r="http://schemas.openxmlformats.org/officeDocument/2006/relationships" xmlns:p="http://schemas.openxmlformats.org/presentationml/2006/main" xmlns:p14="http://schemas.microsoft.com/office/powerpoint/2010/main" xmlns:mv="urn:schemas-microsoft-com:mac:vml" xmlns:mc="http://schemas.openxmlformats.org/markup-compatibility/2006" val="1364245887"/>
       </p:ext>
     </p:extLst>
   </p:cSld>
@@ -5402,7 +5435,7 @@
 </file>
 
 <file path=ppt/slideMasters/slideMaster1.xml><?xml version="1.0" encoding="utf-8"?>
-<p:sldMaster xmlns:a="http://schemas.openxmlformats.org/drawingml/2006/main" xmlns:r="http://schemas.openxmlformats.org/officeDocument/2006/relationships" xmlns:p="http://schemas.openxmlformats.org/presentationml/2006/main">
+<p:sldMaster xmlns:a="http://schemas.openxmlformats.org/drawingml/2006/main" xmlns:r="http://schemas.openxmlformats.org/officeDocument/2006/relationships" xmlns:mc="http://schemas.openxmlformats.org/markup-compatibility/2006" xmlns:mv="urn:schemas-microsoft-com:mac:vml" xmlns:p="http://schemas.openxmlformats.org/presentationml/2006/main" mc:Ignorable="mv" mc:PreserveAttributes="mv:*">
   <p:cSld>
     <p:bg>
       <p:bgRef idx="1003">
@@ -5902,7 +5935,8 @@
           <a:p>
             <a:fld id="{B474D209-55AF-47D1-AAF5-14FE5877620A}" type="datetimeFigureOut">
               <a:rPr kumimoji="1" lang="ja-JP" altLang="en-US" smtClean="0"/>
-              <a:t>2018/10/26</a:t>
+              <a:pPr/>
+              <a:t>18.11.16</a:t>
             </a:fld>
             <a:endParaRPr kumimoji="1" lang="ja-JP" altLang="en-US"/>
           </a:p>
@@ -5980,6 +6014,7 @@
           <a:p>
             <a:fld id="{D2A18130-13A6-49B9-992D-D786C2932818}" type="slidenum">
               <a:rPr kumimoji="1" lang="ja-JP" altLang="en-US" smtClean="0"/>
+              <a:pPr/>
               <a:t>‹#›</a:t>
             </a:fld>
             <a:endParaRPr kumimoji="1" lang="ja-JP" altLang="en-US"/>
@@ -5989,7 +6024,7 @@
     </p:spTree>
     <p:extLst>
       <p:ext uri="{BB962C8B-B14F-4D97-AF65-F5344CB8AC3E}">
-        <p14:creationId xmlns:p14="http://schemas.microsoft.com/office/powerpoint/2010/main" val="2238682231"/>
+        <p14:creationId xmlns="" xmlns:a="http://schemas.openxmlformats.org/drawingml/2006/main" xmlns:r="http://schemas.openxmlformats.org/officeDocument/2006/relationships" xmlns:p="http://schemas.openxmlformats.org/presentationml/2006/main" xmlns:p14="http://schemas.microsoft.com/office/powerpoint/2010/main" xmlns:mv="urn:schemas-microsoft-com:mac:vml" xmlns:mc="http://schemas.openxmlformats.org/markup-compatibility/2006" val="2238682231"/>
       </p:ext>
     </p:extLst>
   </p:cSld>
@@ -6417,7 +6452,7 @@
 </file>
 
 <file path=ppt/slides/slide1.xml><?xml version="1.0" encoding="utf-8"?>
-<p:sld xmlns:a="http://schemas.openxmlformats.org/drawingml/2006/main" xmlns:r="http://schemas.openxmlformats.org/officeDocument/2006/relationships" xmlns:p="http://schemas.openxmlformats.org/presentationml/2006/main">
+<p:sld xmlns:a="http://schemas.openxmlformats.org/drawingml/2006/main" xmlns:r="http://schemas.openxmlformats.org/officeDocument/2006/relationships" xmlns:mc="http://schemas.openxmlformats.org/markup-compatibility/2006" xmlns:mv="urn:schemas-microsoft-com:mac:vml" xmlns:p="http://schemas.openxmlformats.org/presentationml/2006/main" mc:Ignorable="mv" mc:PreserveAttributes="mv:*">
   <p:cSld>
     <p:spTree>
       <p:nvGrpSpPr>
@@ -6486,7 +6521,7 @@
     </p:spTree>
     <p:extLst>
       <p:ext uri="{BB962C8B-B14F-4D97-AF65-F5344CB8AC3E}">
-        <p14:creationId xmlns:p14="http://schemas.microsoft.com/office/powerpoint/2010/main" val="3172651374"/>
+        <p14:creationId xmlns="" xmlns:a="http://schemas.openxmlformats.org/drawingml/2006/main" xmlns:r="http://schemas.openxmlformats.org/officeDocument/2006/relationships" xmlns:p="http://schemas.openxmlformats.org/presentationml/2006/main" xmlns:p14="http://schemas.microsoft.com/office/powerpoint/2010/main" xmlns:mv="urn:schemas-microsoft-com:mac:vml" xmlns:mc="http://schemas.openxmlformats.org/markup-compatibility/2006" val="3172651374"/>
       </p:ext>
     </p:extLst>
   </p:cSld>
@@ -6497,7 +6532,7 @@
 </file>
 
 <file path=ppt/slides/slide2.xml><?xml version="1.0" encoding="utf-8"?>
-<p:sld xmlns:a="http://schemas.openxmlformats.org/drawingml/2006/main" xmlns:r="http://schemas.openxmlformats.org/officeDocument/2006/relationships" xmlns:p="http://schemas.openxmlformats.org/presentationml/2006/main">
+<p:sld xmlns:a="http://schemas.openxmlformats.org/drawingml/2006/main" xmlns:r="http://schemas.openxmlformats.org/officeDocument/2006/relationships" xmlns:mc="http://schemas.openxmlformats.org/markup-compatibility/2006" xmlns:mv="urn:schemas-microsoft-com:mac:vml" xmlns:p="http://schemas.openxmlformats.org/presentationml/2006/main" mc:Ignorable="mv" mc:PreserveAttributes="mv:*">
   <p:cSld>
     <p:spTree>
       <p:nvGrpSpPr>
@@ -6525,58 +6560,207 @@
         </p:nvSpPr>
         <p:spPr/>
         <p:txBody>
-          <a:bodyPr/>
+          <a:bodyPr>
+            <a:normAutofit fontScale="90000"/>
+          </a:bodyPr>
           <a:lstStyle/>
           <a:p>
             <a:r>
-              <a:rPr lang="ja-JP" altLang="en-US" sz="4800" dirty="0" smtClean="0"/>
+              <a:rPr lang="ja-JP" altLang="en-US" dirty="0" smtClean="0"/>
+              <a:t/>
+            </a:r>
+            <a:br>
+              <a:rPr lang="ja-JP" altLang="en-US" dirty="0" smtClean="0"/>
+            </a:br>
+            <a:r>
+              <a:rPr lang="ja-JP" altLang="en-US" dirty="0" smtClean="0"/>
+              <a:t>目的と達成する為の手段</a:t>
+            </a:r>
+            <a:r>
+              <a:rPr lang="ja-JP" altLang="en-US" sz="5300" dirty="0" smtClean="0"/>
+              <a:t/>
+            </a:r>
+            <a:br>
+              <a:rPr lang="ja-JP" altLang="en-US" sz="5300" dirty="0" smtClean="0"/>
+            </a:br>
+            <a:endParaRPr kumimoji="1" lang="ja-JP" altLang="en-US" sz="5300" dirty="0"/>
+          </a:p>
+        </p:txBody>
+      </p:sp>
+      <p:sp>
+        <p:nvSpPr>
+          <p:cNvPr id="3" name="コンテンツ プレースホルダー 2"/>
+          <p:cNvSpPr>
+            <a:spLocks noGrp="1"/>
+          </p:cNvSpPr>
+          <p:nvPr>
+            <p:ph idx="1"/>
+          </p:nvPr>
+        </p:nvSpPr>
+        <p:spPr>
+          <a:xfrm>
+            <a:off x="1484310" y="2017655"/>
+            <a:ext cx="10018713" cy="3773545"/>
+          </a:xfrm>
+        </p:spPr>
+        <p:txBody>
+          <a:bodyPr>
+            <a:normAutofit fontScale="62500" lnSpcReduction="20000"/>
+          </a:bodyPr>
+          <a:lstStyle/>
+          <a:p>
+            <a:pPr>
+              <a:buNone/>
+            </a:pPr>
+            <a:endParaRPr lang="en-US" altLang="ja-JP" sz="3200" b="1" dirty="0" smtClean="0"/>
+          </a:p>
+          <a:p>
+            <a:pPr>
+              <a:buNone/>
+            </a:pPr>
+            <a:r>
+              <a:rPr lang="ja-JP" altLang="en-US" sz="3200" b="1" dirty="0" smtClean="0"/>
               <a:t>目的</a:t>
             </a:r>
-            <a:r>
-              <a:rPr lang="en-US" altLang="ja-JP" dirty="0" smtClean="0"/>
-              <a:t>	</a:t>
-            </a:r>
-            <a:endParaRPr kumimoji="1" lang="ja-JP" altLang="en-US" dirty="0"/>
-          </a:p>
-        </p:txBody>
-      </p:sp>
-      <p:sp>
-        <p:nvSpPr>
-          <p:cNvPr id="3" name="コンテンツ プレースホルダー 2"/>
-          <p:cNvSpPr>
-            <a:spLocks noGrp="1"/>
-          </p:cNvSpPr>
-          <p:nvPr>
-            <p:ph idx="1"/>
-          </p:nvPr>
-        </p:nvSpPr>
-        <p:spPr/>
-        <p:txBody>
-          <a:bodyPr/>
-          <a:lstStyle/>
-          <a:p>
-            <a:r>
-              <a:rPr lang="ja-JP" altLang="en-US" sz="4000" dirty="0"/>
-              <a:t>参加社員の全員の学習を目的</a:t>
-            </a:r>
-            <a:r>
-              <a:rPr lang="ja-JP" altLang="en-US" sz="4000" dirty="0" smtClean="0"/>
-              <a:t>に</a:t>
-            </a:r>
-            <a:endParaRPr lang="en-US" altLang="ja-JP" sz="4000" dirty="0" smtClean="0"/>
+            <a:endParaRPr lang="en-US" altLang="ja-JP" sz="3200" b="1" dirty="0" smtClean="0"/>
+          </a:p>
+          <a:p>
+            <a:r>
+              <a:rPr lang="ja-JP" altLang="en-US" sz="3200" dirty="0" smtClean="0"/>
+              <a:t>参加</a:t>
+            </a:r>
+            <a:r>
+              <a:rPr lang="ja-JP" altLang="en-US" sz="3200" dirty="0" smtClean="0"/>
+              <a:t>社員の全員の学習を目的</a:t>
+            </a:r>
+            <a:r>
+              <a:rPr lang="ja-JP" altLang="en-US" sz="3200" dirty="0" smtClean="0"/>
+              <a:t>に会社</a:t>
+            </a:r>
+            <a:r>
+              <a:rPr lang="ja-JP" altLang="en-US" sz="3200" dirty="0" smtClean="0"/>
+              <a:t>の利益となる活動を行う</a:t>
+            </a:r>
+            <a:endParaRPr lang="en-US" altLang="ja-JP" sz="3200" b="1" dirty="0" smtClean="0"/>
+          </a:p>
+          <a:p>
+            <a:pPr>
+              <a:buNone/>
+            </a:pPr>
+            <a:endParaRPr lang="en-US" altLang="ja-JP" sz="3200" b="1" dirty="0" smtClean="0"/>
+          </a:p>
+          <a:p>
+            <a:pPr>
+              <a:buNone/>
+            </a:pPr>
+            <a:r>
+              <a:rPr lang="ja-JP" altLang="en-US" sz="3200" b="1" dirty="0" smtClean="0"/>
+              <a:t>エームの課題</a:t>
+            </a:r>
+            <a:endParaRPr lang="ja-JP" altLang="en-US" sz="3200" b="1" dirty="0" smtClean="0"/>
+          </a:p>
+          <a:p>
+            <a:r>
+              <a:rPr lang="ja-JP" altLang="en-US" dirty="0" smtClean="0"/>
+              <a:t>ウェブサイト</a:t>
+            </a:r>
+            <a:r>
+              <a:rPr lang="ja-JP" altLang="en-US" dirty="0" smtClean="0"/>
+              <a:t>の</a:t>
+            </a:r>
+            <a:r>
+              <a:rPr lang="ja-JP" altLang="en-US" dirty="0" smtClean="0"/>
+              <a:t>内容が現状とそぐわない</a:t>
+            </a:r>
+          </a:p>
+          <a:p>
+            <a:r>
+              <a:rPr lang="ja-JP" altLang="en-US" dirty="0" smtClean="0"/>
+              <a:t>サイボウズライブが今後無く</a:t>
+            </a:r>
+            <a:r>
+              <a:rPr lang="ja-JP" altLang="en-US" dirty="0" smtClean="0"/>
+              <a:t>なる</a:t>
+            </a:r>
+            <a:endParaRPr lang="en-US" altLang="ja-JP" dirty="0" smtClean="0"/>
+          </a:p>
+          <a:p>
+            <a:pPr>
+              <a:buNone/>
+            </a:pPr>
+            <a:endParaRPr lang="ja-JP" altLang="en-US" dirty="0" smtClean="0"/>
           </a:p>
           <a:p>
             <a:pPr marL="0" indent="0">
               <a:buNone/>
             </a:pPr>
             <a:r>
-              <a:rPr lang="ja-JP" altLang="en-US" sz="4000" dirty="0" smtClean="0"/>
-              <a:t>   会社</a:t>
-            </a:r>
-            <a:r>
-              <a:rPr lang="ja-JP" altLang="en-US" sz="4000" dirty="0"/>
-              <a:t>の利益となる活動を行う。</a:t>
-            </a:r>
+              <a:rPr lang="ja-JP" altLang="en-US" dirty="0" smtClean="0"/>
+              <a:t>以上</a:t>
+            </a:r>
+            <a:r>
+              <a:rPr lang="ja-JP" altLang="en-US" dirty="0" smtClean="0"/>
+              <a:t>の点</a:t>
+            </a:r>
+            <a:r>
+              <a:rPr lang="ja-JP" altLang="en-US" dirty="0" smtClean="0"/>
+              <a:t>から</a:t>
+            </a:r>
+            <a:r>
+              <a:rPr lang="ja-JP" altLang="en-US" dirty="0" smtClean="0"/>
+              <a:t>、</a:t>
+            </a:r>
+            <a:r>
+              <a:rPr lang="ja-JP" altLang="en-US" dirty="0" smtClean="0"/>
+              <a:t>ウェブサイト</a:t>
+            </a:r>
+            <a:r>
+              <a:rPr lang="ja-JP" altLang="en-US" dirty="0" smtClean="0"/>
+              <a:t>の</a:t>
+            </a:r>
+            <a:r>
+              <a:rPr lang="ja-JP" altLang="en-US" dirty="0" smtClean="0"/>
+              <a:t>刷新を</a:t>
+            </a:r>
+            <a:r>
+              <a:rPr lang="ja-JP" altLang="en-US" dirty="0" smtClean="0"/>
+              <a:t>行う</a:t>
+            </a:r>
+            <a:r>
+              <a:rPr lang="ja-JP" altLang="en-US" dirty="0" smtClean="0"/>
+              <a:t>ことでオープン系の技術の向上を図る。</a:t>
+            </a:r>
+            <a:endParaRPr lang="ja-JP" altLang="en-US" dirty="0" smtClean="0"/>
+          </a:p>
+          <a:p>
+            <a:pPr marL="0" indent="0">
+              <a:buNone/>
+            </a:pPr>
+            <a:r>
+              <a:rPr lang="ja-JP" altLang="en-US" sz="4400" dirty="0" smtClean="0"/>
+              <a:t>⇒</a:t>
+            </a:r>
+            <a:r>
+              <a:rPr lang="ja-JP" altLang="en-US" sz="4400" b="1" dirty="0" smtClean="0">
+                <a:solidFill>
+                  <a:srgbClr val="FF0000"/>
+                </a:solidFill>
+              </a:rPr>
+              <a:t>サイトリニューアル</a:t>
+            </a:r>
+            <a:r>
+              <a:rPr lang="en-US" altLang="ja-JP" sz="4400" b="1" dirty="0" smtClean="0">
+                <a:solidFill>
+                  <a:srgbClr val="FF0000"/>
+                </a:solidFill>
+              </a:rPr>
+              <a:t>!!</a:t>
+            </a:r>
+            <a:endParaRPr lang="ja-JP" altLang="en-US" sz="4400" b="1" dirty="0" smtClean="0">
+              <a:solidFill>
+                <a:srgbClr val="FF0000"/>
+              </a:solidFill>
+            </a:endParaRPr>
           </a:p>
           <a:p>
             <a:endParaRPr kumimoji="1" lang="ja-JP" altLang="en-US" dirty="0"/>
@@ -6586,7 +6770,7 @@
     </p:spTree>
     <p:extLst>
       <p:ext uri="{BB962C8B-B14F-4D97-AF65-F5344CB8AC3E}">
-        <p14:creationId xmlns:p14="http://schemas.microsoft.com/office/powerpoint/2010/main" val="2625035036"/>
+        <p14:creationId xmlns="" xmlns:a="http://schemas.openxmlformats.org/drawingml/2006/main" xmlns:r="http://schemas.openxmlformats.org/officeDocument/2006/relationships" xmlns:p="http://schemas.openxmlformats.org/presentationml/2006/main" xmlns:p14="http://schemas.microsoft.com/office/powerpoint/2010/main" xmlns:mv="urn:schemas-microsoft-com:mac:vml" xmlns:mc="http://schemas.openxmlformats.org/markup-compatibility/2006" val="178881327"/>
       </p:ext>
     </p:extLst>
   </p:cSld>
@@ -6597,7 +6781,7 @@
 </file>
 
 <file path=ppt/slides/slide3.xml><?xml version="1.0" encoding="utf-8"?>
-<p:sld xmlns:a="http://schemas.openxmlformats.org/drawingml/2006/main" xmlns:r="http://schemas.openxmlformats.org/officeDocument/2006/relationships" xmlns:p="http://schemas.openxmlformats.org/presentationml/2006/main">
+<p:sld xmlns:a="http://schemas.openxmlformats.org/drawingml/2006/main" xmlns:r="http://schemas.openxmlformats.org/officeDocument/2006/relationships" xmlns:mc="http://schemas.openxmlformats.org/markup-compatibility/2006" xmlns:mv="urn:schemas-microsoft-com:mac:vml" xmlns:p="http://schemas.openxmlformats.org/presentationml/2006/main" mc:Ignorable="mv" mc:PreserveAttributes="mv:*">
   <p:cSld>
     <p:spTree>
       <p:nvGrpSpPr>
@@ -6623,28 +6807,27 @@
             <p:ph type="title"/>
           </p:nvPr>
         </p:nvSpPr>
-        <p:spPr/>
+        <p:spPr>
+          <a:xfrm>
+            <a:off x="1484311" y="428222"/>
+            <a:ext cx="10018713" cy="1194515"/>
+          </a:xfrm>
+        </p:spPr>
         <p:txBody>
           <a:bodyPr>
-            <a:normAutofit fontScale="90000"/>
+            <a:normAutofit/>
           </a:bodyPr>
           <a:lstStyle/>
           <a:p>
             <a:r>
-              <a:rPr lang="ja-JP" altLang="en-US" dirty="0" smtClean="0"/>
-              <a:t/>
-            </a:r>
-            <a:br>
-              <a:rPr lang="ja-JP" altLang="en-US" dirty="0" smtClean="0"/>
-            </a:br>
-            <a:r>
-              <a:rPr lang="ja-JP" altLang="en-US" sz="5300" dirty="0" smtClean="0"/>
-              <a:t>現状の課題</a:t>
-            </a:r>
-            <a:br>
-              <a:rPr lang="ja-JP" altLang="en-US" sz="5300" dirty="0" smtClean="0"/>
-            </a:br>
-            <a:endParaRPr kumimoji="1" lang="ja-JP" altLang="en-US" sz="5300" dirty="0"/>
+              <a:rPr lang="ja-JP" altLang="en-US" sz="4800" dirty="0"/>
+              <a:t>活動</a:t>
+            </a:r>
+            <a:r>
+              <a:rPr lang="ja-JP" altLang="en-US" sz="4800" dirty="0" smtClean="0"/>
+              <a:t>計画</a:t>
+            </a:r>
+            <a:endParaRPr kumimoji="1" lang="ja-JP" altLang="en-US" sz="4800" dirty="0"/>
           </a:p>
         </p:txBody>
       </p:sp>
@@ -6658,47 +6841,295 @@
             <p:ph idx="1"/>
           </p:nvPr>
         </p:nvSpPr>
-        <p:spPr/>
-        <p:txBody>
-          <a:bodyPr/>
+        <p:spPr>
+          <a:xfrm>
+            <a:off x="1484310" y="1416677"/>
+            <a:ext cx="10248343" cy="5254580"/>
+          </a:xfrm>
+        </p:spPr>
+        <p:txBody>
+          <a:bodyPr>
+            <a:normAutofit fontScale="70000" lnSpcReduction="20000"/>
+          </a:bodyPr>
           <a:lstStyle/>
           <a:p>
-            <a:endParaRPr lang="ja-JP" altLang="en-US" dirty="0" smtClean="0"/>
-          </a:p>
-          <a:p>
-            <a:r>
-              <a:rPr lang="ja-JP" altLang="en-US" dirty="0" smtClean="0"/>
-              <a:t>自社ホームページの内容が現状とそぐわない</a:t>
-            </a:r>
-          </a:p>
-          <a:p>
-            <a:r>
-              <a:rPr lang="ja-JP" altLang="en-US" dirty="0" smtClean="0"/>
-              <a:t>サイボウズライブが今後無くなる</a:t>
-            </a:r>
-          </a:p>
-          <a:p>
             <a:pPr marL="0" indent="0">
               <a:buNone/>
             </a:pPr>
             <a:r>
-              <a:rPr lang="ja-JP" altLang="en-US" dirty="0" smtClean="0"/>
-              <a:t>以上の問題点から、自社ホームページの刷新を行う。</a:t>
+              <a:rPr lang="ja-JP" altLang="en-US" sz="3600" b="1" dirty="0"/>
+              <a:t>今年度中の開発範囲</a:t>
+            </a:r>
+          </a:p>
+          <a:p>
+            <a:r>
+              <a:rPr lang="ja-JP" altLang="en-US" sz="3600" dirty="0" smtClean="0">
+                <a:latin typeface="+mn-ea"/>
+              </a:rPr>
+              <a:t>帰社日は</a:t>
+            </a:r>
+            <a:r>
+              <a:rPr lang="en-US" altLang="ja-JP" sz="3600" dirty="0" smtClean="0">
+                <a:latin typeface="+mn-ea"/>
+              </a:rPr>
+              <a:t>5</a:t>
+            </a:r>
+            <a:r>
+              <a:rPr lang="ja-JP" altLang="en-US" sz="3600" dirty="0" smtClean="0">
+                <a:latin typeface="+mn-ea"/>
+              </a:rPr>
+              <a:t>月～</a:t>
+            </a:r>
+            <a:r>
+              <a:rPr lang="en-US" altLang="ja-JP" sz="3600" dirty="0" smtClean="0">
+                <a:latin typeface="+mn-ea"/>
+              </a:rPr>
+              <a:t>10</a:t>
+            </a:r>
+            <a:r>
+              <a:rPr lang="ja-JP" altLang="en-US" sz="3600" dirty="0" smtClean="0">
+                <a:latin typeface="+mn-ea"/>
+              </a:rPr>
+              <a:t>月までは毎月あり、</a:t>
+            </a:r>
+            <a:r>
+              <a:rPr lang="en-US" altLang="ja-JP" sz="3600" dirty="0" smtClean="0">
+                <a:latin typeface="+mn-ea"/>
+              </a:rPr>
+              <a:t>11</a:t>
+            </a:r>
+            <a:r>
+              <a:rPr lang="ja-JP" altLang="en-US" sz="3600" dirty="0" smtClean="0">
+                <a:latin typeface="+mn-ea"/>
+              </a:rPr>
+              <a:t>月～翌年</a:t>
+            </a:r>
+            <a:r>
+              <a:rPr lang="en-US" altLang="ja-JP" sz="3600" dirty="0" smtClean="0">
+                <a:latin typeface="+mn-ea"/>
+              </a:rPr>
+              <a:t>3</a:t>
+            </a:r>
+            <a:r>
+              <a:rPr lang="ja-JP" altLang="en-US" sz="3600" dirty="0" smtClean="0">
+                <a:latin typeface="+mn-ea"/>
+              </a:rPr>
+              <a:t>月は</a:t>
+            </a:r>
+            <a:r>
+              <a:rPr lang="en-US" altLang="ja-JP" sz="3600" dirty="0">
+                <a:latin typeface="+mn-ea"/>
+              </a:rPr>
+              <a:t>2,3</a:t>
+            </a:r>
+            <a:r>
+              <a:rPr lang="ja-JP" altLang="en-US" sz="3600" dirty="0" smtClean="0">
+                <a:latin typeface="+mn-ea"/>
+              </a:rPr>
+              <a:t>回の見込み。</a:t>
+            </a:r>
+          </a:p>
+          <a:p>
+            <a:r>
+              <a:rPr lang="ja-JP" altLang="en-US" sz="3600" dirty="0" smtClean="0">
+                <a:latin typeface="+mn-ea"/>
+              </a:rPr>
+              <a:t>帰社日</a:t>
+            </a:r>
+            <a:r>
+              <a:rPr lang="en-US" altLang="ja-JP" sz="3600" dirty="0" smtClean="0">
+                <a:latin typeface="+mn-ea"/>
+              </a:rPr>
+              <a:t>1</a:t>
+            </a:r>
+            <a:r>
+              <a:rPr lang="ja-JP" altLang="en-US" sz="3600" dirty="0" smtClean="0">
+                <a:latin typeface="+mn-ea"/>
+              </a:rPr>
+              <a:t>回の活動時間は</a:t>
+            </a:r>
+            <a:r>
+              <a:rPr lang="en-US" altLang="ja-JP" sz="3600" dirty="0" smtClean="0">
+                <a:latin typeface="+mn-ea"/>
+              </a:rPr>
+              <a:t>2</a:t>
+            </a:r>
+            <a:r>
+              <a:rPr lang="ja-JP" altLang="en-US" sz="3600" dirty="0" smtClean="0">
+                <a:latin typeface="+mn-ea"/>
+              </a:rPr>
+              <a:t>時間。</a:t>
+            </a:r>
+          </a:p>
+          <a:p>
+            <a:r>
+              <a:rPr lang="ja-JP" altLang="en-US" sz="3600" dirty="0" smtClean="0">
+                <a:latin typeface="+mn-ea"/>
+              </a:rPr>
+              <a:t>帰社できる社員を平均</a:t>
+            </a:r>
+            <a:r>
+              <a:rPr lang="en-US" altLang="ja-JP" sz="3600" dirty="0" smtClean="0">
+                <a:latin typeface="+mn-ea"/>
+              </a:rPr>
+              <a:t>6</a:t>
+            </a:r>
+            <a:r>
+              <a:rPr lang="ja-JP" altLang="en-US" sz="3600" dirty="0" smtClean="0">
+                <a:latin typeface="+mn-ea"/>
+              </a:rPr>
+              <a:t>人と仮定。</a:t>
+            </a:r>
+          </a:p>
+          <a:p>
+            <a:r>
+              <a:rPr lang="ja-JP" altLang="en-US" sz="3600" dirty="0" smtClean="0">
+                <a:latin typeface="+mn-ea"/>
+              </a:rPr>
+              <a:t>自社サイトの修正、メンテではなく全面刷新（新規開発）を行う。</a:t>
+            </a:r>
+          </a:p>
+          <a:p>
+            <a:r>
+              <a:rPr lang="ja-JP" altLang="en-US" sz="3600" dirty="0" smtClean="0">
+                <a:latin typeface="+mn-ea"/>
+              </a:rPr>
+              <a:t>開発言語は</a:t>
+            </a:r>
+            <a:r>
+              <a:rPr lang="en-US" altLang="ja-JP" sz="3600" dirty="0" smtClean="0">
+                <a:latin typeface="+mn-ea"/>
+              </a:rPr>
+              <a:t>JAVA</a:t>
+            </a:r>
+            <a:r>
+              <a:rPr lang="ja-JP" altLang="en-US" sz="3600" dirty="0" smtClean="0">
+                <a:latin typeface="+mn-ea"/>
+              </a:rPr>
+              <a:t>を中心とし、他に</a:t>
+            </a:r>
+            <a:r>
+              <a:rPr lang="en-US" altLang="ja-JP" sz="3600" dirty="0" smtClean="0">
+                <a:latin typeface="+mn-ea"/>
+              </a:rPr>
+              <a:t>HTML</a:t>
+            </a:r>
+            <a:r>
+              <a:rPr lang="ja-JP" altLang="en-US" sz="3600" dirty="0" smtClean="0">
+                <a:latin typeface="+mn-ea"/>
+              </a:rPr>
+              <a:t>等も使用し開発を行う。</a:t>
             </a:r>
           </a:p>
           <a:p>
             <a:pPr marL="0" indent="0">
               <a:buNone/>
             </a:pPr>
-            <a:r>
-              <a:rPr lang="ja-JP" altLang="en-US" sz="4400" dirty="0" smtClean="0"/>
-              <a:t>⇒サイトリニューアル</a:t>
-            </a:r>
-            <a:r>
-              <a:rPr lang="en-US" altLang="ja-JP" sz="4400" dirty="0" smtClean="0"/>
-              <a:t>!!</a:t>
-            </a:r>
-            <a:endParaRPr lang="ja-JP" altLang="en-US" sz="4400" dirty="0" smtClean="0"/>
+            <a:endParaRPr lang="ja-JP" altLang="en-US" sz="3600" dirty="0">
+              <a:latin typeface="+mn-ea"/>
+            </a:endParaRPr>
+          </a:p>
+          <a:p>
+            <a:pPr marL="0" indent="0">
+              <a:buNone/>
+            </a:pPr>
+            <a:r>
+              <a:rPr lang="ja-JP" altLang="en-US" sz="3600" dirty="0" smtClean="0">
+                <a:latin typeface="+mn-ea"/>
+              </a:rPr>
+              <a:t>以上の</a:t>
+            </a:r>
+            <a:r>
+              <a:rPr lang="ja-JP" altLang="en-US" sz="3600" dirty="0">
+                <a:latin typeface="+mn-ea"/>
+              </a:rPr>
+              <a:t>想定で、どの程度の開発が可能か検討した結果、</a:t>
+            </a:r>
+          </a:p>
+          <a:p>
+            <a:pPr marL="0" indent="0">
+              <a:buNone/>
+            </a:pPr>
+            <a:r>
+              <a:rPr lang="ja-JP" altLang="en-US" sz="3600" dirty="0" smtClean="0">
+                <a:latin typeface="+mn-ea"/>
+              </a:rPr>
+              <a:t>今年度中</a:t>
+            </a:r>
+            <a:r>
+              <a:rPr lang="ja-JP" altLang="en-US" sz="3600" dirty="0">
+                <a:latin typeface="+mn-ea"/>
+              </a:rPr>
+              <a:t>の全面刷新は不可であり、終了まで複数年（</a:t>
+            </a:r>
+            <a:r>
+              <a:rPr lang="en-US" altLang="ja-JP" sz="3600" dirty="0">
+                <a:latin typeface="+mn-ea"/>
+              </a:rPr>
+              <a:t>3</a:t>
+            </a:r>
+            <a:r>
+              <a:rPr lang="ja-JP" altLang="en-US" sz="3600" dirty="0">
+                <a:latin typeface="+mn-ea"/>
+              </a:rPr>
+              <a:t>年以上）と判断。</a:t>
+            </a:r>
+          </a:p>
+          <a:p>
+            <a:pPr marL="0" indent="0">
+              <a:buNone/>
+            </a:pPr>
+            <a:r>
+              <a:rPr lang="ja-JP" altLang="en-US" sz="3600" dirty="0" smtClean="0">
+                <a:latin typeface="+mn-ea"/>
+              </a:rPr>
+              <a:t>今年度中</a:t>
+            </a:r>
+            <a:r>
+              <a:rPr lang="ja-JP" altLang="en-US" sz="3600" dirty="0">
+                <a:latin typeface="+mn-ea"/>
+              </a:rPr>
+              <a:t>の活動としては</a:t>
+            </a:r>
+            <a:r>
+              <a:rPr lang="ja-JP" altLang="en-US" sz="3600" b="1" dirty="0">
+                <a:latin typeface="+mn-ea"/>
+              </a:rPr>
+              <a:t>「トップ画面（設計）＋</a:t>
+            </a:r>
+            <a:r>
+              <a:rPr lang="en-US" altLang="ja-JP" sz="3600" b="1" dirty="0" smtClean="0">
+                <a:latin typeface="+mn-ea"/>
+              </a:rPr>
+              <a:t>α</a:t>
+            </a:r>
+            <a:r>
+              <a:rPr lang="ja-JP" altLang="en-US" sz="3600" b="1" dirty="0" smtClean="0">
+                <a:latin typeface="+mn-ea"/>
+              </a:rPr>
+              <a:t>の</a:t>
+            </a:r>
+            <a:r>
+              <a:rPr lang="ja-JP" altLang="en-US" sz="3600" b="1" dirty="0">
+                <a:latin typeface="+mn-ea"/>
+              </a:rPr>
+              <a:t>開発」</a:t>
+            </a:r>
+            <a:r>
+              <a:rPr lang="ja-JP" altLang="en-US" sz="3600" dirty="0">
+                <a:latin typeface="+mn-ea"/>
+              </a:rPr>
+              <a:t>を目標とする</a:t>
+            </a:r>
+            <a:r>
+              <a:rPr lang="ja-JP" altLang="en-US" sz="3600" dirty="0" smtClean="0">
+                <a:latin typeface="+mn-ea"/>
+              </a:rPr>
+              <a:t>。</a:t>
+            </a:r>
+            <a:endParaRPr lang="ja-JP" altLang="en-US" sz="3600" dirty="0">
+              <a:latin typeface="+mn-ea"/>
+            </a:endParaRPr>
           </a:p>
           <a:p>
             <a:endParaRPr kumimoji="1" lang="ja-JP" altLang="en-US" dirty="0"/>
@@ -6708,7 +7139,7 @@
     </p:spTree>
     <p:extLst>
       <p:ext uri="{BB962C8B-B14F-4D97-AF65-F5344CB8AC3E}">
-        <p14:creationId xmlns:p14="http://schemas.microsoft.com/office/powerpoint/2010/main" val="178881327"/>
+        <p14:creationId xmlns="" xmlns:a="http://schemas.openxmlformats.org/drawingml/2006/main" xmlns:r="http://schemas.openxmlformats.org/officeDocument/2006/relationships" xmlns:p="http://schemas.openxmlformats.org/presentationml/2006/main" xmlns:p14="http://schemas.microsoft.com/office/powerpoint/2010/main" xmlns:mv="urn:schemas-microsoft-com:mac:vml" xmlns:mc="http://schemas.openxmlformats.org/markup-compatibility/2006" val="3539503261"/>
       </p:ext>
     </p:extLst>
   </p:cSld>
@@ -6719,7 +7150,7 @@
 </file>
 
 <file path=ppt/slides/slide4.xml><?xml version="1.0" encoding="utf-8"?>
-<p:sld xmlns:a="http://schemas.openxmlformats.org/drawingml/2006/main" xmlns:r="http://schemas.openxmlformats.org/officeDocument/2006/relationships" xmlns:p="http://schemas.openxmlformats.org/presentationml/2006/main">
+<p:sld xmlns:a="http://schemas.openxmlformats.org/drawingml/2006/main" xmlns:r="http://schemas.openxmlformats.org/officeDocument/2006/relationships" xmlns:mc="http://schemas.openxmlformats.org/markup-compatibility/2006" xmlns:mv="urn:schemas-microsoft-com:mac:vml" xmlns:p="http://schemas.openxmlformats.org/presentationml/2006/main" mc:Ignorable="mv" mc:PreserveAttributes="mv:*">
   <p:cSld>
     <p:spTree>
       <p:nvGrpSpPr>
@@ -6745,12 +7176,7 @@
             <p:ph type="title"/>
           </p:nvPr>
         </p:nvSpPr>
-        <p:spPr>
-          <a:xfrm>
-            <a:off x="1484311" y="428222"/>
-            <a:ext cx="10018713" cy="1194515"/>
-          </a:xfrm>
-        </p:spPr>
+        <p:spPr/>
         <p:txBody>
           <a:bodyPr>
             <a:normAutofit/>
@@ -6758,14 +7184,21 @@
           <a:lstStyle/>
           <a:p>
             <a:r>
-              <a:rPr lang="ja-JP" altLang="en-US" sz="4800" dirty="0"/>
-              <a:t>活動</a:t>
-            </a:r>
-            <a:r>
-              <a:rPr lang="ja-JP" altLang="en-US" sz="4800" dirty="0" smtClean="0"/>
-              <a:t>計画</a:t>
-            </a:r>
-            <a:endParaRPr kumimoji="1" lang="ja-JP" altLang="en-US" sz="4800" dirty="0"/>
+              <a:rPr lang="ja-JP" altLang="en-US" dirty="0" smtClean="0"/>
+              <a:t>当初の</a:t>
+            </a:r>
+            <a:r>
+              <a:rPr lang="ja-JP" altLang="en-US" dirty="0" smtClean="0"/>
+              <a:t>スケジュール</a:t>
+            </a:r>
+            <a:r>
+              <a:rPr lang="ja-JP" altLang="en-US" b="1" i="1" dirty="0"/>
+              <a:t/>
+            </a:r>
+            <a:br>
+              <a:rPr lang="ja-JP" altLang="en-US" b="1" i="1" dirty="0"/>
+            </a:br>
+            <a:endParaRPr kumimoji="1" lang="ja-JP" altLang="en-US" dirty="0"/>
           </a:p>
         </p:txBody>
       </p:sp>
@@ -6779,15 +7212,10 @@
             <p:ph idx="1"/>
           </p:nvPr>
         </p:nvSpPr>
-        <p:spPr>
-          <a:xfrm>
-            <a:off x="1484310" y="1416677"/>
-            <a:ext cx="10248343" cy="5254580"/>
-          </a:xfrm>
-        </p:spPr>
+        <p:spPr/>
         <p:txBody>
           <a:bodyPr>
-            <a:normAutofit fontScale="70000" lnSpcReduction="20000"/>
+            <a:normAutofit/>
           </a:bodyPr>
           <a:lstStyle/>
           <a:p>
@@ -6795,175 +7223,24 @@
               <a:buNone/>
             </a:pPr>
             <a:r>
-              <a:rPr lang="ja-JP" altLang="en-US" sz="3600" b="1" dirty="0"/>
-              <a:t>今年度中の開発範囲</a:t>
-            </a:r>
-          </a:p>
-          <a:p>
-            <a:r>
-              <a:rPr lang="ja-JP" altLang="en-US" sz="3600" dirty="0" smtClean="0">
-                <a:latin typeface="+mn-ea"/>
-              </a:rPr>
-              <a:t>帰社日は</a:t>
-            </a:r>
-            <a:r>
-              <a:rPr lang="en-US" altLang="ja-JP" sz="3600" dirty="0" smtClean="0">
+              <a:rPr lang="en-US" altLang="ja-JP" sz="3200" dirty="0">
                 <a:latin typeface="+mn-ea"/>
               </a:rPr>
               <a:t>5</a:t>
             </a:r>
             <a:r>
-              <a:rPr lang="ja-JP" altLang="en-US" sz="3600" dirty="0" smtClean="0">
-                <a:latin typeface="+mn-ea"/>
-              </a:rPr>
-              <a:t>月～</a:t>
-            </a:r>
-            <a:r>
-              <a:rPr lang="en-US" altLang="ja-JP" sz="3600" dirty="0" smtClean="0">
-                <a:latin typeface="+mn-ea"/>
-              </a:rPr>
-              <a:t>10</a:t>
-            </a:r>
-            <a:r>
-              <a:rPr lang="ja-JP" altLang="en-US" sz="3600" dirty="0" smtClean="0">
-                <a:latin typeface="+mn-ea"/>
-              </a:rPr>
-              <a:t>月までは毎月あり、</a:t>
-            </a:r>
-            <a:r>
-              <a:rPr lang="en-US" altLang="ja-JP" sz="3600" dirty="0" smtClean="0">
-                <a:latin typeface="+mn-ea"/>
-              </a:rPr>
-              <a:t>11</a:t>
-            </a:r>
-            <a:r>
-              <a:rPr lang="ja-JP" altLang="en-US" sz="3600" dirty="0" smtClean="0">
-                <a:latin typeface="+mn-ea"/>
-              </a:rPr>
-              <a:t>月～翌年</a:t>
-            </a:r>
-            <a:r>
-              <a:rPr lang="en-US" altLang="ja-JP" sz="3600" dirty="0" smtClean="0">
-                <a:latin typeface="+mn-ea"/>
-              </a:rPr>
-              <a:t>3</a:t>
-            </a:r>
-            <a:r>
-              <a:rPr lang="ja-JP" altLang="en-US" sz="3600" dirty="0" smtClean="0">
-                <a:latin typeface="+mn-ea"/>
-              </a:rPr>
-              <a:t>月は</a:t>
-            </a:r>
-            <a:r>
-              <a:rPr lang="en-US" altLang="ja-JP" sz="3600" dirty="0">
-                <a:latin typeface="+mn-ea"/>
-              </a:rPr>
-              <a:t>2,3</a:t>
-            </a:r>
-            <a:r>
-              <a:rPr lang="ja-JP" altLang="en-US" sz="3600" dirty="0" smtClean="0">
-                <a:latin typeface="+mn-ea"/>
-              </a:rPr>
-              <a:t>回の見込み。</a:t>
-            </a:r>
-          </a:p>
-          <a:p>
-            <a:r>
-              <a:rPr lang="ja-JP" altLang="en-US" sz="3600" dirty="0" smtClean="0">
-                <a:latin typeface="+mn-ea"/>
-              </a:rPr>
-              <a:t>帰社日</a:t>
-            </a:r>
-            <a:r>
-              <a:rPr lang="en-US" altLang="ja-JP" sz="3600" dirty="0" smtClean="0">
-                <a:latin typeface="+mn-ea"/>
-              </a:rPr>
-              <a:t>1</a:t>
-            </a:r>
-            <a:r>
-              <a:rPr lang="ja-JP" altLang="en-US" sz="3600" dirty="0" smtClean="0">
-                <a:latin typeface="+mn-ea"/>
-              </a:rPr>
-              <a:t>回の活動時間は</a:t>
-            </a:r>
-            <a:r>
-              <a:rPr lang="en-US" altLang="ja-JP" sz="3600" dirty="0" smtClean="0">
-                <a:latin typeface="+mn-ea"/>
-              </a:rPr>
-              <a:t>2</a:t>
-            </a:r>
-            <a:r>
-              <a:rPr lang="ja-JP" altLang="en-US" sz="3600" dirty="0" smtClean="0">
-                <a:latin typeface="+mn-ea"/>
-              </a:rPr>
-              <a:t>時間。</a:t>
-            </a:r>
-          </a:p>
-          <a:p>
-            <a:r>
-              <a:rPr lang="ja-JP" altLang="en-US" sz="3600" dirty="0" smtClean="0">
-                <a:latin typeface="+mn-ea"/>
-              </a:rPr>
-              <a:t>帰社できる社員を平均</a:t>
-            </a:r>
-            <a:r>
-              <a:rPr lang="en-US" altLang="ja-JP" sz="3600" dirty="0" smtClean="0">
-                <a:latin typeface="+mn-ea"/>
-              </a:rPr>
-              <a:t>6</a:t>
-            </a:r>
-            <a:r>
-              <a:rPr lang="ja-JP" altLang="en-US" sz="3600" dirty="0" smtClean="0">
-                <a:latin typeface="+mn-ea"/>
-              </a:rPr>
-              <a:t>人と仮定。</a:t>
-            </a:r>
-          </a:p>
-          <a:p>
-            <a:r>
-              <a:rPr lang="ja-JP" altLang="en-US" sz="3600" dirty="0" smtClean="0">
-                <a:latin typeface="+mn-ea"/>
-              </a:rPr>
-              <a:t>自社サイトの修正、メンテではなく全面刷新（新規開発）を行う。</a:t>
-            </a:r>
-          </a:p>
-          <a:p>
-            <a:r>
-              <a:rPr lang="ja-JP" altLang="en-US" sz="3600" dirty="0" smtClean="0">
-                <a:latin typeface="+mn-ea"/>
-              </a:rPr>
-              <a:t>開発言語は</a:t>
-            </a:r>
-            <a:r>
-              <a:rPr lang="en-US" altLang="ja-JP" sz="3600" dirty="0" smtClean="0">
-                <a:latin typeface="+mn-ea"/>
-              </a:rPr>
-              <a:t>JAVA</a:t>
-            </a:r>
-            <a:r>
-              <a:rPr lang="ja-JP" altLang="en-US" sz="3600" dirty="0" smtClean="0">
-                <a:latin typeface="+mn-ea"/>
-              </a:rPr>
-              <a:t>を中心とし、他に</a:t>
-            </a:r>
-            <a:r>
-              <a:rPr lang="en-US" altLang="ja-JP" sz="3600" dirty="0" smtClean="0">
-                <a:latin typeface="+mn-ea"/>
-              </a:rPr>
-              <a:t>HTML</a:t>
-            </a:r>
-            <a:r>
-              <a:rPr lang="ja-JP" altLang="en-US" sz="3600" dirty="0" smtClean="0">
-                <a:latin typeface="+mn-ea"/>
-              </a:rPr>
-              <a:t>等も使用し開発を行う。</a:t>
-            </a:r>
-          </a:p>
-          <a:p>
-            <a:pPr marL="0" indent="0">
-              <a:buNone/>
-            </a:pPr>
-            <a:endParaRPr lang="ja-JP" altLang="en-US" sz="3600" dirty="0">
+              <a:rPr lang="ja-JP" altLang="en-US" sz="3200" dirty="0">
+                <a:latin typeface="+mn-ea"/>
+              </a:rPr>
+              <a:t>月：開発環境</a:t>
+            </a:r>
+            <a:r>
+              <a:rPr lang="ja-JP" altLang="en-US" sz="3200" dirty="0" smtClean="0">
+                <a:latin typeface="+mn-ea"/>
+              </a:rPr>
+              <a:t>セットアップ</a:t>
+            </a:r>
+            <a:endParaRPr lang="ja-JP" altLang="en-US" sz="3200" dirty="0">
               <a:latin typeface="+mn-ea"/>
             </a:endParaRPr>
           </a:p>
@@ -6972,112 +7249,112 @@
               <a:buNone/>
             </a:pPr>
             <a:r>
-              <a:rPr lang="ja-JP" altLang="en-US" sz="3600" dirty="0" smtClean="0">
-                <a:latin typeface="+mn-ea"/>
-              </a:rPr>
-              <a:t>以上の</a:t>
-            </a:r>
-            <a:r>
-              <a:rPr lang="ja-JP" altLang="en-US" sz="3600" dirty="0">
-                <a:latin typeface="+mn-ea"/>
-              </a:rPr>
-              <a:t>想定で、どの程度の開発が可能か検討した結果、</a:t>
-            </a:r>
-          </a:p>
-          <a:p>
-            <a:pPr marL="0" indent="0">
-              <a:buNone/>
-            </a:pPr>
-            <a:r>
-              <a:rPr lang="ja-JP" altLang="en-US" sz="3600" dirty="0" smtClean="0">
-                <a:latin typeface="+mn-ea"/>
-              </a:rPr>
-              <a:t>今年度中</a:t>
-            </a:r>
-            <a:r>
-              <a:rPr lang="ja-JP" altLang="en-US" sz="3600" dirty="0">
-                <a:latin typeface="+mn-ea"/>
-              </a:rPr>
-              <a:t>の全面刷新は不可であり、終了まで複数年（</a:t>
-            </a:r>
-            <a:r>
-              <a:rPr lang="en-US" altLang="ja-JP" sz="3600" dirty="0">
-                <a:latin typeface="+mn-ea"/>
-              </a:rPr>
-              <a:t>3</a:t>
-            </a:r>
-            <a:r>
-              <a:rPr lang="ja-JP" altLang="en-US" sz="3600" dirty="0">
-                <a:latin typeface="+mn-ea"/>
-              </a:rPr>
-              <a:t>年以上）と判断。</a:t>
-            </a:r>
-          </a:p>
-          <a:p>
-            <a:pPr marL="0" indent="0">
-              <a:buNone/>
-            </a:pPr>
-            <a:r>
-              <a:rPr lang="ja-JP" altLang="en-US" sz="3600" dirty="0" smtClean="0">
-                <a:latin typeface="+mn-ea"/>
-              </a:rPr>
-              <a:t>今年度中</a:t>
-            </a:r>
-            <a:r>
-              <a:rPr lang="ja-JP" altLang="en-US" sz="3600" dirty="0">
-                <a:latin typeface="+mn-ea"/>
-              </a:rPr>
-              <a:t>の活動としては</a:t>
-            </a:r>
-            <a:r>
-              <a:rPr lang="ja-JP" altLang="en-US" sz="3600" b="1" dirty="0">
-                <a:latin typeface="+mn-ea"/>
-              </a:rPr>
-              <a:t>「トップ画面（設計）＋</a:t>
-            </a:r>
-            <a:r>
-              <a:rPr lang="en-US" altLang="ja-JP" sz="3600" b="1" dirty="0" smtClean="0">
-                <a:latin typeface="+mn-ea"/>
-              </a:rPr>
-              <a:t>α</a:t>
-            </a:r>
-            <a:r>
-              <a:rPr lang="ja-JP" altLang="en-US" sz="3600" b="1" dirty="0" smtClean="0">
-                <a:latin typeface="+mn-ea"/>
-              </a:rPr>
-              <a:t>の</a:t>
-            </a:r>
-            <a:r>
-              <a:rPr lang="ja-JP" altLang="en-US" sz="3600" b="1" dirty="0">
-                <a:latin typeface="+mn-ea"/>
-              </a:rPr>
-              <a:t>開発」</a:t>
-            </a:r>
-            <a:r>
-              <a:rPr lang="ja-JP" altLang="en-US" sz="3600" dirty="0">
-                <a:latin typeface="+mn-ea"/>
-              </a:rPr>
-              <a:t>を目標とする</a:t>
-            </a:r>
-            <a:r>
-              <a:rPr lang="ja-JP" altLang="en-US" sz="3600" dirty="0" smtClean="0">
-                <a:latin typeface="+mn-ea"/>
-              </a:rPr>
-              <a:t>。</a:t>
-            </a:r>
-            <a:endParaRPr lang="ja-JP" altLang="en-US" sz="3600" dirty="0">
+              <a:rPr lang="en-US" altLang="ja-JP" sz="3200" dirty="0">
+                <a:latin typeface="+mn-ea"/>
+              </a:rPr>
+              <a:t>6</a:t>
+            </a:r>
+            <a:r>
+              <a:rPr lang="ja-JP" altLang="en-US" sz="3200" dirty="0">
+                <a:latin typeface="+mn-ea"/>
+              </a:rPr>
+              <a:t>月～</a:t>
+            </a:r>
+            <a:r>
+              <a:rPr lang="en-US" altLang="ja-JP" sz="3200" dirty="0">
+                <a:latin typeface="+mn-ea"/>
+              </a:rPr>
+              <a:t>7</a:t>
+            </a:r>
+            <a:r>
+              <a:rPr lang="ja-JP" altLang="en-US" sz="3200" dirty="0">
+                <a:latin typeface="+mn-ea"/>
+              </a:rPr>
+              <a:t>月：トップ画面の設計・</a:t>
+            </a:r>
+            <a:r>
+              <a:rPr lang="ja-JP" altLang="en-US" sz="3200" dirty="0" smtClean="0">
+                <a:latin typeface="+mn-ea"/>
+              </a:rPr>
+              <a:t>デザイン</a:t>
+            </a:r>
+            <a:endParaRPr lang="ja-JP" altLang="en-US" sz="3200" dirty="0">
               <a:latin typeface="+mn-ea"/>
             </a:endParaRPr>
           </a:p>
           <a:p>
-            <a:endParaRPr kumimoji="1" lang="ja-JP" altLang="en-US" dirty="0"/>
+            <a:pPr marL="0" indent="0">
+              <a:buNone/>
+            </a:pPr>
+            <a:r>
+              <a:rPr lang="en-US" altLang="ja-JP" sz="3200" dirty="0" smtClean="0">
+                <a:latin typeface="+mn-ea"/>
+              </a:rPr>
+              <a:t>8</a:t>
+            </a:r>
+            <a:r>
+              <a:rPr lang="ja-JP" altLang="en-US" sz="3200" dirty="0">
+                <a:latin typeface="+mn-ea"/>
+              </a:rPr>
+              <a:t>月～</a:t>
+            </a:r>
+            <a:r>
+              <a:rPr lang="en-US" altLang="ja-JP" sz="3200" dirty="0">
+                <a:latin typeface="+mn-ea"/>
+              </a:rPr>
+              <a:t>9</a:t>
+            </a:r>
+            <a:r>
+              <a:rPr lang="ja-JP" altLang="en-US" sz="3200" dirty="0">
+                <a:latin typeface="+mn-ea"/>
+              </a:rPr>
+              <a:t>月：トップ画面のモックコーディング</a:t>
+            </a:r>
+          </a:p>
+          <a:p>
+            <a:pPr marL="0" indent="0">
+              <a:buNone/>
+            </a:pPr>
+            <a:r>
+              <a:rPr lang="en-US" altLang="ja-JP" sz="3200" dirty="0" smtClean="0">
+                <a:latin typeface="+mn-ea"/>
+              </a:rPr>
+              <a:t>10</a:t>
+            </a:r>
+            <a:r>
+              <a:rPr lang="ja-JP" altLang="en-US" sz="3200" dirty="0">
+                <a:latin typeface="+mn-ea"/>
+              </a:rPr>
+              <a:t>月～翌年</a:t>
+            </a:r>
+            <a:r>
+              <a:rPr lang="en-US" altLang="ja-JP" sz="3200" dirty="0">
+                <a:latin typeface="+mn-ea"/>
+              </a:rPr>
+              <a:t>3</a:t>
+            </a:r>
+            <a:r>
+              <a:rPr lang="ja-JP" altLang="en-US" sz="3200" dirty="0">
+                <a:latin typeface="+mn-ea"/>
+              </a:rPr>
+              <a:t>月：トップ画面からの画面遷移</a:t>
+            </a:r>
+            <a:r>
+              <a:rPr lang="ja-JP" altLang="en-US" sz="3200" dirty="0" smtClean="0">
+                <a:latin typeface="+mn-ea"/>
+              </a:rPr>
+              <a:t>設計</a:t>
+            </a:r>
+            <a:endParaRPr lang="ja-JP" altLang="en-US" sz="3200" dirty="0">
+              <a:latin typeface="+mn-ea"/>
+            </a:endParaRPr>
           </a:p>
         </p:txBody>
       </p:sp>
     </p:spTree>
     <p:extLst>
       <p:ext uri="{BB962C8B-B14F-4D97-AF65-F5344CB8AC3E}">
-        <p14:creationId xmlns:p14="http://schemas.microsoft.com/office/powerpoint/2010/main" val="3539503261"/>
+        <p14:creationId xmlns="" xmlns:a="http://schemas.openxmlformats.org/drawingml/2006/main" xmlns:r="http://schemas.openxmlformats.org/officeDocument/2006/relationships" xmlns:p="http://schemas.openxmlformats.org/presentationml/2006/main" xmlns:p14="http://schemas.microsoft.com/office/powerpoint/2010/main" xmlns:mv="urn:schemas-microsoft-com:mac:vml" xmlns:mc="http://schemas.openxmlformats.org/markup-compatibility/2006" val="907880199"/>
       </p:ext>
     </p:extLst>
   </p:cSld>
@@ -7088,7 +7365,7 @@
 </file>
 
 <file path=ppt/slides/slide5.xml><?xml version="1.0" encoding="utf-8"?>
-<p:sld xmlns:a="http://schemas.openxmlformats.org/drawingml/2006/main" xmlns:r="http://schemas.openxmlformats.org/officeDocument/2006/relationships" xmlns:p="http://schemas.openxmlformats.org/presentationml/2006/main">
+<p:sld xmlns:a="http://schemas.openxmlformats.org/drawingml/2006/main" xmlns:r="http://schemas.openxmlformats.org/officeDocument/2006/relationships" xmlns:mc="http://schemas.openxmlformats.org/markup-compatibility/2006" xmlns:mv="urn:schemas-microsoft-com:mac:vml" xmlns:p="http://schemas.openxmlformats.org/presentationml/2006/main" mc:Ignorable="mv" mc:PreserveAttributes="mv:*">
   <p:cSld>
     <p:spTree>
       <p:nvGrpSpPr>
@@ -7114,7 +7391,12 @@
             <p:ph type="title"/>
           </p:nvPr>
         </p:nvSpPr>
-        <p:spPr/>
+        <p:spPr>
+          <a:xfrm>
+            <a:off x="838200" y="326488"/>
+            <a:ext cx="10515600" cy="1325563"/>
+          </a:xfrm>
+        </p:spPr>
         <p:txBody>
           <a:bodyPr>
             <a:normAutofit/>
@@ -7123,7 +7405,7 @@
           <a:p>
             <a:r>
               <a:rPr lang="ja-JP" altLang="en-US" dirty="0"/>
-              <a:t>スケジュール</a:t>
+              <a:t>活動実績</a:t>
             </a:r>
             <a:r>
               <a:rPr lang="ja-JP" altLang="en-US" b="1" i="1" dirty="0"/>
@@ -7146,10 +7428,15 @@
             <p:ph idx="1"/>
           </p:nvPr>
         </p:nvSpPr>
-        <p:spPr/>
+        <p:spPr>
+          <a:xfrm>
+            <a:off x="1918952" y="1249250"/>
+            <a:ext cx="9749306" cy="5306095"/>
+          </a:xfrm>
+        </p:spPr>
         <p:txBody>
           <a:bodyPr>
-            <a:normAutofit/>
+            <a:noAutofit/>
           </a:bodyPr>
           <a:lstStyle/>
           <a:p>
@@ -7157,24 +7444,24 @@
               <a:buNone/>
             </a:pPr>
             <a:r>
-              <a:rPr lang="en-US" altLang="ja-JP" sz="3200" dirty="0">
+              <a:rPr lang="en-US" altLang="ja-JP" dirty="0">
                 <a:latin typeface="+mn-ea"/>
               </a:rPr>
               <a:t>5</a:t>
             </a:r>
             <a:r>
-              <a:rPr lang="ja-JP" altLang="en-US" sz="3200" dirty="0">
-                <a:latin typeface="+mn-ea"/>
-              </a:rPr>
-              <a:t>月：開発環境</a:t>
-            </a:r>
-            <a:r>
-              <a:rPr lang="ja-JP" altLang="en-US" sz="3200" dirty="0" smtClean="0">
-                <a:latin typeface="+mn-ea"/>
-              </a:rPr>
-              <a:t>セットアップ</a:t>
-            </a:r>
-            <a:endParaRPr lang="ja-JP" altLang="en-US" sz="3200" dirty="0">
+              <a:rPr lang="ja-JP" altLang="en-US" dirty="0">
+                <a:latin typeface="+mn-ea"/>
+              </a:rPr>
+              <a:t>月</a:t>
+            </a:r>
+            <a:r>
+              <a:rPr lang="ja-JP" altLang="en-US" dirty="0" smtClean="0">
+                <a:latin typeface="+mn-ea"/>
+              </a:rPr>
+              <a:t>：社内パソコンの調査</a:t>
+            </a:r>
+            <a:endParaRPr lang="en-US" altLang="ja-JP" dirty="0" smtClean="0">
               <a:latin typeface="+mn-ea"/>
             </a:endParaRPr>
           </a:p>
@@ -7183,36 +7470,30 @@
               <a:buNone/>
             </a:pPr>
             <a:r>
-              <a:rPr lang="en-US" altLang="ja-JP" sz="3200" dirty="0">
-                <a:latin typeface="+mn-ea"/>
-              </a:rPr>
-              <a:t>6</a:t>
-            </a:r>
-            <a:r>
-              <a:rPr lang="ja-JP" altLang="en-US" sz="3200" dirty="0">
-                <a:latin typeface="+mn-ea"/>
-              </a:rPr>
-              <a:t>月～</a:t>
-            </a:r>
-            <a:r>
-              <a:rPr lang="en-US" altLang="ja-JP" sz="3200" dirty="0">
-                <a:latin typeface="+mn-ea"/>
-              </a:rPr>
-              <a:t>7</a:t>
-            </a:r>
-            <a:r>
-              <a:rPr lang="ja-JP" altLang="en-US" sz="3200" dirty="0">
-                <a:latin typeface="+mn-ea"/>
-              </a:rPr>
-              <a:t>月：トップ画面の設計・</a:t>
-            </a:r>
-            <a:r>
-              <a:rPr lang="ja-JP" altLang="en-US" sz="3200" dirty="0" smtClean="0">
-                <a:latin typeface="+mn-ea"/>
-              </a:rPr>
-              <a:t>デザイン</a:t>
-            </a:r>
-            <a:endParaRPr lang="ja-JP" altLang="en-US" sz="3200" dirty="0">
+              <a:rPr lang="ja-JP" altLang="en-US" dirty="0">
+                <a:latin typeface="+mn-ea"/>
+              </a:rPr>
+              <a:t>　</a:t>
+            </a:r>
+            <a:r>
+              <a:rPr lang="ja-JP" altLang="en-US" dirty="0" smtClean="0">
+                <a:latin typeface="+mn-ea"/>
+              </a:rPr>
+              <a:t>　　</a:t>
+            </a:r>
+            <a:r>
+              <a:rPr lang="en-US" altLang="ja-JP" dirty="0" smtClean="0">
+                <a:latin typeface="+mn-ea"/>
+              </a:rPr>
+              <a:t>OS</a:t>
+            </a:r>
+            <a:r>
+              <a:rPr lang="ja-JP" altLang="en-US" dirty="0" smtClean="0">
+                <a:latin typeface="+mn-ea"/>
+              </a:rPr>
+              <a:t>の更新・ウイルスチェックソフトの更新</a:t>
+            </a:r>
+            <a:endParaRPr lang="ja-JP" altLang="en-US" dirty="0">
               <a:latin typeface="+mn-ea"/>
             </a:endParaRPr>
           </a:p>
@@ -7221,74 +7502,351 @@
               <a:buNone/>
             </a:pPr>
             <a:r>
-              <a:rPr lang="en-US" altLang="ja-JP" sz="3200" dirty="0" smtClean="0">
-                <a:latin typeface="+mn-ea"/>
-              </a:rPr>
-              <a:t>8</a:t>
-            </a:r>
-            <a:r>
-              <a:rPr lang="ja-JP" altLang="en-US" sz="3200" dirty="0">
-                <a:latin typeface="+mn-ea"/>
-              </a:rPr>
-              <a:t>月～</a:t>
-            </a:r>
-            <a:r>
-              <a:rPr lang="en-US" altLang="ja-JP" sz="3200" dirty="0">
-                <a:latin typeface="+mn-ea"/>
-              </a:rPr>
-              <a:t>9</a:t>
-            </a:r>
-            <a:r>
-              <a:rPr lang="ja-JP" altLang="en-US" sz="3200" dirty="0">
-                <a:latin typeface="+mn-ea"/>
-              </a:rPr>
-              <a:t>月：トップ画面のモックコーディング</a:t>
-            </a:r>
-          </a:p>
-          <a:p>
-            <a:pPr marL="0" indent="0">
-              <a:buNone/>
-            </a:pPr>
-            <a:r>
-              <a:rPr lang="en-US" altLang="ja-JP" sz="3200" dirty="0" smtClean="0">
-                <a:latin typeface="+mn-ea"/>
-              </a:rPr>
-              <a:t>10</a:t>
-            </a:r>
-            <a:r>
-              <a:rPr lang="ja-JP" altLang="en-US" sz="3200" dirty="0">
-                <a:latin typeface="+mn-ea"/>
-              </a:rPr>
-              <a:t>月～翌年</a:t>
-            </a:r>
-            <a:r>
-              <a:rPr lang="en-US" altLang="ja-JP" sz="3200" dirty="0">
-                <a:latin typeface="+mn-ea"/>
-              </a:rPr>
-              <a:t>3</a:t>
-            </a:r>
-            <a:r>
-              <a:rPr lang="ja-JP" altLang="en-US" sz="3200" dirty="0">
-                <a:latin typeface="+mn-ea"/>
-              </a:rPr>
-              <a:t>月：トップ画面からの画面遷移</a:t>
-            </a:r>
-            <a:r>
-              <a:rPr lang="ja-JP" altLang="en-US" sz="3200" dirty="0" smtClean="0">
-                <a:latin typeface="+mn-ea"/>
-              </a:rPr>
-              <a:t>設計</a:t>
-            </a:r>
-            <a:endParaRPr lang="ja-JP" altLang="en-US" sz="3200" dirty="0">
+              <a:rPr lang="en-US" altLang="ja-JP" dirty="0" smtClean="0">
+                <a:latin typeface="+mn-ea"/>
+              </a:rPr>
+              <a:t>6</a:t>
+            </a:r>
+            <a:r>
+              <a:rPr lang="ja-JP" altLang="en-US" dirty="0" smtClean="0">
+                <a:latin typeface="+mn-ea"/>
+              </a:rPr>
+              <a:t>月：</a:t>
+            </a:r>
+            <a:r>
+              <a:rPr lang="en-US" altLang="ja-JP" dirty="0" smtClean="0">
+                <a:latin typeface="+mn-ea"/>
+              </a:rPr>
+              <a:t> OS</a:t>
+            </a:r>
+            <a:r>
+              <a:rPr lang="ja-JP" altLang="en-US" dirty="0" smtClean="0">
+                <a:latin typeface="+mn-ea"/>
+              </a:rPr>
+              <a:t>の更新・ウイルスチェックソフトの更新</a:t>
+            </a:r>
+            <a:endParaRPr lang="en-US" altLang="ja-JP" dirty="0" smtClean="0">
               <a:latin typeface="+mn-ea"/>
             </a:endParaRPr>
+          </a:p>
+          <a:p>
+            <a:pPr marL="0" indent="0">
+              <a:buNone/>
+            </a:pPr>
+            <a:r>
+              <a:rPr lang="ja-JP" altLang="en-US" dirty="0">
+                <a:latin typeface="+mn-ea"/>
+              </a:rPr>
+              <a:t>　</a:t>
+            </a:r>
+            <a:r>
+              <a:rPr lang="ja-JP" altLang="en-US" dirty="0" smtClean="0">
+                <a:latin typeface="+mn-ea"/>
+              </a:rPr>
+              <a:t>　　環境構築</a:t>
+            </a:r>
+            <a:r>
+              <a:rPr lang="en-US" altLang="ja-JP" dirty="0" smtClean="0">
+                <a:latin typeface="+mn-ea"/>
+              </a:rPr>
+              <a:t>(</a:t>
+            </a:r>
+            <a:r>
+              <a:rPr lang="en-US" altLang="ja-JP" dirty="0" err="1" smtClean="0">
+                <a:latin typeface="+mn-ea"/>
+              </a:rPr>
+              <a:t>Sourcetree</a:t>
+            </a:r>
+            <a:r>
+              <a:rPr lang="ja-JP" altLang="en-US" dirty="0">
+                <a:latin typeface="+mn-ea"/>
+              </a:rPr>
+              <a:t>・</a:t>
+            </a:r>
+            <a:r>
+              <a:rPr lang="en-US" altLang="ja-JP" dirty="0" smtClean="0">
+                <a:latin typeface="+mn-ea"/>
+              </a:rPr>
+              <a:t>Eclipse)</a:t>
+            </a:r>
+          </a:p>
+          <a:p>
+            <a:pPr marL="0" indent="0">
+              <a:buNone/>
+            </a:pPr>
+            <a:r>
+              <a:rPr lang="en-US" altLang="ja-JP" dirty="0" smtClean="0">
+                <a:latin typeface="+mn-ea"/>
+              </a:rPr>
+              <a:t>7</a:t>
+            </a:r>
+            <a:r>
+              <a:rPr lang="ja-JP" altLang="en-US" dirty="0" smtClean="0">
+                <a:latin typeface="+mn-ea"/>
+              </a:rPr>
+              <a:t>月：環境構築</a:t>
+            </a:r>
+            <a:r>
+              <a:rPr lang="en-US" altLang="ja-JP" dirty="0" smtClean="0">
+                <a:latin typeface="+mn-ea"/>
+              </a:rPr>
+              <a:t>(</a:t>
+            </a:r>
+            <a:r>
+              <a:rPr lang="en-US" altLang="ja-JP" dirty="0" err="1" smtClean="0">
+                <a:latin typeface="+mn-ea"/>
+              </a:rPr>
+              <a:t>Sourcetree</a:t>
+            </a:r>
+            <a:r>
+              <a:rPr lang="ja-JP" altLang="en-US" dirty="0">
+                <a:latin typeface="+mn-ea"/>
+              </a:rPr>
+              <a:t>・</a:t>
+            </a:r>
+            <a:r>
+              <a:rPr lang="en-US" altLang="ja-JP" dirty="0" smtClean="0">
+                <a:latin typeface="+mn-ea"/>
+              </a:rPr>
+              <a:t>Eclipse)</a:t>
+            </a:r>
+          </a:p>
+          <a:p>
+            <a:pPr marL="0" indent="0">
+              <a:buNone/>
+            </a:pPr>
+            <a:r>
+              <a:rPr lang="ja-JP" altLang="en-US" dirty="0">
+                <a:latin typeface="+mn-ea"/>
+              </a:rPr>
+              <a:t>　</a:t>
+            </a:r>
+            <a:r>
+              <a:rPr lang="ja-JP" altLang="en-US" dirty="0" smtClean="0">
+                <a:latin typeface="+mn-ea"/>
+              </a:rPr>
+              <a:t>　　</a:t>
+            </a:r>
+            <a:r>
+              <a:rPr lang="en-US" altLang="ja-JP" dirty="0" err="1" smtClean="0">
+                <a:latin typeface="+mn-ea"/>
+              </a:rPr>
+              <a:t>GitHUB</a:t>
+            </a:r>
+            <a:r>
+              <a:rPr lang="ja-JP" altLang="en-US" dirty="0" smtClean="0">
+                <a:latin typeface="+mn-ea"/>
+              </a:rPr>
+              <a:t>アカウント登録作業</a:t>
+            </a:r>
+            <a:endParaRPr lang="ja-JP" altLang="en-US" dirty="0">
+              <a:latin typeface="+mn-ea"/>
+            </a:endParaRPr>
+          </a:p>
+          <a:p>
+            <a:pPr marL="0" indent="0">
+              <a:buNone/>
+            </a:pPr>
+            <a:r>
+              <a:rPr lang="en-US" altLang="ja-JP" dirty="0" smtClean="0">
+                <a:latin typeface="+mn-ea"/>
+              </a:rPr>
+              <a:t>8</a:t>
+            </a:r>
+            <a:r>
+              <a:rPr lang="ja-JP" altLang="en-US" dirty="0" smtClean="0">
+                <a:latin typeface="+mn-ea"/>
+              </a:rPr>
+              <a:t>月：</a:t>
+            </a:r>
+            <a:r>
+              <a:rPr lang="en-US" altLang="ja-JP" dirty="0" smtClean="0">
+                <a:latin typeface="+mn-ea"/>
+              </a:rPr>
+              <a:t> </a:t>
+            </a:r>
+            <a:r>
+              <a:rPr lang="en-US" altLang="ja-JP" dirty="0" err="1" smtClean="0">
+                <a:latin typeface="+mn-ea"/>
+              </a:rPr>
+              <a:t>GitHUB</a:t>
+            </a:r>
+            <a:r>
+              <a:rPr lang="ja-JP" altLang="en-US" dirty="0" smtClean="0">
+                <a:latin typeface="+mn-ea"/>
+              </a:rPr>
+              <a:t>アカウント登録作業・ホームページ概要検討</a:t>
+            </a:r>
+            <a:endParaRPr lang="en-US" altLang="ja-JP" dirty="0" smtClean="0">
+              <a:latin typeface="+mn-ea"/>
+            </a:endParaRPr>
+          </a:p>
+          <a:p>
+            <a:pPr marL="0" indent="0">
+              <a:buNone/>
+            </a:pPr>
+            <a:r>
+              <a:rPr lang="ja-JP" altLang="en-US" dirty="0">
+                <a:latin typeface="+mn-ea"/>
+              </a:rPr>
+              <a:t>　</a:t>
+            </a:r>
+            <a:r>
+              <a:rPr lang="ja-JP" altLang="en-US" dirty="0" smtClean="0">
+                <a:latin typeface="+mn-ea"/>
+              </a:rPr>
+              <a:t>　　チーム分け</a:t>
+            </a:r>
+            <a:endParaRPr lang="en-US" altLang="ja-JP" dirty="0" smtClean="0">
+              <a:latin typeface="+mn-ea"/>
+            </a:endParaRPr>
+          </a:p>
+          <a:p>
+            <a:pPr marL="0" indent="0">
+              <a:buNone/>
+            </a:pPr>
+            <a:r>
+              <a:rPr lang="en-US" altLang="ja-JP" dirty="0" smtClean="0">
+                <a:latin typeface="+mn-ea"/>
+              </a:rPr>
+              <a:t>9</a:t>
+            </a:r>
+            <a:r>
+              <a:rPr lang="ja-JP" altLang="en-US" dirty="0">
+                <a:latin typeface="+mn-ea"/>
+              </a:rPr>
+              <a:t>月：トップ</a:t>
+            </a:r>
+            <a:r>
+              <a:rPr lang="ja-JP" altLang="en-US" dirty="0" smtClean="0">
+                <a:latin typeface="+mn-ea"/>
+              </a:rPr>
+              <a:t>画面イメージ</a:t>
+            </a:r>
+            <a:r>
+              <a:rPr lang="ja-JP" altLang="en-US" dirty="0">
+                <a:latin typeface="+mn-ea"/>
+              </a:rPr>
+              <a:t>作成</a:t>
+            </a:r>
+          </a:p>
+          <a:p>
+            <a:pPr marL="0" indent="0">
+              <a:buNone/>
+            </a:pPr>
+            <a:r>
+              <a:rPr lang="en-US" altLang="ja-JP" dirty="0" smtClean="0">
+                <a:latin typeface="+mn-ea"/>
+              </a:rPr>
+              <a:t>10</a:t>
+            </a:r>
+            <a:r>
+              <a:rPr lang="ja-JP" altLang="en-US" dirty="0" smtClean="0">
+                <a:latin typeface="+mn-ea"/>
+              </a:rPr>
+              <a:t>月：まとめ</a:t>
+            </a:r>
+            <a:endParaRPr kumimoji="1" lang="ja-JP" altLang="en-US" dirty="0">
+              <a:latin typeface="+mn-ea"/>
+            </a:endParaRPr>
+          </a:p>
+        </p:txBody>
+      </p:sp>
+      <p:sp>
+        <p:nvSpPr>
+          <p:cNvPr id="4" name="右中かっこ 3"/>
+          <p:cNvSpPr/>
+          <p:nvPr/>
+        </p:nvSpPr>
+        <p:spPr>
+          <a:xfrm>
+            <a:off x="10078750" y="1351108"/>
+            <a:ext cx="297229" cy="3792111"/>
+          </a:xfrm>
+          <a:prstGeom prst="rightBrace">
+            <a:avLst/>
+          </a:prstGeom>
+        </p:spPr>
+        <p:style>
+          <a:lnRef idx="2">
+            <a:schemeClr val="accent1"/>
+          </a:lnRef>
+          <a:fillRef idx="0">
+            <a:schemeClr val="accent1"/>
+          </a:fillRef>
+          <a:effectRef idx="1">
+            <a:schemeClr val="accent1"/>
+          </a:effectRef>
+          <a:fontRef idx="minor">
+            <a:schemeClr val="tx1"/>
+          </a:fontRef>
+        </p:style>
+        <p:txBody>
+          <a:bodyPr rtlCol="0" anchor="ctr"/>
+          <a:lstStyle/>
+          <a:p>
+            <a:pPr algn="ctr"/>
+            <a:endParaRPr kumimoji="1" lang="ja-JP" altLang="en-US"/>
+          </a:p>
+        </p:txBody>
+      </p:sp>
+      <p:sp>
+        <p:nvSpPr>
+          <p:cNvPr id="5" name="正方形/長方形 4"/>
+          <p:cNvSpPr/>
+          <p:nvPr/>
+        </p:nvSpPr>
+        <p:spPr>
+          <a:xfrm>
+            <a:off x="10502076" y="1477212"/>
+            <a:ext cx="531408" cy="3557918"/>
+          </a:xfrm>
+          <a:prstGeom prst="rect">
+            <a:avLst/>
+          </a:prstGeom>
+          <a:gradFill>
+            <a:gsLst>
+              <a:gs pos="0">
+                <a:schemeClr val="accent1"/>
+              </a:gs>
+              <a:gs pos="100000">
+                <a:schemeClr val="accent1"/>
+              </a:gs>
+            </a:gsLst>
+          </a:gradFill>
+          <a:effectLst/>
+        </p:spPr>
+        <p:style>
+          <a:lnRef idx="1">
+            <a:schemeClr val="accent1"/>
+          </a:lnRef>
+          <a:fillRef idx="3">
+            <a:schemeClr val="accent1"/>
+          </a:fillRef>
+          <a:effectRef idx="2">
+            <a:schemeClr val="accent1"/>
+          </a:effectRef>
+          <a:fontRef idx="minor">
+            <a:schemeClr val="lt1"/>
+          </a:fontRef>
+        </p:style>
+        <p:txBody>
+          <a:bodyPr rtlCol="0" anchor="ctr"/>
+          <a:lstStyle/>
+          <a:p>
+            <a:pPr algn="ctr"/>
+            <a:r>
+              <a:rPr lang="ja-JP" altLang="en-US" dirty="0" smtClean="0"/>
+              <a:t>開発環境セットアップ</a:t>
+            </a:r>
+            <a:endParaRPr kumimoji="1" lang="ja-JP" altLang="en-US" dirty="0"/>
           </a:p>
         </p:txBody>
       </p:sp>
     </p:spTree>
     <p:extLst>
       <p:ext uri="{BB962C8B-B14F-4D97-AF65-F5344CB8AC3E}">
-        <p14:creationId xmlns:p14="http://schemas.microsoft.com/office/powerpoint/2010/main" val="907880199"/>
+        <p14:creationId xmlns="" xmlns:a="http://schemas.openxmlformats.org/drawingml/2006/main" xmlns:r="http://schemas.openxmlformats.org/officeDocument/2006/relationships" xmlns:p="http://schemas.openxmlformats.org/presentationml/2006/main" xmlns:p14="http://schemas.microsoft.com/office/powerpoint/2010/main" xmlns:mv="urn:schemas-microsoft-com:mac:vml" xmlns:mc="http://schemas.openxmlformats.org/markup-compatibility/2006" val="4115930806"/>
       </p:ext>
     </p:extLst>
   </p:cSld>
@@ -7299,7 +7857,7 @@
 </file>
 
 <file path=ppt/slides/slide6.xml><?xml version="1.0" encoding="utf-8"?>
-<p:sld xmlns:a="http://schemas.openxmlformats.org/drawingml/2006/main" xmlns:r="http://schemas.openxmlformats.org/officeDocument/2006/relationships" xmlns:p="http://schemas.openxmlformats.org/presentationml/2006/main">
+<p:sld xmlns:a="http://schemas.openxmlformats.org/drawingml/2006/main" xmlns:r="http://schemas.openxmlformats.org/officeDocument/2006/relationships" xmlns:mc="http://schemas.openxmlformats.org/markup-compatibility/2006" xmlns:mv="urn:schemas-microsoft-com:mac:vml" xmlns:p="http://schemas.openxmlformats.org/presentationml/2006/main" mc:Ignorable="mv" mc:PreserveAttributes="mv:*">
   <p:cSld>
     <p:spTree>
       <p:nvGrpSpPr>
@@ -7327,8 +7885,8 @@
         </p:nvSpPr>
         <p:spPr>
           <a:xfrm>
-            <a:off x="838200" y="326488"/>
-            <a:ext cx="10515600" cy="1325563"/>
+            <a:off x="670489" y="54769"/>
+            <a:ext cx="10515600" cy="1481138"/>
           </a:xfrm>
         </p:spPr>
         <p:txBody>
@@ -7338,388 +7896,378 @@
           <a:lstStyle/>
           <a:p>
             <a:r>
-              <a:rPr lang="ja-JP" altLang="en-US" dirty="0"/>
-              <a:t>活動実績</a:t>
-            </a:r>
-            <a:r>
-              <a:rPr lang="ja-JP" altLang="en-US" b="1" i="1" dirty="0"/>
-              <a:t/>
-            </a:r>
-            <a:br>
-              <a:rPr lang="ja-JP" altLang="en-US" b="1" i="1" dirty="0"/>
-            </a:br>
+              <a:rPr lang="ja-JP" altLang="en-US" dirty="0" smtClean="0"/>
+              <a:t>成果物（</a:t>
+            </a:r>
+            <a:r>
+              <a:rPr lang="en-US" altLang="ja-JP" dirty="0" smtClean="0"/>
+              <a:t>HP</a:t>
+            </a:r>
+            <a:r>
+              <a:rPr lang="ja-JP" altLang="en-US" dirty="0" smtClean="0"/>
+              <a:t>トップ画面イメージ）</a:t>
+            </a:r>
             <a:endParaRPr kumimoji="1" lang="ja-JP" altLang="en-US" dirty="0"/>
           </a:p>
         </p:txBody>
       </p:sp>
-      <p:sp>
-        <p:nvSpPr>
-          <p:cNvPr id="3" name="コンテンツ プレースホルダー 2"/>
-          <p:cNvSpPr>
-            <a:spLocks noGrp="1"/>
-          </p:cNvSpPr>
+      <p:pic>
+        <p:nvPicPr>
+          <p:cNvPr id="22" name="コンテンツ プレースホルダー 21"/>
+          <p:cNvPicPr>
+            <a:picLocks noGrp="1" noChangeAspect="1"/>
+          </p:cNvPicPr>
           <p:nvPr>
             <p:ph idx="1"/>
           </p:nvPr>
-        </p:nvSpPr>
+        </p:nvPicPr>
+        <p:blipFill>
+          <a:blip r:embed="rId2"/>
+          <a:stretch>
+            <a:fillRect/>
+          </a:stretch>
+        </p:blipFill>
         <p:spPr>
           <a:xfrm>
-            <a:off x="1918952" y="1249250"/>
-            <a:ext cx="9749306" cy="5306095"/>
+            <a:off x="291660" y="1209676"/>
+            <a:ext cx="5459269" cy="5648324"/>
           </a:xfrm>
+          <a:prstGeom prst="rect">
+            <a:avLst/>
+          </a:prstGeom>
         </p:spPr>
-        <p:txBody>
-          <a:bodyPr>
-            <a:noAutofit/>
+      </p:pic>
+      <p:sp>
+        <p:nvSpPr>
+          <p:cNvPr id="23" name="正方形/長方形 22"/>
+          <p:cNvSpPr/>
+          <p:nvPr/>
+        </p:nvSpPr>
+        <p:spPr>
+          <a:xfrm>
+            <a:off x="5903329" y="1209676"/>
+            <a:ext cx="6151295" cy="5693866"/>
+          </a:xfrm>
+          <a:prstGeom prst="rect">
+            <a:avLst/>
+          </a:prstGeom>
+        </p:spPr>
+        <p:txBody>
+          <a:bodyPr wrap="square">
+            <a:spAutoFit/>
           </a:bodyPr>
           <a:lstStyle/>
           <a:p>
-            <a:pPr marL="0" indent="0">
-              <a:buNone/>
-            </a:pPr>
-            <a:r>
-              <a:rPr lang="en-US" altLang="ja-JP" sz="2600" dirty="0">
-                <a:latin typeface="+mn-ea"/>
-              </a:rPr>
-              <a:t>5</a:t>
-            </a:r>
-            <a:r>
-              <a:rPr lang="ja-JP" altLang="en-US" sz="2600" dirty="0">
-                <a:latin typeface="+mn-ea"/>
-              </a:rPr>
-              <a:t>月</a:t>
-            </a:r>
-            <a:r>
-              <a:rPr lang="ja-JP" altLang="en-US" sz="2600" dirty="0" smtClean="0">
-                <a:latin typeface="+mn-ea"/>
-              </a:rPr>
-              <a:t>：社内パソコンの調査</a:t>
-            </a:r>
-            <a:endParaRPr lang="en-US" altLang="ja-JP" sz="2600" dirty="0" smtClean="0">
-              <a:latin typeface="+mn-ea"/>
-            </a:endParaRPr>
-          </a:p>
-          <a:p>
-            <a:pPr marL="0" indent="0">
-              <a:buNone/>
-            </a:pPr>
-            <a:r>
-              <a:rPr lang="ja-JP" altLang="en-US" sz="2600" dirty="0">
-                <a:latin typeface="+mn-ea"/>
-              </a:rPr>
+            <a:r>
+              <a:rPr lang="ja-JP" altLang="en-US" sz="1400" dirty="0" smtClean="0">
+                <a:solidFill>
+                  <a:srgbClr val="FF0000"/>
+                </a:solidFill>
+              </a:rPr>
+              <a:t>会社のロゴ</a:t>
+            </a:r>
+            <a:r>
+              <a:rPr lang="ja-JP" altLang="en-US" sz="1400" dirty="0" smtClean="0"/>
+              <a:t>	</a:t>
+            </a:r>
+          </a:p>
+          <a:p>
+            <a:r>
+              <a:rPr lang="ja-JP" altLang="en-US" sz="1400" dirty="0" smtClean="0"/>
+              <a:t>→</a:t>
+            </a:r>
+            <a:r>
+              <a:rPr lang="en-US" altLang="ja-JP" sz="1400" dirty="0" smtClean="0"/>
+              <a:t>HP</a:t>
+            </a:r>
+            <a:r>
+              <a:rPr lang="ja-JP" altLang="en-US" sz="1400" dirty="0" smtClean="0"/>
+              <a:t>にあるもの使用</a:t>
+            </a:r>
+          </a:p>
+          <a:p>
+            <a:r>
+              <a:rPr lang="ja-JP" altLang="en-US" sz="1400" dirty="0" smtClean="0">
+                <a:solidFill>
+                  <a:srgbClr val="FF0000"/>
+                </a:solidFill>
+              </a:rPr>
+              <a:t>メニューバー</a:t>
+            </a:r>
+            <a:r>
+              <a:rPr lang="ja-JP" altLang="en-US" sz="1400" dirty="0" smtClean="0"/>
+              <a:t>	</a:t>
+            </a:r>
+          </a:p>
+          <a:p>
+            <a:r>
+              <a:rPr lang="ja-JP" altLang="en-US" sz="1400" dirty="0" smtClean="0"/>
+              <a:t>→会社情報、事業内容、お問い合わせ</a:t>
+            </a:r>
+          </a:p>
+          <a:p>
+            <a:r>
+              <a:rPr lang="ja-JP" altLang="en-US" sz="1400" dirty="0" smtClean="0"/>
+              <a:t>　リンクのロールオーバーはなし</a:t>
+            </a:r>
+            <a:r>
+              <a:rPr lang="en-US" altLang="ja-JP" sz="1400" dirty="0" smtClean="0"/>
+              <a:t>(</a:t>
+            </a:r>
+            <a:r>
+              <a:rPr lang="ja-JP" altLang="en-US" sz="1400" dirty="0" smtClean="0"/>
+              <a:t>現状の方針</a:t>
+            </a:r>
+            <a:r>
+              <a:rPr lang="en-US" altLang="ja-JP" sz="1400" dirty="0" smtClean="0"/>
+              <a:t>)</a:t>
+            </a:r>
+          </a:p>
+          <a:p>
+            <a:r>
+              <a:rPr lang="ja-JP" altLang="en-US" sz="1400" dirty="0" smtClean="0"/>
+              <a:t>　細かい内容は各項目に中間リンクを置いて遷移させる</a:t>
+            </a:r>
+          </a:p>
+          <a:p>
+            <a:r>
+              <a:rPr lang="ja-JP" altLang="en-US" sz="1400" dirty="0" smtClean="0"/>
+              <a:t>　お問い合わせには、お客様窓口、パートナー募集、</a:t>
+            </a:r>
+            <a:endParaRPr lang="en-US" altLang="ja-JP" sz="1400" dirty="0" smtClean="0"/>
+          </a:p>
+          <a:p>
+            <a:r>
+              <a:rPr lang="ja-JP" altLang="en-US" sz="1400" dirty="0"/>
               <a:t>　</a:t>
             </a:r>
             <a:r>
-              <a:rPr lang="ja-JP" altLang="en-US" sz="2600" dirty="0" smtClean="0">
-                <a:latin typeface="+mn-ea"/>
-              </a:rPr>
-              <a:t>　　</a:t>
-            </a:r>
-            <a:r>
-              <a:rPr lang="en-US" altLang="ja-JP" sz="2600" dirty="0" smtClean="0">
-                <a:latin typeface="+mn-ea"/>
-              </a:rPr>
-              <a:t>OS</a:t>
-            </a:r>
-            <a:r>
-              <a:rPr lang="ja-JP" altLang="en-US" sz="2600" dirty="0" smtClean="0">
-                <a:latin typeface="+mn-ea"/>
-              </a:rPr>
-              <a:t>の更新・ウイルスチェックソフトの更新</a:t>
-            </a:r>
-            <a:endParaRPr lang="ja-JP" altLang="en-US" sz="2600" dirty="0">
-              <a:latin typeface="+mn-ea"/>
-            </a:endParaRPr>
-          </a:p>
-          <a:p>
-            <a:pPr marL="0" indent="0">
-              <a:buNone/>
-            </a:pPr>
-            <a:r>
-              <a:rPr lang="en-US" altLang="ja-JP" sz="2600" dirty="0" smtClean="0">
-                <a:latin typeface="+mn-ea"/>
-              </a:rPr>
-              <a:t>6</a:t>
-            </a:r>
-            <a:r>
-              <a:rPr lang="ja-JP" altLang="en-US" sz="2600" dirty="0" smtClean="0">
-                <a:latin typeface="+mn-ea"/>
-              </a:rPr>
-              <a:t>月</a:t>
-            </a:r>
-            <a:r>
-              <a:rPr lang="ja-JP" altLang="en-US" sz="2600" dirty="0" smtClean="0">
-                <a:latin typeface="+mn-ea"/>
-              </a:rPr>
-              <a:t>：</a:t>
-            </a:r>
-            <a:r>
-              <a:rPr lang="en-US" altLang="ja-JP" sz="2600" dirty="0" smtClean="0">
-                <a:latin typeface="+mn-ea"/>
-              </a:rPr>
-              <a:t> OS</a:t>
-            </a:r>
-            <a:r>
-              <a:rPr lang="ja-JP" altLang="en-US" sz="2600" dirty="0" smtClean="0">
-                <a:latin typeface="+mn-ea"/>
-              </a:rPr>
-              <a:t>の更新・ウイルスチェックソフトの更新</a:t>
-            </a:r>
-            <a:endParaRPr lang="en-US" altLang="ja-JP" sz="2600" dirty="0" smtClean="0">
-              <a:latin typeface="+mn-ea"/>
-            </a:endParaRPr>
-          </a:p>
-          <a:p>
-            <a:pPr marL="0" indent="0">
-              <a:buNone/>
-            </a:pPr>
-            <a:r>
-              <a:rPr lang="ja-JP" altLang="en-US" sz="2600" dirty="0">
-                <a:latin typeface="+mn-ea"/>
-              </a:rPr>
+              <a:rPr lang="ja-JP" altLang="en-US" sz="1400" dirty="0" smtClean="0"/>
+              <a:t>採用を子リンクとしてまとめる</a:t>
+            </a:r>
+          </a:p>
+          <a:p>
+            <a:r>
+              <a:rPr lang="ja-JP" altLang="en-US" sz="1400" dirty="0" smtClean="0"/>
+              <a:t>　ホームボタンは削除</a:t>
+            </a:r>
+          </a:p>
+          <a:p>
+            <a:r>
+              <a:rPr lang="ja-JP" altLang="en-US" sz="1400" dirty="0" smtClean="0"/>
+              <a:t>　メニューバーの上に社名を入れる</a:t>
+            </a:r>
+          </a:p>
+          <a:p>
+            <a:r>
+              <a:rPr lang="ja-JP" altLang="en-US" sz="1400" dirty="0" smtClean="0">
+                <a:solidFill>
+                  <a:srgbClr val="FF0000"/>
+                </a:solidFill>
+              </a:rPr>
+              <a:t>コンテンツのパネル</a:t>
+            </a:r>
+            <a:r>
+              <a:rPr lang="ja-JP" altLang="en-US" sz="1400" dirty="0" smtClean="0"/>
+              <a:t>	</a:t>
+            </a:r>
+          </a:p>
+          <a:p>
+            <a:r>
+              <a:rPr lang="ja-JP" altLang="en-US" sz="1400" dirty="0" smtClean="0"/>
+              <a:t>→スクロールは排除。最大６件の情報のみ載せる</a:t>
+            </a:r>
+          </a:p>
+          <a:p>
+            <a:r>
+              <a:rPr lang="ja-JP" altLang="en-US" sz="1400" dirty="0" smtClean="0"/>
+              <a:t>　採用リンクは下本さんの写真のある画面に遷移</a:t>
+            </a:r>
+          </a:p>
+          <a:p>
+            <a:r>
+              <a:rPr lang="ja-JP" altLang="en-US" sz="1400" dirty="0" smtClean="0"/>
               <a:t>　</a:t>
             </a:r>
             <a:r>
-              <a:rPr lang="ja-JP" altLang="en-US" sz="2600" dirty="0" smtClean="0">
-                <a:latin typeface="+mn-ea"/>
-              </a:rPr>
-              <a:t>　　</a:t>
-            </a:r>
-            <a:r>
-              <a:rPr lang="ja-JP" altLang="en-US" sz="2600" dirty="0" smtClean="0">
-                <a:latin typeface="+mn-ea"/>
-              </a:rPr>
-              <a:t>環境構築</a:t>
-            </a:r>
-            <a:r>
-              <a:rPr lang="en-US" altLang="ja-JP" sz="2600" dirty="0" smtClean="0">
-                <a:latin typeface="+mn-ea"/>
-              </a:rPr>
-              <a:t>( </a:t>
-            </a:r>
-            <a:r>
-              <a:rPr lang="en-US" altLang="ja-JP" sz="2600" dirty="0" err="1" smtClean="0">
-                <a:latin typeface="+mn-ea"/>
-              </a:rPr>
-              <a:t>Sourcetree</a:t>
-            </a:r>
-            <a:r>
-              <a:rPr lang="ja-JP" altLang="en-US" sz="2600" dirty="0">
-                <a:latin typeface="+mn-ea"/>
-              </a:rPr>
-              <a:t>・</a:t>
-            </a:r>
-            <a:r>
-              <a:rPr lang="en-US" altLang="ja-JP" sz="2600" dirty="0" smtClean="0">
-                <a:latin typeface="+mn-ea"/>
-              </a:rPr>
-              <a:t>Eclipse)</a:t>
-            </a:r>
-          </a:p>
-          <a:p>
-            <a:pPr marL="0" indent="0">
-              <a:buNone/>
-            </a:pPr>
-            <a:r>
-              <a:rPr lang="en-US" altLang="ja-JP" sz="2600" dirty="0" smtClean="0">
-                <a:latin typeface="+mn-ea"/>
-              </a:rPr>
-              <a:t>7</a:t>
-            </a:r>
-            <a:r>
-              <a:rPr lang="ja-JP" altLang="en-US" sz="2600" dirty="0" smtClean="0">
-                <a:latin typeface="+mn-ea"/>
-              </a:rPr>
-              <a:t>月：</a:t>
-            </a:r>
-            <a:r>
-              <a:rPr lang="ja-JP" altLang="en-US" sz="2600" dirty="0" smtClean="0">
-                <a:latin typeface="+mn-ea"/>
-              </a:rPr>
-              <a:t>環境構築</a:t>
-            </a:r>
-            <a:r>
-              <a:rPr lang="en-US" altLang="ja-JP" sz="2600" dirty="0" smtClean="0">
-                <a:latin typeface="+mn-ea"/>
-              </a:rPr>
+              <a:rPr lang="en-US" altLang="ja-JP" sz="1400" dirty="0" smtClean="0"/>
+              <a:t>Twitter</a:t>
+            </a:r>
+            <a:r>
+              <a:rPr lang="ja-JP" altLang="en-US" sz="1400" dirty="0" smtClean="0"/>
+              <a:t>の埋め込みで最新情報を更新する</a:t>
+            </a:r>
+            <a:endParaRPr lang="en-US" altLang="ja-JP" sz="1400" dirty="0" smtClean="0"/>
+          </a:p>
+          <a:p>
+            <a:r>
+              <a:rPr lang="ja-JP" altLang="en-US" sz="1400" dirty="0"/>
+              <a:t>　</a:t>
+            </a:r>
+            <a:r>
+              <a:rPr lang="en-US" altLang="ja-JP" sz="1400" dirty="0" smtClean="0"/>
               <a:t>(</a:t>
             </a:r>
             <a:r>
-              <a:rPr lang="en-US" altLang="ja-JP" sz="2600" dirty="0" err="1" smtClean="0">
-                <a:latin typeface="+mn-ea"/>
-              </a:rPr>
-              <a:t>Sourcetree</a:t>
-            </a:r>
-            <a:r>
-              <a:rPr lang="ja-JP" altLang="en-US" sz="2600" dirty="0">
-                <a:latin typeface="+mn-ea"/>
-              </a:rPr>
-              <a:t>・</a:t>
-            </a:r>
-            <a:r>
-              <a:rPr lang="en-US" altLang="ja-JP" sz="2600" dirty="0" smtClean="0">
-                <a:latin typeface="+mn-ea"/>
-              </a:rPr>
-              <a:t>Eclipse)</a:t>
-            </a:r>
-          </a:p>
-          <a:p>
-            <a:pPr marL="0" indent="0">
-              <a:buNone/>
-            </a:pPr>
-            <a:r>
-              <a:rPr lang="ja-JP" altLang="en-US" sz="2600" dirty="0">
-                <a:latin typeface="+mn-ea"/>
-              </a:rPr>
+              <a:rPr lang="ja-JP" altLang="en-US" sz="1400" dirty="0" smtClean="0"/>
+              <a:t>情報更新に</a:t>
+            </a:r>
+            <a:r>
+              <a:rPr lang="en-US" altLang="ja-JP" sz="1400" dirty="0" smtClean="0"/>
+              <a:t>HP</a:t>
+            </a:r>
+            <a:r>
+              <a:rPr lang="ja-JP" altLang="en-US" sz="1400" dirty="0" smtClean="0"/>
+              <a:t>の更新が不要なため</a:t>
+            </a:r>
+            <a:r>
+              <a:rPr lang="en-US" altLang="ja-JP" sz="1400" dirty="0" smtClean="0"/>
+              <a:t>)</a:t>
+            </a:r>
+          </a:p>
+          <a:p>
+            <a:r>
+              <a:rPr lang="ja-JP" altLang="en-US" sz="1400" dirty="0" smtClean="0"/>
+              <a:t>　求人情報は</a:t>
+            </a:r>
+            <a:r>
+              <a:rPr lang="en-US" altLang="ja-JP" sz="1400" dirty="0" smtClean="0"/>
+              <a:t>Twitter</a:t>
+            </a:r>
+            <a:r>
+              <a:rPr lang="ja-JP" altLang="en-US" sz="1400" dirty="0" smtClean="0"/>
+              <a:t>などで告知。</a:t>
+            </a:r>
+            <a:r>
+              <a:rPr lang="en-US" altLang="ja-JP" sz="1400" dirty="0" smtClean="0"/>
+              <a:t>HP</a:t>
+            </a:r>
+            <a:r>
+              <a:rPr lang="ja-JP" altLang="en-US" sz="1400" dirty="0" smtClean="0"/>
+              <a:t>更新頻度があげられないため	</a:t>
+            </a:r>
+          </a:p>
+          <a:p>
+            <a:r>
+              <a:rPr lang="ja-JP" altLang="en-US" sz="1400" dirty="0" smtClean="0">
+                <a:solidFill>
+                  <a:srgbClr val="FF0000"/>
+                </a:solidFill>
+              </a:rPr>
+              <a:t>メイン画像</a:t>
+            </a:r>
+            <a:r>
+              <a:rPr lang="ja-JP" altLang="en-US" sz="1400" dirty="0" smtClean="0"/>
+              <a:t>	</a:t>
+            </a:r>
+          </a:p>
+          <a:p>
+            <a:r>
+              <a:rPr lang="ja-JP" altLang="en-US" sz="1400" dirty="0" smtClean="0"/>
+              <a:t>→現状一枚のみ</a:t>
+            </a:r>
+            <a:r>
+              <a:rPr lang="en-US" altLang="ja-JP" sz="1400" dirty="0" smtClean="0"/>
+              <a:t>(</a:t>
+            </a:r>
+            <a:r>
+              <a:rPr lang="ja-JP" altLang="en-US" sz="1400" dirty="0" smtClean="0"/>
+              <a:t>画像の内容は要検討</a:t>
+            </a:r>
+            <a:r>
+              <a:rPr lang="en-US" altLang="ja-JP" sz="1400" dirty="0" smtClean="0"/>
+              <a:t>)</a:t>
+            </a:r>
+          </a:p>
+          <a:p>
+            <a:r>
+              <a:rPr lang="ja-JP" altLang="en-US" sz="1400" dirty="0" smtClean="0"/>
+              <a:t>　リンク先は実績一覧ページに飛ばす</a:t>
+            </a:r>
+          </a:p>
+          <a:p>
+            <a:r>
+              <a:rPr lang="ja-JP" altLang="en-US" sz="1400" dirty="0" smtClean="0">
+                <a:solidFill>
+                  <a:srgbClr val="FF0000"/>
+                </a:solidFill>
+              </a:rPr>
+              <a:t>サイトマップ</a:t>
+            </a:r>
+            <a:r>
+              <a:rPr lang="ja-JP" altLang="en-US" sz="1400" dirty="0" smtClean="0"/>
+              <a:t>	</a:t>
+            </a:r>
+          </a:p>
+          <a:p>
+            <a:r>
+              <a:rPr lang="ja-JP" altLang="en-US" sz="1400" dirty="0" smtClean="0"/>
+              <a:t>→</a:t>
+            </a:r>
+            <a:r>
+              <a:rPr lang="en-US" altLang="ja-JP" sz="1400" dirty="0" smtClean="0"/>
+              <a:t>ISO27001</a:t>
+            </a:r>
+            <a:r>
+              <a:rPr lang="ja-JP" altLang="en-US" sz="1400" dirty="0" smtClean="0"/>
+              <a:t>を右側に表示。クリックで保護方針ページに遷移</a:t>
+            </a:r>
+          </a:p>
+          <a:p>
+            <a:r>
+              <a:rPr lang="ja-JP" altLang="en-US" sz="1400" dirty="0" smtClean="0"/>
+              <a:t>　載せる内容は要認定された全てのページへのリンク</a:t>
+            </a:r>
+          </a:p>
+          <a:p>
+            <a:r>
+              <a:rPr lang="ja-JP" altLang="en-US" sz="1400" dirty="0" smtClean="0"/>
               <a:t>　</a:t>
             </a:r>
             <a:r>
-              <a:rPr lang="ja-JP" altLang="en-US" sz="2600" dirty="0" smtClean="0">
-                <a:latin typeface="+mn-ea"/>
-              </a:rPr>
-              <a:t>　　</a:t>
-            </a:r>
-            <a:r>
-              <a:rPr lang="en-US" altLang="ja-JP" sz="2600" dirty="0" err="1" smtClean="0">
-                <a:latin typeface="+mn-ea"/>
-              </a:rPr>
-              <a:t>GitHUB</a:t>
-            </a:r>
-            <a:r>
-              <a:rPr lang="ja-JP" altLang="en-US" sz="2600" dirty="0" smtClean="0">
-                <a:latin typeface="+mn-ea"/>
-              </a:rPr>
-              <a:t>アカウント登録作業</a:t>
-            </a:r>
-            <a:endParaRPr lang="ja-JP" altLang="en-US" sz="2600" dirty="0">
-              <a:latin typeface="+mn-ea"/>
-            </a:endParaRPr>
-          </a:p>
-          <a:p>
-            <a:pPr marL="0" indent="0">
-              <a:buNone/>
-            </a:pPr>
-            <a:r>
-              <a:rPr lang="en-US" altLang="ja-JP" sz="2600" dirty="0" smtClean="0">
-                <a:latin typeface="+mn-ea"/>
-              </a:rPr>
-              <a:t>8</a:t>
-            </a:r>
-            <a:r>
-              <a:rPr lang="ja-JP" altLang="en-US" sz="2600" dirty="0" smtClean="0">
-                <a:latin typeface="+mn-ea"/>
-              </a:rPr>
-              <a:t>月</a:t>
-            </a:r>
-            <a:r>
-              <a:rPr lang="ja-JP" altLang="en-US" sz="2600" dirty="0" smtClean="0">
-                <a:latin typeface="+mn-ea"/>
-              </a:rPr>
-              <a:t>：</a:t>
-            </a:r>
-            <a:r>
-              <a:rPr lang="en-US" altLang="ja-JP" sz="2600" dirty="0" smtClean="0">
-                <a:latin typeface="+mn-ea"/>
-              </a:rPr>
-              <a:t> </a:t>
-            </a:r>
-            <a:r>
-              <a:rPr lang="en-US" altLang="ja-JP" sz="2600" dirty="0" err="1" smtClean="0">
-                <a:latin typeface="+mn-ea"/>
-              </a:rPr>
-              <a:t>GitHUB</a:t>
-            </a:r>
-            <a:r>
-              <a:rPr lang="ja-JP" altLang="en-US" sz="2600" dirty="0" smtClean="0">
-                <a:latin typeface="+mn-ea"/>
-              </a:rPr>
-              <a:t>アカウント登録作業・ホームページ概要検討</a:t>
-            </a:r>
-            <a:endParaRPr lang="en-US" altLang="ja-JP" sz="2600" dirty="0" smtClean="0">
-              <a:latin typeface="+mn-ea"/>
-            </a:endParaRPr>
-          </a:p>
-          <a:p>
-            <a:pPr marL="0" indent="0">
-              <a:buNone/>
-            </a:pPr>
-            <a:r>
-              <a:rPr lang="ja-JP" altLang="en-US" sz="2600" dirty="0">
-                <a:latin typeface="+mn-ea"/>
-              </a:rPr>
-              <a:t>　</a:t>
-            </a:r>
-            <a:r>
-              <a:rPr lang="ja-JP" altLang="en-US" sz="2600" dirty="0" smtClean="0">
-                <a:latin typeface="+mn-ea"/>
-              </a:rPr>
-              <a:t>　　</a:t>
-            </a:r>
-            <a:r>
-              <a:rPr lang="ja-JP" altLang="en-US" sz="2600" dirty="0" smtClean="0">
-                <a:latin typeface="+mn-ea"/>
-              </a:rPr>
-              <a:t>チーム分け</a:t>
-            </a:r>
-            <a:endParaRPr lang="en-US" altLang="ja-JP" sz="2600" dirty="0" smtClean="0">
-              <a:latin typeface="+mn-ea"/>
-            </a:endParaRPr>
-          </a:p>
-          <a:p>
-            <a:pPr marL="0" indent="0">
-              <a:buNone/>
-            </a:pPr>
-            <a:r>
-              <a:rPr lang="en-US" altLang="ja-JP" sz="2600" dirty="0" smtClean="0">
-                <a:latin typeface="+mn-ea"/>
-              </a:rPr>
-              <a:t>9</a:t>
-            </a:r>
-            <a:r>
-              <a:rPr lang="ja-JP" altLang="en-US" sz="2600" dirty="0">
-                <a:latin typeface="+mn-ea"/>
-              </a:rPr>
-              <a:t>月：トップ</a:t>
-            </a:r>
-            <a:r>
-              <a:rPr lang="ja-JP" altLang="en-US" sz="2600" dirty="0" smtClean="0">
-                <a:latin typeface="+mn-ea"/>
-              </a:rPr>
-              <a:t>画面イメージ</a:t>
-            </a:r>
-            <a:r>
-              <a:rPr lang="ja-JP" altLang="en-US" sz="2600" dirty="0">
-                <a:latin typeface="+mn-ea"/>
-              </a:rPr>
-              <a:t>作成</a:t>
-            </a:r>
-          </a:p>
-          <a:p>
-            <a:pPr marL="0" indent="0">
-              <a:buNone/>
-            </a:pPr>
-            <a:r>
-              <a:rPr lang="en-US" altLang="ja-JP" sz="2600" dirty="0" smtClean="0">
-                <a:latin typeface="+mn-ea"/>
-              </a:rPr>
-              <a:t>10</a:t>
-            </a:r>
-            <a:r>
-              <a:rPr lang="ja-JP" altLang="en-US" sz="2600" dirty="0" smtClean="0">
-                <a:latin typeface="+mn-ea"/>
-              </a:rPr>
-              <a:t>月：まとめ</a:t>
-            </a:r>
-            <a:endParaRPr kumimoji="1" lang="ja-JP" altLang="en-US" sz="2600" dirty="0">
-              <a:latin typeface="+mn-ea"/>
-            </a:endParaRPr>
+              <a:rPr lang="en-US" altLang="ja-JP" sz="1400" dirty="0" err="1" smtClean="0"/>
+              <a:t>CopyRight</a:t>
+            </a:r>
+            <a:r>
+              <a:rPr lang="ja-JP" altLang="en-US" sz="1400" dirty="0" smtClean="0"/>
+              <a:t>の年度表記は削除</a:t>
+            </a:r>
+          </a:p>
+          <a:p>
+            <a:r>
+              <a:rPr lang="ja-JP" altLang="en-US" sz="1400" dirty="0" smtClean="0">
+                <a:solidFill>
+                  <a:srgbClr val="FF0000"/>
+                </a:solidFill>
+              </a:rPr>
+              <a:t>サイトカラー</a:t>
+            </a:r>
+            <a:r>
+              <a:rPr lang="ja-JP" altLang="en-US" sz="1400" dirty="0" smtClean="0"/>
+              <a:t>	</a:t>
+            </a:r>
+          </a:p>
+          <a:p>
+            <a:r>
+              <a:rPr lang="ja-JP" altLang="en-US" sz="1400" dirty="0" smtClean="0"/>
+              <a:t>→現行</a:t>
+            </a:r>
+            <a:r>
+              <a:rPr lang="en-US" altLang="ja-JP" sz="1400" dirty="0" smtClean="0"/>
+              <a:t>HP</a:t>
+            </a:r>
+            <a:r>
+              <a:rPr lang="ja-JP" altLang="en-US" sz="1400" dirty="0" smtClean="0"/>
+              <a:t>のカラーリングを踏襲</a:t>
+            </a:r>
+            <a:endParaRPr lang="ja-JP" altLang="en-US" sz="1400" dirty="0"/>
           </a:p>
         </p:txBody>
       </p:sp>
     </p:spTree>
     <p:extLst>
       <p:ext uri="{BB962C8B-B14F-4D97-AF65-F5344CB8AC3E}">
-        <p14:creationId xmlns:p14="http://schemas.microsoft.com/office/powerpoint/2010/main" val="4115930806"/>
+        <p14:creationId xmlns="" xmlns:a="http://schemas.openxmlformats.org/drawingml/2006/main" xmlns:r="http://schemas.openxmlformats.org/officeDocument/2006/relationships" xmlns:p="http://schemas.openxmlformats.org/presentationml/2006/main" xmlns:p14="http://schemas.microsoft.com/office/powerpoint/2010/main" xmlns:mv="urn:schemas-microsoft-com:mac:vml" xmlns:mc="http://schemas.openxmlformats.org/markup-compatibility/2006" val="3710354482"/>
       </p:ext>
     </p:extLst>
   </p:cSld>
@@ -7730,7 +8278,7 @@
 </file>
 
 <file path=ppt/slides/slide7.xml><?xml version="1.0" encoding="utf-8"?>
-<p:sld xmlns:a="http://schemas.openxmlformats.org/drawingml/2006/main" xmlns:r="http://schemas.openxmlformats.org/officeDocument/2006/relationships" xmlns:p="http://schemas.openxmlformats.org/presentationml/2006/main">
+<p:sld xmlns:a="http://schemas.openxmlformats.org/drawingml/2006/main" xmlns:r="http://schemas.openxmlformats.org/officeDocument/2006/relationships" xmlns:mc="http://schemas.openxmlformats.org/markup-compatibility/2006" xmlns:mv="urn:schemas-microsoft-com:mac:vml" xmlns:p="http://schemas.openxmlformats.org/presentationml/2006/main" mc:Ignorable="mv" mc:PreserveAttributes="mv:*">
   <p:cSld>
     <p:spTree>
       <p:nvGrpSpPr>
@@ -7758,389 +8306,510 @@
         </p:nvSpPr>
         <p:spPr>
           <a:xfrm>
-            <a:off x="670489" y="54769"/>
-            <a:ext cx="10515600" cy="1481138"/>
+            <a:off x="1484310" y="453981"/>
+            <a:ext cx="10018713" cy="1194515"/>
           </a:xfrm>
         </p:spPr>
         <p:txBody>
+          <a:bodyPr/>
+          <a:lstStyle/>
+          <a:p>
+            <a:r>
+              <a:rPr kumimoji="1" lang="ja-JP" altLang="en-US" dirty="0" smtClean="0"/>
+              <a:t>反省と対策</a:t>
+            </a:r>
+            <a:endParaRPr kumimoji="1" lang="ja-JP" altLang="en-US" dirty="0"/>
+          </a:p>
+        </p:txBody>
+      </p:sp>
+      <p:sp>
+        <p:nvSpPr>
+          <p:cNvPr id="3" name="コンテンツ プレースホルダー 2"/>
+          <p:cNvSpPr>
+            <a:spLocks noGrp="1"/>
+          </p:cNvSpPr>
+          <p:nvPr>
+            <p:ph idx="1"/>
+          </p:nvPr>
+        </p:nvSpPr>
+        <p:spPr>
+          <a:xfrm>
+            <a:off x="1484310" y="1352283"/>
+            <a:ext cx="10145313" cy="5215942"/>
+          </a:xfrm>
+        </p:spPr>
+        <p:txBody>
           <a:bodyPr>
-            <a:normAutofit/>
+            <a:normAutofit fontScale="62500" lnSpcReduction="20000"/>
           </a:bodyPr>
           <a:lstStyle/>
           <a:p>
-            <a:r>
-              <a:rPr lang="ja-JP" altLang="en-US" dirty="0" smtClean="0"/>
-              <a:t>成果物（</a:t>
-            </a:r>
-            <a:r>
-              <a:rPr lang="en-US" altLang="ja-JP" dirty="0" smtClean="0"/>
-              <a:t>HP</a:t>
-            </a:r>
-            <a:r>
-              <a:rPr lang="ja-JP" altLang="en-US" dirty="0" smtClean="0"/>
-              <a:t>トップ画面イメージ）</a:t>
-            </a:r>
-            <a:endParaRPr kumimoji="1" lang="ja-JP" altLang="en-US" dirty="0"/>
-          </a:p>
-        </p:txBody>
-      </p:sp>
-      <p:pic>
-        <p:nvPicPr>
-          <p:cNvPr id="22" name="コンテンツ プレースホルダー 21"/>
-          <p:cNvPicPr>
-            <a:picLocks noGrp="1" noChangeAspect="1"/>
-          </p:cNvPicPr>
-          <p:nvPr>
-            <p:ph idx="1"/>
-          </p:nvPr>
-        </p:nvPicPr>
-        <p:blipFill>
-          <a:blip r:embed="rId3"/>
-          <a:stretch>
-            <a:fillRect/>
-          </a:stretch>
-        </p:blipFill>
-        <p:spPr>
-          <a:xfrm>
-            <a:off x="291660" y="1209676"/>
-            <a:ext cx="5459269" cy="5648324"/>
-          </a:xfrm>
-          <a:prstGeom prst="rect">
-            <a:avLst/>
-          </a:prstGeom>
-        </p:spPr>
-      </p:pic>
-      <p:sp>
-        <p:nvSpPr>
-          <p:cNvPr id="23" name="正方形/長方形 22"/>
-          <p:cNvSpPr/>
-          <p:nvPr/>
-        </p:nvSpPr>
-        <p:spPr>
-          <a:xfrm>
-            <a:off x="5903329" y="1209676"/>
-            <a:ext cx="6151295" cy="5693866"/>
-          </a:xfrm>
-          <a:prstGeom prst="rect">
-            <a:avLst/>
-          </a:prstGeom>
-        </p:spPr>
-        <p:txBody>
-          <a:bodyPr wrap="square">
-            <a:spAutoFit/>
-          </a:bodyPr>
-          <a:lstStyle/>
-          <a:p>
-            <a:r>
-              <a:rPr lang="ja-JP" altLang="en-US" sz="1400" dirty="0" smtClean="0">
-                <a:solidFill>
-                  <a:srgbClr val="FF0000"/>
-                </a:solidFill>
-              </a:rPr>
-              <a:t>会社のロゴ</a:t>
-            </a:r>
-            <a:r>
-              <a:rPr lang="ja-JP" altLang="en-US" sz="1400" dirty="0" smtClean="0"/>
-              <a:t>	</a:t>
-            </a:r>
-          </a:p>
-          <a:p>
-            <a:r>
-              <a:rPr lang="ja-JP" altLang="en-US" sz="1400" dirty="0" smtClean="0"/>
-              <a:t>→</a:t>
-            </a:r>
-            <a:r>
-              <a:rPr lang="en-US" altLang="ja-JP" sz="1400" dirty="0" smtClean="0"/>
-              <a:t>HP</a:t>
-            </a:r>
-            <a:r>
-              <a:rPr lang="ja-JP" altLang="en-US" sz="1400" dirty="0" smtClean="0"/>
-              <a:t>にあるもの使用</a:t>
-            </a:r>
-          </a:p>
-          <a:p>
-            <a:r>
-              <a:rPr lang="ja-JP" altLang="en-US" sz="1400" dirty="0" smtClean="0">
-                <a:solidFill>
-                  <a:srgbClr val="FF0000"/>
-                </a:solidFill>
-              </a:rPr>
-              <a:t>メニューバー</a:t>
-            </a:r>
-            <a:r>
-              <a:rPr lang="ja-JP" altLang="en-US" sz="1400" dirty="0" smtClean="0"/>
-              <a:t>	</a:t>
-            </a:r>
-          </a:p>
-          <a:p>
-            <a:r>
-              <a:rPr lang="ja-JP" altLang="en-US" sz="1400" dirty="0" smtClean="0"/>
-              <a:t>→会社情報、事業内容、お問い合わせ</a:t>
-            </a:r>
-          </a:p>
-          <a:p>
-            <a:r>
-              <a:rPr lang="ja-JP" altLang="en-US" sz="1400" dirty="0" smtClean="0"/>
-              <a:t>　リンクのロールオーバーはなし</a:t>
-            </a:r>
-            <a:r>
-              <a:rPr lang="en-US" altLang="ja-JP" sz="1400" dirty="0" smtClean="0"/>
-              <a:t>(</a:t>
-            </a:r>
-            <a:r>
-              <a:rPr lang="ja-JP" altLang="en-US" sz="1400" dirty="0" smtClean="0"/>
-              <a:t>現状の方針</a:t>
-            </a:r>
-            <a:r>
-              <a:rPr lang="en-US" altLang="ja-JP" sz="1400" dirty="0" smtClean="0"/>
-              <a:t>)</a:t>
-            </a:r>
-          </a:p>
-          <a:p>
-            <a:r>
-              <a:rPr lang="ja-JP" altLang="en-US" sz="1400" dirty="0" smtClean="0"/>
-              <a:t>　細かい内容は各項目に中間リンクを置いて遷移させる</a:t>
-            </a:r>
-          </a:p>
-          <a:p>
-            <a:r>
-              <a:rPr lang="ja-JP" altLang="en-US" sz="1400" dirty="0" smtClean="0"/>
-              <a:t>　お問い合わせには、お客様窓口、パートナー募集、</a:t>
-            </a:r>
-            <a:endParaRPr lang="en-US" altLang="ja-JP" sz="1400" dirty="0" smtClean="0"/>
-          </a:p>
-          <a:p>
-            <a:r>
-              <a:rPr lang="ja-JP" altLang="en-US" sz="1400" dirty="0"/>
+            <a:pPr marL="0" indent="0">
+              <a:buNone/>
+            </a:pPr>
+            <a:r>
+              <a:rPr lang="ja-JP" altLang="en-US" sz="2900" b="1" dirty="0">
+                <a:latin typeface="+mn-ea"/>
+              </a:rPr>
+              <a:t>反省</a:t>
+            </a:r>
+            <a:endParaRPr lang="ja-JP" altLang="en-US" sz="2900" b="1" dirty="0" smtClean="0">
+              <a:effectLst/>
+              <a:latin typeface="+mn-ea"/>
+            </a:endParaRPr>
+          </a:p>
+          <a:p>
+            <a:r>
+              <a:rPr lang="ja-JP" altLang="en-US" dirty="0" smtClean="0">
+                <a:effectLst/>
+                <a:latin typeface="+mn-ea"/>
+              </a:rPr>
+              <a:t>会社</a:t>
+            </a:r>
+            <a:r>
+              <a:rPr lang="ja-JP" altLang="en-US" dirty="0" smtClean="0">
+                <a:effectLst/>
+                <a:latin typeface="+mn-ea"/>
+              </a:rPr>
+              <a:t>の資産の現状を</a:t>
+            </a:r>
+            <a:r>
+              <a:rPr lang="ja-JP" altLang="en-US" dirty="0" smtClean="0">
+                <a:effectLst/>
+                <a:latin typeface="+mn-ea"/>
+              </a:rPr>
+              <a:t>把握</a:t>
+            </a:r>
+            <a:r>
+              <a:rPr lang="ja-JP" altLang="en-US" dirty="0" smtClean="0">
+                <a:latin typeface="+mn-ea"/>
+              </a:rPr>
+              <a:t>していなかった為、</a:t>
+            </a:r>
+            <a:r>
+              <a:rPr lang="en-US" altLang="ja-JP" dirty="0" smtClean="0">
+                <a:latin typeface="+mn-ea"/>
+              </a:rPr>
+              <a:t>OS</a:t>
+            </a:r>
+            <a:r>
+              <a:rPr lang="ja-JP" altLang="en-US" dirty="0" smtClean="0">
+                <a:effectLst/>
+                <a:latin typeface="+mn-ea"/>
+              </a:rPr>
+              <a:t>の</a:t>
+            </a:r>
+            <a:r>
+              <a:rPr lang="ja-JP" altLang="en-US" dirty="0" smtClean="0">
+                <a:effectLst/>
+                <a:latin typeface="+mn-ea"/>
+              </a:rPr>
+              <a:t>アップデート</a:t>
+            </a:r>
+            <a:r>
+              <a:rPr lang="ja-JP" altLang="en-US" dirty="0" smtClean="0">
+                <a:effectLst/>
+                <a:latin typeface="+mn-ea"/>
+              </a:rPr>
+              <a:t>等の想定外作業</a:t>
+            </a:r>
+            <a:r>
+              <a:rPr lang="ja-JP" altLang="en-US" dirty="0" smtClean="0">
+                <a:effectLst/>
+                <a:latin typeface="+mn-ea"/>
+              </a:rPr>
+              <a:t>に</a:t>
+            </a:r>
+            <a:r>
+              <a:rPr lang="ja-JP" altLang="en-US" dirty="0" smtClean="0">
+                <a:effectLst/>
+                <a:latin typeface="+mn-ea"/>
+              </a:rPr>
+              <a:t>時間</a:t>
+            </a:r>
+            <a:r>
+              <a:rPr lang="ja-JP" altLang="en-US" dirty="0" smtClean="0">
+                <a:effectLst/>
+                <a:latin typeface="+mn-ea"/>
+              </a:rPr>
+              <a:t>が</a:t>
+            </a:r>
+            <a:r>
+              <a:rPr lang="ja-JP" altLang="en-US" dirty="0" smtClean="0">
+                <a:effectLst/>
+                <a:latin typeface="+mn-ea"/>
+              </a:rPr>
+              <a:t>多くかかった。</a:t>
+            </a:r>
+            <a:endParaRPr lang="ja-JP" altLang="en-US" dirty="0" smtClean="0">
+              <a:effectLst/>
+              <a:latin typeface="+mn-ea"/>
+            </a:endParaRPr>
+          </a:p>
+          <a:p>
+            <a:r>
+              <a:rPr lang="ja-JP" altLang="en-US" dirty="0" smtClean="0">
+                <a:effectLst/>
+                <a:latin typeface="+mn-ea"/>
+              </a:rPr>
+              <a:t>見積もりが</a:t>
+            </a:r>
+            <a:r>
+              <a:rPr lang="ja-JP" altLang="en-US" dirty="0" smtClean="0">
+                <a:latin typeface="+mn-ea"/>
+              </a:rPr>
+              <a:t>甘かった為</a:t>
+            </a:r>
+            <a:r>
+              <a:rPr lang="ja-JP" altLang="en-US" dirty="0" smtClean="0">
+                <a:effectLst/>
+                <a:latin typeface="+mn-ea"/>
+              </a:rPr>
+              <a:t>、</a:t>
+            </a:r>
+            <a:r>
+              <a:rPr lang="ja-JP" altLang="en-US" dirty="0" smtClean="0">
+                <a:effectLst/>
+                <a:latin typeface="+mn-ea"/>
+              </a:rPr>
+              <a:t>ソース管理</a:t>
+            </a:r>
+            <a:r>
+              <a:rPr lang="ja-JP" altLang="en-US" dirty="0" smtClean="0">
+                <a:latin typeface="+mn-ea"/>
+              </a:rPr>
+              <a:t>用</a:t>
+            </a:r>
+            <a:r>
+              <a:rPr lang="ja-JP" altLang="en-US" dirty="0" smtClean="0">
+                <a:effectLst/>
+                <a:latin typeface="+mn-ea"/>
+              </a:rPr>
+              <a:t>個人</a:t>
+            </a:r>
+            <a:r>
+              <a:rPr lang="ja-JP" altLang="en-US" dirty="0" smtClean="0">
+                <a:effectLst/>
+                <a:latin typeface="+mn-ea"/>
+              </a:rPr>
+              <a:t>アカウント発行</a:t>
+            </a:r>
+            <a:r>
+              <a:rPr lang="ja-JP" altLang="en-US" dirty="0" smtClean="0">
+                <a:effectLst/>
+                <a:latin typeface="+mn-ea"/>
+              </a:rPr>
+              <a:t>など環境</a:t>
+            </a:r>
+            <a:r>
+              <a:rPr lang="ja-JP" altLang="en-US" dirty="0" smtClean="0">
+                <a:effectLst/>
+                <a:latin typeface="+mn-ea"/>
+              </a:rPr>
+              <a:t>構築</a:t>
+            </a:r>
+            <a:r>
+              <a:rPr lang="ja-JP" altLang="en-US" dirty="0" smtClean="0">
+                <a:effectLst/>
+                <a:latin typeface="+mn-ea"/>
+              </a:rPr>
+              <a:t>に</a:t>
+            </a:r>
+            <a:r>
+              <a:rPr lang="ja-JP" altLang="en-US" dirty="0" smtClean="0">
+                <a:effectLst/>
+                <a:latin typeface="+mn-ea"/>
+              </a:rPr>
+              <a:t>予想以上の</a:t>
+            </a:r>
+            <a:r>
+              <a:rPr lang="ja-JP" altLang="en-US" dirty="0" smtClean="0">
+                <a:effectLst/>
+                <a:latin typeface="+mn-ea"/>
+              </a:rPr>
+              <a:t>時間</a:t>
+            </a:r>
+            <a:r>
+              <a:rPr lang="ja-JP" altLang="en-US" dirty="0" smtClean="0">
+                <a:effectLst/>
+                <a:latin typeface="+mn-ea"/>
+              </a:rPr>
+              <a:t>が</a:t>
+            </a:r>
+            <a:r>
+              <a:rPr lang="ja-JP" altLang="en-US" dirty="0" smtClean="0">
+                <a:effectLst/>
+                <a:latin typeface="+mn-ea"/>
+              </a:rPr>
+              <a:t>かかった</a:t>
+            </a:r>
+            <a:r>
+              <a:rPr lang="ja-JP" altLang="en-US" dirty="0" smtClean="0">
+                <a:effectLst/>
+                <a:latin typeface="+mn-ea"/>
+              </a:rPr>
+              <a:t>。</a:t>
+            </a:r>
+            <a:endParaRPr lang="ja-JP" altLang="en-US" dirty="0" smtClean="0">
+              <a:effectLst/>
+              <a:latin typeface="+mn-ea"/>
+            </a:endParaRPr>
+          </a:p>
+          <a:p>
+            <a:r>
+              <a:rPr lang="ja-JP" altLang="en-US" dirty="0" smtClean="0">
+                <a:latin typeface="+mn-ea"/>
+              </a:rPr>
+              <a:t>ホームページ作成の作業</a:t>
+            </a:r>
+            <a:r>
+              <a:rPr lang="ja-JP" altLang="en-US" dirty="0" smtClean="0">
+                <a:latin typeface="+mn-ea"/>
+              </a:rPr>
+              <a:t>工程</a:t>
+            </a:r>
+            <a:r>
+              <a:rPr lang="ja-JP" altLang="en-US" dirty="0" smtClean="0">
+                <a:latin typeface="+mn-ea"/>
+              </a:rPr>
+              <a:t>が把握出来ていなかった為、</a:t>
+            </a:r>
+            <a:r>
+              <a:rPr lang="ja-JP" altLang="en-US" dirty="0" smtClean="0">
+                <a:latin typeface="+mn-ea"/>
+              </a:rPr>
+              <a:t>タスク</a:t>
+            </a:r>
+            <a:r>
+              <a:rPr lang="ja-JP" altLang="en-US" dirty="0" smtClean="0">
+                <a:effectLst/>
+                <a:latin typeface="+mn-ea"/>
+              </a:rPr>
+              <a:t>の細分化</a:t>
+            </a:r>
+            <a:r>
+              <a:rPr lang="ja-JP" altLang="en-US" dirty="0" smtClean="0">
+                <a:effectLst/>
+                <a:latin typeface="+mn-ea"/>
+              </a:rPr>
+              <a:t>をしきれなかった</a:t>
+            </a:r>
+            <a:endParaRPr lang="en-US" altLang="ja-JP" dirty="0" smtClean="0">
+              <a:effectLst/>
+              <a:latin typeface="+mn-ea"/>
+            </a:endParaRPr>
+          </a:p>
+          <a:p>
+            <a:r>
+              <a:rPr lang="ja-JP" altLang="en-US" dirty="0" smtClean="0">
+                <a:effectLst/>
+                <a:latin typeface="+mn-ea"/>
+              </a:rPr>
+              <a:t>メンバーの帰社にばらつきがあり、当月の作業にとりかかるのに時間がかかった。</a:t>
+            </a:r>
+            <a:endParaRPr lang="en-US" altLang="ja-JP" dirty="0" smtClean="0">
+              <a:effectLst/>
+              <a:latin typeface="+mn-ea"/>
+            </a:endParaRPr>
+          </a:p>
+          <a:p>
+            <a:pPr>
+              <a:buNone/>
+            </a:pPr>
+            <a:endParaRPr lang="ja-JP" altLang="en-US" dirty="0" smtClean="0">
+              <a:effectLst/>
+              <a:latin typeface="+mn-ea"/>
+            </a:endParaRPr>
+          </a:p>
+          <a:p>
+            <a:pPr marL="0" indent="0">
+              <a:buNone/>
+            </a:pPr>
+            <a:r>
+              <a:rPr lang="ja-JP" altLang="en-US" sz="2900" b="1" dirty="0">
+                <a:latin typeface="+mn-ea"/>
+              </a:rPr>
+              <a:t>対策</a:t>
+            </a:r>
+            <a:endParaRPr lang="ja-JP" altLang="en-US" sz="2900" b="1" dirty="0" smtClean="0">
+              <a:effectLst/>
+              <a:latin typeface="+mn-ea"/>
+            </a:endParaRPr>
+          </a:p>
+          <a:p>
+            <a:r>
+              <a:rPr lang="ja-JP" altLang="en-US" dirty="0" smtClean="0">
+                <a:effectLst/>
+                <a:latin typeface="+mn-ea"/>
+              </a:rPr>
+              <a:t>環境について</a:t>
+            </a:r>
+          </a:p>
+          <a:p>
+            <a:pPr marL="0" indent="0">
+              <a:buNone/>
+            </a:pPr>
+            <a:r>
+              <a:rPr lang="ja-JP" altLang="en-US" dirty="0" smtClean="0">
+                <a:effectLst/>
+                <a:latin typeface="+mn-ea"/>
+              </a:rPr>
+              <a:t>　会社のパソコン及び個人アカウントの環境周りは完了している。</a:t>
+            </a:r>
+            <a:endParaRPr lang="en-US" altLang="ja-JP" dirty="0" smtClean="0">
+              <a:effectLst/>
+              <a:latin typeface="+mn-ea"/>
+            </a:endParaRPr>
+          </a:p>
+          <a:p>
+            <a:pPr marL="0" indent="0">
+              <a:buNone/>
+            </a:pPr>
+            <a:r>
+              <a:rPr lang="ja-JP" altLang="en-US" dirty="0" smtClean="0">
+                <a:effectLst/>
+                <a:latin typeface="+mn-ea"/>
+              </a:rPr>
+              <a:t>　サーバー環境については現サーバーで使用可能な</a:t>
+            </a:r>
+            <a:r>
+              <a:rPr lang="en-US" altLang="ja-JP" dirty="0" smtClean="0">
+                <a:latin typeface="+mn-ea"/>
+              </a:rPr>
+              <a:t>PHP</a:t>
+            </a:r>
+            <a:r>
+              <a:rPr lang="ja-JP" altLang="en-US" dirty="0" smtClean="0">
+                <a:latin typeface="+mn-ea"/>
+              </a:rPr>
+              <a:t>を用いて</a:t>
+            </a:r>
+            <a:r>
+              <a:rPr lang="ja-JP" altLang="en-US" dirty="0" smtClean="0">
+                <a:effectLst/>
+                <a:latin typeface="+mn-ea"/>
+              </a:rPr>
+              <a:t>開発することで</a:t>
+            </a:r>
+            <a:r>
+              <a:rPr lang="ja-JP" altLang="en-US" dirty="0" smtClean="0">
+                <a:effectLst/>
+                <a:latin typeface="+mn-ea"/>
+              </a:rPr>
+              <a:t>、</a:t>
+            </a:r>
+            <a:endParaRPr lang="en-US" altLang="ja-JP" dirty="0" smtClean="0">
+              <a:effectLst/>
+              <a:latin typeface="+mn-ea"/>
+            </a:endParaRPr>
+          </a:p>
+          <a:p>
+            <a:pPr marL="0" indent="0">
+              <a:buNone/>
+            </a:pPr>
+            <a:r>
+              <a:rPr lang="ja-JP" altLang="ja-JP" dirty="0" smtClean="0">
+                <a:latin typeface="+mn-ea"/>
+              </a:rPr>
               <a:t>　</a:t>
             </a:r>
             <a:r>
-              <a:rPr lang="ja-JP" altLang="en-US" sz="1400" dirty="0" smtClean="0"/>
-              <a:t>採用を子リンクとしてまとめる</a:t>
-            </a:r>
-          </a:p>
-          <a:p>
-            <a:r>
-              <a:rPr lang="ja-JP" altLang="en-US" sz="1400" dirty="0" smtClean="0"/>
-              <a:t>　ホームボタンは削除</a:t>
-            </a:r>
-          </a:p>
-          <a:p>
-            <a:r>
-              <a:rPr lang="ja-JP" altLang="en-US" sz="1400" dirty="0" smtClean="0"/>
-              <a:t>　メニューバーの上に社名を入れる</a:t>
-            </a:r>
-          </a:p>
-          <a:p>
-            <a:r>
-              <a:rPr lang="ja-JP" altLang="en-US" sz="1400" dirty="0" smtClean="0">
-                <a:solidFill>
-                  <a:srgbClr val="FF0000"/>
-                </a:solidFill>
-              </a:rPr>
-              <a:t>コンテンツのパネル</a:t>
-            </a:r>
-            <a:r>
-              <a:rPr lang="ja-JP" altLang="en-US" sz="1400" dirty="0" smtClean="0"/>
-              <a:t>	</a:t>
-            </a:r>
-          </a:p>
-          <a:p>
-            <a:r>
-              <a:rPr lang="ja-JP" altLang="en-US" sz="1400" dirty="0" smtClean="0"/>
-              <a:t>→スクロールは排除。最大６件の情報のみ載せる</a:t>
-            </a:r>
-          </a:p>
-          <a:p>
-            <a:r>
-              <a:rPr lang="ja-JP" altLang="en-US" sz="1400" dirty="0" smtClean="0"/>
-              <a:t>　採用リンクは下本さんの写真のある画面に遷移</a:t>
-            </a:r>
-          </a:p>
-          <a:p>
-            <a:r>
-              <a:rPr lang="ja-JP" altLang="en-US" sz="1400" dirty="0" smtClean="0"/>
+              <a:rPr lang="ja-JP" altLang="en-US" dirty="0" smtClean="0">
+                <a:effectLst/>
+                <a:latin typeface="+mn-ea"/>
+              </a:rPr>
+              <a:t>サーバー</a:t>
+            </a:r>
+            <a:r>
+              <a:rPr lang="ja-JP" altLang="en-US" dirty="0" smtClean="0">
+                <a:effectLst/>
+                <a:latin typeface="+mn-ea"/>
+              </a:rPr>
+              <a:t>設定の工数を削減することとする。</a:t>
+            </a:r>
+          </a:p>
+          <a:p>
+            <a:r>
+              <a:rPr lang="ja-JP" altLang="en-US" dirty="0" smtClean="0">
+                <a:effectLst/>
+                <a:latin typeface="+mn-ea"/>
+              </a:rPr>
+              <a:t>タスク細分化に</a:t>
+            </a:r>
+            <a:r>
+              <a:rPr lang="ja-JP" altLang="en-US" dirty="0" smtClean="0">
+                <a:effectLst/>
+                <a:latin typeface="+mn-ea"/>
+              </a:rPr>
+              <a:t>ついて</a:t>
+            </a:r>
+            <a:endParaRPr lang="ja-JP" altLang="en-US" dirty="0" smtClean="0">
+              <a:latin typeface="+mn-ea"/>
+            </a:endParaRPr>
+          </a:p>
+          <a:p>
+            <a:pPr marL="0" indent="0">
+              <a:buNone/>
+            </a:pPr>
+            <a:r>
+              <a:rPr lang="ja-JP" altLang="en-US" dirty="0" smtClean="0">
+                <a:latin typeface="+mn-ea"/>
+              </a:rPr>
+              <a:t>　８月に３つの小チームを作成。今後はチーム毎の活動とし、個々のタスクを細分化していく</a:t>
+            </a:r>
+            <a:r>
+              <a:rPr lang="ja-JP" altLang="en-US" dirty="0" smtClean="0">
+                <a:latin typeface="+mn-ea"/>
+              </a:rPr>
+              <a:t>。</a:t>
+            </a:r>
+            <a:endParaRPr lang="en-US" altLang="ja-JP" dirty="0" smtClean="0">
+              <a:latin typeface="+mn-ea"/>
+            </a:endParaRPr>
+          </a:p>
+          <a:p>
+            <a:r>
+              <a:rPr lang="ja-JP" altLang="en-US" dirty="0" smtClean="0">
+                <a:latin typeface="+mn-ea"/>
+              </a:rPr>
+              <a:t>チーム内の情報共有について</a:t>
+            </a:r>
+            <a:endParaRPr lang="en-US" altLang="ja-JP" dirty="0" smtClean="0">
+              <a:latin typeface="+mn-ea"/>
+            </a:endParaRPr>
+          </a:p>
+          <a:p>
+            <a:pPr>
+              <a:buNone/>
+            </a:pPr>
+            <a:r>
+              <a:rPr lang="ja-JP" altLang="en-US" dirty="0" smtClean="0">
+                <a:latin typeface="+mn-ea"/>
+              </a:rPr>
               <a:t>　</a:t>
             </a:r>
             <a:r>
-              <a:rPr lang="en-US" altLang="ja-JP" sz="1400" dirty="0" smtClean="0"/>
-              <a:t>Twitter</a:t>
-            </a:r>
-            <a:r>
-              <a:rPr lang="ja-JP" altLang="en-US" sz="1400" dirty="0" smtClean="0"/>
-              <a:t>の埋め込みで最新情報を更新する</a:t>
-            </a:r>
-            <a:endParaRPr lang="en-US" altLang="ja-JP" sz="1400" dirty="0" smtClean="0"/>
-          </a:p>
-          <a:p>
-            <a:r>
-              <a:rPr lang="ja-JP" altLang="en-US" sz="1400" dirty="0"/>
-              <a:t>　</a:t>
-            </a:r>
-            <a:r>
-              <a:rPr lang="en-US" altLang="ja-JP" sz="1400" dirty="0" smtClean="0"/>
-              <a:t>(</a:t>
-            </a:r>
-            <a:r>
-              <a:rPr lang="ja-JP" altLang="en-US" sz="1400" dirty="0" smtClean="0"/>
-              <a:t>情報更新に</a:t>
-            </a:r>
-            <a:r>
-              <a:rPr lang="en-US" altLang="ja-JP" sz="1400" dirty="0" smtClean="0"/>
-              <a:t>HP</a:t>
-            </a:r>
-            <a:r>
-              <a:rPr lang="ja-JP" altLang="en-US" sz="1400" dirty="0" smtClean="0"/>
-              <a:t>の更新が不要なため</a:t>
-            </a:r>
-            <a:r>
-              <a:rPr lang="en-US" altLang="ja-JP" sz="1400" dirty="0" smtClean="0"/>
-              <a:t>)</a:t>
-            </a:r>
-          </a:p>
-          <a:p>
-            <a:r>
-              <a:rPr lang="ja-JP" altLang="en-US" sz="1400" dirty="0" smtClean="0"/>
-              <a:t>　求人情報は</a:t>
-            </a:r>
-            <a:r>
-              <a:rPr lang="en-US" altLang="ja-JP" sz="1400" dirty="0" smtClean="0"/>
-              <a:t>Twitter</a:t>
-            </a:r>
-            <a:r>
-              <a:rPr lang="ja-JP" altLang="en-US" sz="1400" dirty="0" smtClean="0"/>
-              <a:t>などで告知。</a:t>
-            </a:r>
-            <a:r>
-              <a:rPr lang="en-US" altLang="ja-JP" sz="1400" dirty="0" smtClean="0"/>
-              <a:t>HP</a:t>
-            </a:r>
-            <a:r>
-              <a:rPr lang="ja-JP" altLang="en-US" sz="1400" dirty="0" smtClean="0"/>
-              <a:t>更新頻度があげられないため	</a:t>
-            </a:r>
-          </a:p>
-          <a:p>
-            <a:r>
-              <a:rPr lang="ja-JP" altLang="en-US" sz="1400" dirty="0" smtClean="0">
-                <a:solidFill>
-                  <a:srgbClr val="FF0000"/>
-                </a:solidFill>
-              </a:rPr>
-              <a:t>メイン画像</a:t>
-            </a:r>
-            <a:r>
-              <a:rPr lang="ja-JP" altLang="en-US" sz="1400" dirty="0" smtClean="0"/>
-              <a:t>	</a:t>
-            </a:r>
-          </a:p>
-          <a:p>
-            <a:r>
-              <a:rPr lang="ja-JP" altLang="en-US" sz="1400" dirty="0" smtClean="0"/>
-              <a:t>→現状一枚のみ</a:t>
-            </a:r>
-            <a:r>
-              <a:rPr lang="en-US" altLang="ja-JP" sz="1400" dirty="0" smtClean="0"/>
-              <a:t>(</a:t>
-            </a:r>
-            <a:r>
-              <a:rPr lang="ja-JP" altLang="en-US" sz="1400" dirty="0" smtClean="0"/>
-              <a:t>画像の内容は要検討</a:t>
-            </a:r>
-            <a:r>
-              <a:rPr lang="en-US" altLang="ja-JP" sz="1400" dirty="0" smtClean="0"/>
-              <a:t>)</a:t>
-            </a:r>
-          </a:p>
-          <a:p>
-            <a:r>
-              <a:rPr lang="ja-JP" altLang="en-US" sz="1400" dirty="0" smtClean="0"/>
-              <a:t>　リンク先は実績一覧ページに飛ばす</a:t>
-            </a:r>
-          </a:p>
-          <a:p>
-            <a:r>
-              <a:rPr lang="ja-JP" altLang="en-US" sz="1400" dirty="0" smtClean="0">
-                <a:solidFill>
-                  <a:srgbClr val="FF0000"/>
-                </a:solidFill>
-              </a:rPr>
-              <a:t>サイトマップ</a:t>
-            </a:r>
-            <a:r>
-              <a:rPr lang="ja-JP" altLang="en-US" sz="1400" dirty="0" smtClean="0"/>
-              <a:t>	</a:t>
-            </a:r>
-          </a:p>
-          <a:p>
-            <a:r>
-              <a:rPr lang="ja-JP" altLang="en-US" sz="1400" dirty="0" smtClean="0"/>
-              <a:t>→</a:t>
-            </a:r>
-            <a:r>
-              <a:rPr lang="en-US" altLang="ja-JP" sz="1400" dirty="0" smtClean="0"/>
-              <a:t>ISO27001</a:t>
-            </a:r>
-            <a:r>
-              <a:rPr lang="ja-JP" altLang="en-US" sz="1400" dirty="0" smtClean="0"/>
-              <a:t>を右側に表示。クリックで保護方針ページに遷移</a:t>
-            </a:r>
-          </a:p>
-          <a:p>
-            <a:r>
-              <a:rPr lang="ja-JP" altLang="en-US" sz="1400" dirty="0" smtClean="0"/>
-              <a:t>　載せる内容は要認定された全てのページへのリンク</a:t>
-            </a:r>
-          </a:p>
-          <a:p>
-            <a:r>
-              <a:rPr lang="ja-JP" altLang="en-US" sz="1400" dirty="0" smtClean="0"/>
-              <a:t>　</a:t>
-            </a:r>
-            <a:r>
-              <a:rPr lang="en-US" altLang="ja-JP" sz="1400" dirty="0" err="1" smtClean="0"/>
-              <a:t>CopyRight</a:t>
-            </a:r>
-            <a:r>
-              <a:rPr lang="ja-JP" altLang="en-US" sz="1400" dirty="0" smtClean="0"/>
-              <a:t>の年度表記は削除</a:t>
-            </a:r>
-          </a:p>
-          <a:p>
-            <a:r>
-              <a:rPr lang="ja-JP" altLang="en-US" sz="1400" dirty="0" smtClean="0">
-                <a:solidFill>
-                  <a:srgbClr val="FF0000"/>
-                </a:solidFill>
-              </a:rPr>
-              <a:t>サイトカラー</a:t>
-            </a:r>
-            <a:r>
-              <a:rPr lang="ja-JP" altLang="en-US" sz="1400" dirty="0" smtClean="0"/>
-              <a:t>	</a:t>
-            </a:r>
-          </a:p>
-          <a:p>
-            <a:r>
-              <a:rPr lang="ja-JP" altLang="en-US" sz="1400" dirty="0" smtClean="0"/>
-              <a:t>→現行</a:t>
-            </a:r>
-            <a:r>
-              <a:rPr lang="en-US" altLang="ja-JP" sz="1400" dirty="0" smtClean="0"/>
-              <a:t>HP</a:t>
-            </a:r>
-            <a:r>
-              <a:rPr lang="ja-JP" altLang="en-US" sz="1400" dirty="0" smtClean="0"/>
-              <a:t>のカラーリングを踏襲</a:t>
-            </a:r>
-            <a:endParaRPr lang="ja-JP" altLang="en-US" sz="1400" dirty="0"/>
+              <a:rPr lang="ja-JP" altLang="en-US" dirty="0" smtClean="0">
+                <a:latin typeface="+mn-ea"/>
+              </a:rPr>
+              <a:t>議事録</a:t>
+            </a:r>
+            <a:r>
+              <a:rPr lang="ja-JP" altLang="en-US" dirty="0" smtClean="0">
+                <a:latin typeface="+mn-ea"/>
+              </a:rPr>
+              <a:t>には当月の作業報告に加えて、次月のタスクを記載する。</a:t>
+            </a:r>
+            <a:endParaRPr lang="en-US" altLang="ja-JP" dirty="0" smtClean="0">
+              <a:latin typeface="+mn-ea"/>
+            </a:endParaRPr>
           </a:p>
         </p:txBody>
       </p:sp>
     </p:spTree>
     <p:extLst>
       <p:ext uri="{BB962C8B-B14F-4D97-AF65-F5344CB8AC3E}">
-        <p14:creationId xmlns:p14="http://schemas.microsoft.com/office/powerpoint/2010/main" val="3710354482"/>
+        <p14:creationId xmlns="" xmlns:a="http://schemas.openxmlformats.org/drawingml/2006/main" xmlns:r="http://schemas.openxmlformats.org/officeDocument/2006/relationships" xmlns:p="http://schemas.openxmlformats.org/presentationml/2006/main" xmlns:p14="http://schemas.microsoft.com/office/powerpoint/2010/main" xmlns:mv="urn:schemas-microsoft-com:mac:vml" xmlns:mc="http://schemas.openxmlformats.org/markup-compatibility/2006" val="2630170199"/>
       </p:ext>
     </p:extLst>
   </p:cSld>
@@ -8151,7 +8820,7 @@
 </file>
 
 <file path=ppt/slides/slide8.xml><?xml version="1.0" encoding="utf-8"?>
-<p:sld xmlns:a="http://schemas.openxmlformats.org/drawingml/2006/main" xmlns:r="http://schemas.openxmlformats.org/officeDocument/2006/relationships" xmlns:p="http://schemas.openxmlformats.org/presentationml/2006/main">
+<p:sld xmlns:a="http://schemas.openxmlformats.org/drawingml/2006/main" xmlns:r="http://schemas.openxmlformats.org/officeDocument/2006/relationships" xmlns:mc="http://schemas.openxmlformats.org/markup-compatibility/2006" xmlns:mv="urn:schemas-microsoft-com:mac:vml" xmlns:p="http://schemas.openxmlformats.org/presentationml/2006/main" mc:Ignorable="mv" mc:PreserveAttributes="mv:*">
   <p:cSld>
     <p:spTree>
       <p:nvGrpSpPr>
@@ -8177,19 +8846,14 @@
             <p:ph type="title"/>
           </p:nvPr>
         </p:nvSpPr>
-        <p:spPr>
-          <a:xfrm>
-            <a:off x="1484310" y="453981"/>
-            <a:ext cx="10018713" cy="1194515"/>
-          </a:xfrm>
-        </p:spPr>
+        <p:spPr/>
         <p:txBody>
           <a:bodyPr/>
           <a:lstStyle/>
           <a:p>
             <a:r>
-              <a:rPr kumimoji="1" lang="ja-JP" altLang="en-US" dirty="0" smtClean="0"/>
-              <a:t>反省と対策</a:t>
+              <a:rPr lang="ja-JP" altLang="en-US" dirty="0" smtClean="0"/>
+              <a:t>２０１９年　スケジュール</a:t>
             </a:r>
             <a:endParaRPr kumimoji="1" lang="ja-JP" altLang="en-US" dirty="0"/>
           </a:p>
@@ -8205,15 +8869,10 @@
             <p:ph idx="1"/>
           </p:nvPr>
         </p:nvSpPr>
-        <p:spPr>
-          <a:xfrm>
-            <a:off x="1484310" y="1352283"/>
-            <a:ext cx="10145313" cy="5215942"/>
-          </a:xfrm>
-        </p:spPr>
+        <p:spPr/>
         <p:txBody>
           <a:bodyPr>
-            <a:normAutofit fontScale="70000" lnSpcReduction="20000"/>
+            <a:normAutofit fontScale="92500" lnSpcReduction="20000"/>
           </a:bodyPr>
           <a:lstStyle/>
           <a:p>
@@ -8221,98 +8880,86 @@
               <a:buNone/>
             </a:pPr>
             <a:r>
-              <a:rPr lang="ja-JP" altLang="en-US" sz="2900" b="1" dirty="0">
-                <a:latin typeface="+mn-ea"/>
-              </a:rPr>
-              <a:t>反省</a:t>
-            </a:r>
-            <a:endParaRPr lang="ja-JP" altLang="en-US" sz="2900" b="1" dirty="0" smtClean="0">
-              <a:effectLst/>
+              <a:rPr lang="ja-JP" altLang="en-US" sz="3200" dirty="0" smtClean="0">
+                <a:latin typeface="+mn-ea"/>
+              </a:rPr>
+              <a:t>１</a:t>
+            </a:r>
+            <a:r>
+              <a:rPr lang="en-US" altLang="ja-JP" sz="3200" dirty="0" smtClean="0">
+                <a:latin typeface="+mn-ea"/>
+              </a:rPr>
+              <a:t>~</a:t>
+            </a:r>
+            <a:r>
+              <a:rPr lang="ja-JP" altLang="en-US" sz="3200" dirty="0" smtClean="0">
+                <a:latin typeface="+mn-ea"/>
+              </a:rPr>
+              <a:t>３</a:t>
+            </a:r>
+            <a:r>
+              <a:rPr kumimoji="1" lang="ja-JP" altLang="en-US" sz="3200" dirty="0" smtClean="0">
+                <a:latin typeface="+mn-ea"/>
+              </a:rPr>
+              <a:t>月</a:t>
+            </a:r>
+            <a:r>
+              <a:rPr kumimoji="1" lang="ja-JP" altLang="en-US" sz="3200" dirty="0" smtClean="0">
+                <a:latin typeface="+mn-ea"/>
+              </a:rPr>
+              <a:t>：トップ</a:t>
+            </a:r>
+            <a:r>
+              <a:rPr kumimoji="1" lang="ja-JP" altLang="en-US" sz="3200" dirty="0" smtClean="0">
+                <a:latin typeface="+mn-ea"/>
+              </a:rPr>
+              <a:t>画面</a:t>
+            </a:r>
+            <a:r>
+              <a:rPr lang="en-US" altLang="ja-JP" sz="3200" dirty="0" smtClean="0">
+                <a:latin typeface="+mn-ea"/>
+              </a:rPr>
+              <a:t>(HTML</a:t>
+            </a:r>
+            <a:r>
+              <a:rPr lang="en-US" altLang="en-US" sz="3200" dirty="0" smtClean="0">
+                <a:latin typeface="+mn-ea"/>
+              </a:rPr>
+              <a:t>)</a:t>
+            </a:r>
+            <a:r>
+              <a:rPr kumimoji="1" lang="ja-JP" altLang="en-US" sz="3200" dirty="0" smtClean="0">
+                <a:latin typeface="+mn-ea"/>
+              </a:rPr>
+              <a:t>のモックコーディング</a:t>
+            </a:r>
+            <a:endParaRPr kumimoji="1" lang="en-US" altLang="ja-JP" sz="3200" dirty="0" smtClean="0">
               <a:latin typeface="+mn-ea"/>
             </a:endParaRPr>
           </a:p>
           <a:p>
-            <a:r>
-              <a:rPr lang="ja-JP" altLang="en-US" dirty="0" smtClean="0">
-                <a:effectLst/>
-                <a:latin typeface="+mn-ea"/>
-              </a:rPr>
-              <a:t>メンバーの帰社頻度が低く、会社の資産の現状を把握せずにスケジュールを立てた</a:t>
-            </a:r>
-          </a:p>
-          <a:p>
             <a:pPr marL="0" indent="0">
               <a:buNone/>
             </a:pPr>
             <a:r>
-              <a:rPr lang="ja-JP" altLang="en-US" dirty="0" smtClean="0">
-                <a:effectLst/>
-                <a:latin typeface="+mn-ea"/>
-              </a:rPr>
-              <a:t>　その結果、</a:t>
-            </a:r>
-            <a:r>
-              <a:rPr lang="en-US" altLang="ja-JP" dirty="0" smtClean="0">
-                <a:latin typeface="+mn-ea"/>
-              </a:rPr>
-              <a:t>OS</a:t>
-            </a:r>
-            <a:r>
-              <a:rPr lang="ja-JP" altLang="en-US" dirty="0" smtClean="0">
-                <a:effectLst/>
-                <a:latin typeface="+mn-ea"/>
-              </a:rPr>
-              <a:t>のアップデートに工数が多くかかった。</a:t>
-            </a:r>
-          </a:p>
-          <a:p>
-            <a:r>
-              <a:rPr lang="ja-JP" altLang="en-US" dirty="0" smtClean="0">
-                <a:effectLst/>
-                <a:latin typeface="+mn-ea"/>
-              </a:rPr>
-              <a:t>環境構築の見積もりが甘かった</a:t>
-            </a:r>
-          </a:p>
-          <a:p>
-            <a:pPr marL="0" indent="0">
-              <a:buNone/>
-            </a:pPr>
-            <a:r>
-              <a:rPr lang="ja-JP" altLang="en-US" dirty="0" smtClean="0">
-                <a:effectLst/>
-                <a:latin typeface="+mn-ea"/>
-              </a:rPr>
-              <a:t>　ソース管理のための個人アカウント発行など、環境構築に時間がかかった</a:t>
-            </a:r>
-          </a:p>
-          <a:p>
-            <a:r>
-              <a:rPr lang="ja-JP" altLang="en-US" dirty="0" smtClean="0">
-                <a:effectLst/>
-                <a:latin typeface="+mn-ea"/>
-              </a:rPr>
-              <a:t>タスクの細分化が出来ていなかった</a:t>
-            </a:r>
-          </a:p>
-          <a:p>
-            <a:pPr marL="0" indent="0">
-              <a:buNone/>
-            </a:pPr>
-            <a:r>
-              <a:rPr lang="ja-JP" altLang="en-US" dirty="0" smtClean="0">
-                <a:effectLst/>
-                <a:latin typeface="+mn-ea"/>
-              </a:rPr>
-              <a:t>　達成のためには何が必要なのかが明確でないために見切り発車な作業をしていた</a:t>
-            </a:r>
-          </a:p>
-          <a:p>
-            <a:pPr marL="0" indent="0">
-              <a:buNone/>
-            </a:pPr>
-            <a:endParaRPr lang="ja-JP" altLang="en-US" dirty="0" smtClean="0">
-              <a:effectLst/>
+              <a:rPr lang="en-US" altLang="ja-JP" sz="3200" dirty="0" smtClean="0">
+                <a:latin typeface="+mn-ea"/>
+              </a:rPr>
+              <a:t>				</a:t>
+            </a:r>
+            <a:r>
+              <a:rPr lang="en-US" altLang="ja-JP" sz="3200" dirty="0" smtClean="0">
+                <a:latin typeface="+mn-ea"/>
+              </a:rPr>
+              <a:t>1~2</a:t>
+            </a:r>
+            <a:r>
+              <a:rPr lang="ja-JP" altLang="en-US" sz="3200" dirty="0" smtClean="0">
+                <a:latin typeface="+mn-ea"/>
+              </a:rPr>
+              <a:t>月　チーム毎</a:t>
+            </a:r>
+            <a:endParaRPr lang="en-US" altLang="ja-JP" sz="3200" dirty="0" smtClean="0">
               <a:latin typeface="+mn-ea"/>
             </a:endParaRPr>
           </a:p>
@@ -8321,193 +8968,16 @@
               <a:buNone/>
             </a:pPr>
             <a:r>
-              <a:rPr lang="ja-JP" altLang="en-US" sz="2900" b="1" dirty="0">
-                <a:latin typeface="+mn-ea"/>
-              </a:rPr>
-              <a:t>対策</a:t>
-            </a:r>
-            <a:endParaRPr lang="ja-JP" altLang="en-US" sz="2900" b="1" dirty="0" smtClean="0">
-              <a:effectLst/>
-              <a:latin typeface="+mn-ea"/>
-            </a:endParaRPr>
-          </a:p>
-          <a:p>
-            <a:r>
-              <a:rPr lang="ja-JP" altLang="en-US" dirty="0" smtClean="0">
-                <a:effectLst/>
-                <a:latin typeface="+mn-ea"/>
-              </a:rPr>
-              <a:t>環境について</a:t>
-            </a:r>
-          </a:p>
-          <a:p>
-            <a:pPr marL="0" indent="0">
-              <a:buNone/>
-            </a:pPr>
-            <a:r>
-              <a:rPr lang="ja-JP" altLang="en-US" dirty="0" smtClean="0">
-                <a:effectLst/>
-                <a:latin typeface="+mn-ea"/>
-              </a:rPr>
-              <a:t>　会社のパソコン及び個人アカウントの環境周りは完了している。</a:t>
-            </a:r>
-            <a:endParaRPr lang="en-US" altLang="ja-JP" dirty="0" smtClean="0">
-              <a:effectLst/>
-              <a:latin typeface="+mn-ea"/>
-            </a:endParaRPr>
-          </a:p>
-          <a:p>
-            <a:pPr marL="0" indent="0">
-              <a:buNone/>
-            </a:pPr>
-            <a:r>
-              <a:rPr lang="ja-JP" altLang="en-US" dirty="0" smtClean="0">
-                <a:effectLst/>
-                <a:latin typeface="+mn-ea"/>
-              </a:rPr>
-              <a:t>　サーバー環境については現サーバーで使用可能な</a:t>
-            </a:r>
-            <a:r>
-              <a:rPr lang="en-US" altLang="ja-JP" dirty="0" smtClean="0">
-                <a:latin typeface="+mn-ea"/>
-              </a:rPr>
-              <a:t>PHP</a:t>
-            </a:r>
-            <a:r>
-              <a:rPr lang="ja-JP" altLang="en-US" dirty="0" smtClean="0">
-                <a:latin typeface="+mn-ea"/>
-              </a:rPr>
-              <a:t>を用いて</a:t>
-            </a:r>
-            <a:r>
-              <a:rPr lang="ja-JP" altLang="en-US" dirty="0" smtClean="0">
-                <a:effectLst/>
-                <a:latin typeface="+mn-ea"/>
-              </a:rPr>
-              <a:t>開発することで、サーバー設定の工数を削減することとする。</a:t>
-            </a:r>
-          </a:p>
-          <a:p>
-            <a:r>
-              <a:rPr lang="ja-JP" altLang="en-US" dirty="0" smtClean="0">
-                <a:effectLst/>
-                <a:latin typeface="+mn-ea"/>
-              </a:rPr>
-              <a:t>タスク細分化について</a:t>
-            </a:r>
-          </a:p>
-          <a:p>
-            <a:pPr marL="0" indent="0">
-              <a:buNone/>
-            </a:pPr>
-            <a:r>
-              <a:rPr lang="ja-JP" altLang="en-US" dirty="0" smtClean="0">
-                <a:effectLst/>
-                <a:latin typeface="+mn-ea"/>
-              </a:rPr>
-              <a:t>　８月に３つの小チームを作成。今後はチーム毎の活動とし、個々のタスクを細分化していく。</a:t>
-            </a:r>
-          </a:p>
-          <a:p>
-            <a:pPr marL="0" indent="0">
-              <a:buNone/>
-            </a:pPr>
-            <a:endParaRPr kumimoji="1" lang="ja-JP" altLang="en-US" dirty="0">
-              <a:latin typeface="+mn-ea"/>
-            </a:endParaRPr>
-          </a:p>
-        </p:txBody>
-      </p:sp>
-    </p:spTree>
-    <p:extLst>
-      <p:ext uri="{BB962C8B-B14F-4D97-AF65-F5344CB8AC3E}">
-        <p14:creationId xmlns:p14="http://schemas.microsoft.com/office/powerpoint/2010/main" val="2630170199"/>
-      </p:ext>
-    </p:extLst>
-  </p:cSld>
-  <p:clrMapOvr>
-    <a:masterClrMapping/>
-  </p:clrMapOvr>
-</p:sld>
-</file>
-
-<file path=ppt/slides/slide9.xml><?xml version="1.0" encoding="utf-8"?>
-<p:sld xmlns:a="http://schemas.openxmlformats.org/drawingml/2006/main" xmlns:r="http://schemas.openxmlformats.org/officeDocument/2006/relationships" xmlns:p="http://schemas.openxmlformats.org/presentationml/2006/main">
-  <p:cSld>
-    <p:spTree>
-      <p:nvGrpSpPr>
-        <p:cNvPr id="1" name=""/>
-        <p:cNvGrpSpPr/>
-        <p:nvPr/>
-      </p:nvGrpSpPr>
-      <p:grpSpPr>
-        <a:xfrm>
-          <a:off x="0" y="0"/>
-          <a:ext cx="0" cy="0"/>
-          <a:chOff x="0" y="0"/>
-          <a:chExt cx="0" cy="0"/>
-        </a:xfrm>
-      </p:grpSpPr>
-      <p:sp>
-        <p:nvSpPr>
-          <p:cNvPr id="2" name="タイトル 1"/>
-          <p:cNvSpPr>
-            <a:spLocks noGrp="1"/>
-          </p:cNvSpPr>
-          <p:nvPr>
-            <p:ph type="title"/>
-          </p:nvPr>
-        </p:nvSpPr>
-        <p:spPr/>
-        <p:txBody>
-          <a:bodyPr/>
-          <a:lstStyle/>
-          <a:p>
-            <a:r>
-              <a:rPr lang="ja-JP" altLang="en-US" dirty="0" smtClean="0"/>
-              <a:t>２０１９年　スケジュール</a:t>
-            </a:r>
-            <a:endParaRPr kumimoji="1" lang="ja-JP" altLang="en-US" dirty="0"/>
-          </a:p>
-        </p:txBody>
-      </p:sp>
-      <p:sp>
-        <p:nvSpPr>
-          <p:cNvPr id="3" name="コンテンツ プレースホルダー 2"/>
-          <p:cNvSpPr>
-            <a:spLocks noGrp="1"/>
-          </p:cNvSpPr>
-          <p:nvPr>
-            <p:ph idx="1"/>
-          </p:nvPr>
-        </p:nvSpPr>
-        <p:spPr/>
-        <p:txBody>
-          <a:bodyPr>
-            <a:normAutofit/>
-          </a:bodyPr>
-          <a:lstStyle/>
-          <a:p>
-            <a:pPr marL="0" indent="0">
-              <a:buNone/>
-            </a:pPr>
+              <a:rPr kumimoji="1" lang="en-US" altLang="ja-JP" sz="3200" dirty="0" smtClean="0">
+                <a:latin typeface="+mn-ea"/>
+              </a:rPr>
+              <a:t>				3</a:t>
+            </a:r>
             <a:r>
               <a:rPr kumimoji="1" lang="ja-JP" altLang="en-US" sz="3200" dirty="0" smtClean="0">
                 <a:latin typeface="+mn-ea"/>
               </a:rPr>
-              <a:t>１～３月：トップ画面のモックコーディング（</a:t>
-            </a:r>
-            <a:r>
-              <a:rPr kumimoji="1" lang="en-US" altLang="ja-JP" sz="3200" dirty="0" smtClean="0">
-                <a:latin typeface="+mn-ea"/>
-              </a:rPr>
-              <a:t>HTML</a:t>
-            </a:r>
-            <a:r>
-              <a:rPr kumimoji="1" lang="ja-JP" altLang="en-US" sz="3200" dirty="0" smtClean="0">
-                <a:latin typeface="+mn-ea"/>
-              </a:rPr>
-              <a:t>）</a:t>
+              <a:t>月　　一体化</a:t>
             </a:r>
             <a:endParaRPr kumimoji="1" lang="en-US" altLang="ja-JP" sz="3200" dirty="0" smtClean="0">
               <a:latin typeface="+mn-ea"/>
@@ -8529,19 +8999,69 @@
               <a:rPr kumimoji="1" lang="ja-JP" altLang="en-US" sz="3200" dirty="0" smtClean="0">
                 <a:latin typeface="+mn-ea"/>
               </a:rPr>
-              <a:t>４月以降：問い合わせ画面（</a:t>
+              <a:t>４月以降：</a:t>
+            </a:r>
+            <a:r>
+              <a:rPr kumimoji="1" lang="ja-JP" altLang="en-US" sz="3200" dirty="0" smtClean="0">
+                <a:latin typeface="+mn-ea"/>
+              </a:rPr>
+              <a:t>問い合わせ</a:t>
+            </a:r>
+            <a:r>
+              <a:rPr lang="ja-JP" altLang="en-US" sz="3200" dirty="0" smtClean="0">
+                <a:latin typeface="+mn-ea"/>
+              </a:rPr>
+              <a:t>フォーム</a:t>
+            </a:r>
+            <a:r>
+              <a:rPr kumimoji="1" lang="ja-JP" altLang="en-US" sz="3200" dirty="0" smtClean="0">
+                <a:latin typeface="+mn-ea"/>
+              </a:rPr>
+              <a:t>画面</a:t>
             </a:r>
             <a:r>
               <a:rPr kumimoji="1" lang="en-US" altLang="ja-JP" sz="3200" dirty="0" smtClean="0">
                 <a:latin typeface="+mn-ea"/>
               </a:rPr>
+              <a:t>(</a:t>
+            </a:r>
+            <a:r>
+              <a:rPr kumimoji="1" lang="en-US" altLang="ja-JP" sz="3200" dirty="0" smtClean="0">
+                <a:latin typeface="+mn-ea"/>
+              </a:rPr>
               <a:t>PHP</a:t>
             </a:r>
             <a:r>
-              <a:rPr kumimoji="1" lang="ja-JP" altLang="en-US" sz="3200" dirty="0" smtClean="0">
-                <a:latin typeface="+mn-ea"/>
-              </a:rPr>
-              <a:t>）</a:t>
+              <a:rPr kumimoji="1" lang="en-US" altLang="ja-JP" sz="3200" dirty="0" smtClean="0">
+                <a:latin typeface="+mn-ea"/>
+              </a:rPr>
+              <a:t>)</a:t>
+            </a:r>
+            <a:r>
+              <a:rPr lang="ja-JP" altLang="en-US" sz="3200" dirty="0" smtClean="0">
+                <a:latin typeface="+mn-ea"/>
+              </a:rPr>
+              <a:t>を優先的に</a:t>
+            </a:r>
+            <a:endParaRPr lang="en-US" altLang="ja-JP" sz="3200" dirty="0" smtClean="0">
+              <a:latin typeface="+mn-ea"/>
+            </a:endParaRPr>
+          </a:p>
+          <a:p>
+            <a:pPr marL="0" indent="0">
+              <a:buNone/>
+            </a:pPr>
+            <a:r>
+              <a:rPr lang="en-US" altLang="ja-JP" sz="3200" dirty="0" smtClean="0">
+                <a:latin typeface="+mn-ea"/>
+              </a:rPr>
+              <a:t>				</a:t>
+            </a:r>
+            <a:r>
+              <a:rPr lang="ja-JP" altLang="en-US" sz="3200" dirty="0" smtClean="0">
+                <a:latin typeface="+mn-ea"/>
+              </a:rPr>
+              <a:t>他の画面は随時作成</a:t>
             </a:r>
             <a:endParaRPr kumimoji="1" lang="en-US" altLang="ja-JP" sz="3200" dirty="0" smtClean="0">
               <a:latin typeface="+mn-ea"/>
@@ -8552,7 +9072,7 @@
     </p:spTree>
     <p:extLst>
       <p:ext uri="{BB962C8B-B14F-4D97-AF65-F5344CB8AC3E}">
-        <p14:creationId xmlns:p14="http://schemas.microsoft.com/office/powerpoint/2010/main" val="3592585331"/>
+        <p14:creationId xmlns="" xmlns:a="http://schemas.openxmlformats.org/drawingml/2006/main" xmlns:r="http://schemas.openxmlformats.org/officeDocument/2006/relationships" xmlns:p="http://schemas.openxmlformats.org/presentationml/2006/main" xmlns:p14="http://schemas.microsoft.com/office/powerpoint/2010/main" xmlns:mv="urn:schemas-microsoft-com:mac:vml" xmlns:mc="http://schemas.openxmlformats.org/markup-compatibility/2006" val="3592585331"/>
       </p:ext>
     </p:extLst>
   </p:cSld>
@@ -8605,7 +9125,7 @@
     </a:clrScheme>
     <a:fontScheme name="視差">
       <a:majorFont>
-        <a:latin typeface="Corbel" panose="020B0503020204020204"/>
+        <a:latin typeface="Corbel"/>
         <a:ea typeface=""/>
         <a:cs typeface=""/>
         <a:font script="Jpan" typeface="HGｺﾞｼｯｸM"/>
@@ -8640,7 +9160,7 @@
         <a:font script="Geor" typeface="Sylfaen"/>
       </a:majorFont>
       <a:minorFont>
-        <a:latin typeface="Corbel" panose="020B0503020204020204"/>
+        <a:latin typeface="Corbel"/>
         <a:ea typeface=""/>
         <a:cs typeface=""/>
         <a:font script="Jpan" typeface="HGｺﾞｼｯｸM"/>
@@ -8812,7 +9332,7 @@
   <a:extraClrSchemeLst/>
   <a:extLst>
     <a:ext uri="{05A4C25C-085E-4340-85A3-A5531E510DB2}">
-      <thm15:themeFamily xmlns:thm15="http://schemas.microsoft.com/office/thememl/2012/main" name="Parallax" id="{3388167B-A2EB-4685-9635-1831D9AEF8C4}" vid="{4F7A876A-7598-49CA-AFC8-8EDA2551E4A7}"/>
+      <thm15:themeFamily xmlns="" xmlns:a="http://schemas.openxmlformats.org/drawingml/2006/main" xmlns:thm15="http://schemas.microsoft.com/office/thememl/2012/main" name="Parallax" id="{3388167B-A2EB-4685-9635-1831D9AEF8C4}" vid="{4F7A876A-7598-49CA-AFC8-8EDA2551E4A7}"/>
     </a:ext>
   </a:extLst>
 </a:theme>
